--- a/Presentation/Presentation.pptx
+++ b/Presentation/Presentation.pptx
@@ -2,7 +2,7 @@
 <file path=ppt/presentation.xml><?xml version="1.0" encoding="utf-8"?>
 <p:presentation xmlns:a="http://schemas.openxmlformats.org/drawingml/2006/main" xmlns:r="http://schemas.openxmlformats.org/officeDocument/2006/relationships" xmlns:p="http://schemas.openxmlformats.org/presentationml/2006/main" saveSubsetFonts="1">
   <p:sldMasterIdLst>
-    <p:sldMasterId id="2147483720" r:id="rId1"/>
+    <p:sldMasterId id="2147484099" r:id="rId1"/>
   </p:sldMasterIdLst>
   <p:sldIdLst>
     <p:sldId id="256" r:id="rId2"/>
@@ -10,6 +10,7 @@
     <p:sldId id="257" r:id="rId4"/>
     <p:sldId id="262" r:id="rId5"/>
     <p:sldId id="261" r:id="rId6"/>
+    <p:sldId id="263" r:id="rId7"/>
   </p:sldIdLst>
   <p:sldSz cx="12192000" cy="6858000"/>
   <p:notesSz cx="6858000" cy="9144000"/>
@@ -117,7 +118,7 @@
 </file>
 
 <file path=ppt/slideLayouts/slideLayout1.xml><?xml version="1.0" encoding="utf-8"?>
-<p:sldLayout xmlns:a="http://schemas.openxmlformats.org/drawingml/2006/main" xmlns:r="http://schemas.openxmlformats.org/officeDocument/2006/relationships" xmlns:p="http://schemas.openxmlformats.org/presentationml/2006/main" showMasterSp="0" type="title" preserve="1">
+<p:sldLayout xmlns:a="http://schemas.openxmlformats.org/drawingml/2006/main" xmlns:r="http://schemas.openxmlformats.org/officeDocument/2006/relationships" xmlns:p="http://schemas.openxmlformats.org/presentationml/2006/main" type="title" preserve="1">
   <p:cSld name="Title Slide">
     <p:spTree>
       <p:nvGrpSpPr>
@@ -133,344 +134,27 @@
           <a:chExt cx="0" cy="0"/>
         </a:xfrm>
       </p:grpSpPr>
-      <p:grpSp>
-        <p:nvGrpSpPr>
-          <p:cNvPr id="19" name="Group 18"/>
-          <p:cNvGrpSpPr/>
-          <p:nvPr/>
-        </p:nvGrpSpPr>
-        <p:grpSpPr>
+      <p:sp>
+        <p:nvSpPr>
+          <p:cNvPr id="2" name="Title 1"/>
+          <p:cNvSpPr>
+            <a:spLocks noGrp="1"/>
+          </p:cNvSpPr>
+          <p:nvPr>
+            <p:ph type="ctrTitle"/>
+          </p:nvPr>
+        </p:nvSpPr>
+        <p:spPr>
           <a:xfrm>
-            <a:off x="546100" y="-4763"/>
-            <a:ext cx="5014912" cy="6862763"/>
-            <a:chOff x="2928938" y="-4763"/>
-            <a:chExt cx="5014912" cy="6862763"/>
-          </a:xfrm>
-        </p:grpSpPr>
-        <p:sp>
-          <p:nvSpPr>
-            <p:cNvPr id="22" name="Freeform 6"/>
-            <p:cNvSpPr/>
-            <p:nvPr/>
-          </p:nvSpPr>
-          <p:spPr bwMode="auto">
-            <a:xfrm>
-              <a:off x="3367088" y="-4763"/>
-              <a:ext cx="1063625" cy="2782888"/>
-            </a:xfrm>
-            <a:custGeom>
-              <a:avLst/>
-              <a:gdLst/>
-              <a:ahLst/>
-              <a:cxnLst/>
-              <a:rect l="0" t="0" r="r" b="b"/>
-              <a:pathLst>
-                <a:path w="670" h="1753">
-                  <a:moveTo>
-                    <a:pt x="0" y="1696"/>
-                  </a:moveTo>
-                  <a:lnTo>
-                    <a:pt x="225" y="1753"/>
-                  </a:lnTo>
-                  <a:lnTo>
-                    <a:pt x="670" y="0"/>
-                  </a:lnTo>
-                  <a:lnTo>
-                    <a:pt x="430" y="0"/>
-                  </a:lnTo>
-                  <a:lnTo>
-                    <a:pt x="0" y="1696"/>
-                  </a:lnTo>
-                  <a:close/>
-                </a:path>
-              </a:pathLst>
-            </a:custGeom>
-            <a:solidFill>
-              <a:schemeClr val="accent1"/>
-            </a:solidFill>
-            <a:ln>
-              <a:noFill/>
-            </a:ln>
-          </p:spPr>
-        </p:sp>
-        <p:sp>
-          <p:nvSpPr>
-            <p:cNvPr id="23" name="Freeform 7"/>
-            <p:cNvSpPr/>
-            <p:nvPr/>
-          </p:nvSpPr>
-          <p:spPr bwMode="auto">
-            <a:xfrm>
-              <a:off x="2928938" y="-4763"/>
-              <a:ext cx="1035050" cy="2673350"/>
-            </a:xfrm>
-            <a:custGeom>
-              <a:avLst/>
-              <a:gdLst/>
-              <a:ahLst/>
-              <a:cxnLst/>
-              <a:rect l="0" t="0" r="r" b="b"/>
-              <a:pathLst>
-                <a:path w="652" h="1684">
-                  <a:moveTo>
-                    <a:pt x="225" y="1684"/>
-                  </a:moveTo>
-                  <a:lnTo>
-                    <a:pt x="652" y="0"/>
-                  </a:lnTo>
-                  <a:lnTo>
-                    <a:pt x="411" y="0"/>
-                  </a:lnTo>
-                  <a:lnTo>
-                    <a:pt x="0" y="1627"/>
-                  </a:lnTo>
-                  <a:lnTo>
-                    <a:pt x="219" y="1681"/>
-                  </a:lnTo>
-                  <a:lnTo>
-                    <a:pt x="225" y="1684"/>
-                  </a:lnTo>
-                  <a:close/>
-                </a:path>
-              </a:pathLst>
-            </a:custGeom>
-            <a:solidFill>
-              <a:schemeClr val="tx1">
-                <a:lumMod val="65000"/>
-                <a:lumOff val="35000"/>
-              </a:schemeClr>
-            </a:solidFill>
-            <a:ln>
-              <a:noFill/>
-            </a:ln>
-          </p:spPr>
-        </p:sp>
-        <p:sp>
-          <p:nvSpPr>
-            <p:cNvPr id="24" name="Freeform 9"/>
-            <p:cNvSpPr/>
-            <p:nvPr/>
-          </p:nvSpPr>
-          <p:spPr bwMode="auto">
-            <a:xfrm>
-              <a:off x="2928938" y="2582862"/>
-              <a:ext cx="2693987" cy="4275138"/>
-            </a:xfrm>
-            <a:custGeom>
-              <a:avLst/>
-              <a:gdLst/>
-              <a:ahLst/>
-              <a:cxnLst/>
-              <a:rect l="0" t="0" r="r" b="b"/>
-              <a:pathLst>
-                <a:path w="1697" h="2693">
-                  <a:moveTo>
-                    <a:pt x="0" y="0"/>
-                  </a:moveTo>
-                  <a:lnTo>
-                    <a:pt x="1622" y="2693"/>
-                  </a:lnTo>
-                  <a:lnTo>
-                    <a:pt x="1697" y="2693"/>
-                  </a:lnTo>
-                  <a:lnTo>
-                    <a:pt x="0" y="0"/>
-                  </a:lnTo>
-                  <a:close/>
-                </a:path>
-              </a:pathLst>
-            </a:custGeom>
-            <a:solidFill>
-              <a:schemeClr val="tx1">
-                <a:lumMod val="85000"/>
-                <a:lumOff val="15000"/>
-              </a:schemeClr>
-            </a:solidFill>
-            <a:ln>
-              <a:noFill/>
-            </a:ln>
-          </p:spPr>
-        </p:sp>
-        <p:sp>
-          <p:nvSpPr>
-            <p:cNvPr id="25" name="Freeform 10"/>
-            <p:cNvSpPr/>
-            <p:nvPr/>
-          </p:nvSpPr>
-          <p:spPr bwMode="auto">
-            <a:xfrm>
-              <a:off x="3371850" y="2692400"/>
-              <a:ext cx="3332162" cy="4165600"/>
-            </a:xfrm>
-            <a:custGeom>
-              <a:avLst/>
-              <a:gdLst/>
-              <a:ahLst/>
-              <a:cxnLst/>
-              <a:rect l="0" t="0" r="r" b="b"/>
-              <a:pathLst>
-                <a:path w="2099" h="2624">
-                  <a:moveTo>
-                    <a:pt x="2099" y="2624"/>
-                  </a:moveTo>
-                  <a:lnTo>
-                    <a:pt x="0" y="0"/>
-                  </a:lnTo>
-                  <a:lnTo>
-                    <a:pt x="2021" y="2624"/>
-                  </a:lnTo>
-                  <a:lnTo>
-                    <a:pt x="2099" y="2624"/>
-                  </a:lnTo>
-                  <a:close/>
-                </a:path>
-              </a:pathLst>
-            </a:custGeom>
-            <a:solidFill>
-              <a:schemeClr val="accent1">
-                <a:lumMod val="50000"/>
-              </a:schemeClr>
-            </a:solidFill>
-            <a:ln>
-              <a:noFill/>
-            </a:ln>
-          </p:spPr>
-        </p:sp>
-        <p:sp>
-          <p:nvSpPr>
-            <p:cNvPr id="26" name="Freeform 11"/>
-            <p:cNvSpPr/>
-            <p:nvPr/>
-          </p:nvSpPr>
-          <p:spPr bwMode="auto">
-            <a:xfrm>
-              <a:off x="3367088" y="2687637"/>
-              <a:ext cx="4576762" cy="4170363"/>
-            </a:xfrm>
-            <a:custGeom>
-              <a:avLst/>
-              <a:gdLst/>
-              <a:ahLst/>
-              <a:cxnLst/>
-              <a:rect l="0" t="0" r="r" b="b"/>
-              <a:pathLst>
-                <a:path w="2883" h="2627">
-                  <a:moveTo>
-                    <a:pt x="0" y="0"/>
-                  </a:moveTo>
-                  <a:lnTo>
-                    <a:pt x="3" y="3"/>
-                  </a:lnTo>
-                  <a:lnTo>
-                    <a:pt x="2102" y="2627"/>
-                  </a:lnTo>
-                  <a:lnTo>
-                    <a:pt x="2883" y="2627"/>
-                  </a:lnTo>
-                  <a:lnTo>
-                    <a:pt x="225" y="57"/>
-                  </a:lnTo>
-                  <a:lnTo>
-                    <a:pt x="0" y="0"/>
-                  </a:lnTo>
-                  <a:close/>
-                </a:path>
-              </a:pathLst>
-            </a:custGeom>
-            <a:solidFill>
-              <a:schemeClr val="accent1">
-                <a:lumMod val="75000"/>
-              </a:schemeClr>
-            </a:solidFill>
-            <a:ln>
-              <a:noFill/>
-            </a:ln>
-          </p:spPr>
-        </p:sp>
-        <p:sp>
-          <p:nvSpPr>
-            <p:cNvPr id="27" name="Freeform 12"/>
-            <p:cNvSpPr/>
-            <p:nvPr/>
-          </p:nvSpPr>
-          <p:spPr bwMode="auto">
-            <a:xfrm>
-              <a:off x="2928938" y="2578100"/>
-              <a:ext cx="3584575" cy="4279900"/>
-            </a:xfrm>
-            <a:custGeom>
-              <a:avLst/>
-              <a:gdLst/>
-              <a:ahLst/>
-              <a:cxnLst/>
-              <a:rect l="0" t="0" r="r" b="b"/>
-              <a:pathLst>
-                <a:path w="2258" h="2696">
-                  <a:moveTo>
-                    <a:pt x="2258" y="2696"/>
-                  </a:moveTo>
-                  <a:lnTo>
-                    <a:pt x="264" y="111"/>
-                  </a:lnTo>
-                  <a:lnTo>
-                    <a:pt x="228" y="60"/>
-                  </a:lnTo>
-                  <a:lnTo>
-                    <a:pt x="225" y="57"/>
-                  </a:lnTo>
-                  <a:lnTo>
-                    <a:pt x="0" y="0"/>
-                  </a:lnTo>
-                  <a:lnTo>
-                    <a:pt x="0" y="3"/>
-                  </a:lnTo>
-                  <a:lnTo>
-                    <a:pt x="1697" y="2696"/>
-                  </a:lnTo>
-                  <a:lnTo>
-                    <a:pt x="2258" y="2696"/>
-                  </a:lnTo>
-                  <a:close/>
-                </a:path>
-              </a:pathLst>
-            </a:custGeom>
-            <a:solidFill>
-              <a:schemeClr val="tx1">
-                <a:lumMod val="75000"/>
-                <a:lumOff val="25000"/>
-              </a:schemeClr>
-            </a:solidFill>
-            <a:ln>
-              <a:noFill/>
-            </a:ln>
-          </p:spPr>
-        </p:sp>
-      </p:grpSp>
-      <p:sp>
-        <p:nvSpPr>
-          <p:cNvPr id="2" name="Title 1"/>
-          <p:cNvSpPr>
-            <a:spLocks noGrp="1"/>
-          </p:cNvSpPr>
-          <p:nvPr>
-            <p:ph type="ctrTitle"/>
-          </p:nvPr>
-        </p:nvSpPr>
-        <p:spPr>
-          <a:xfrm>
-            <a:off x="2928401" y="1380068"/>
-            <a:ext cx="8574622" cy="2616199"/>
-          </a:xfrm>
-        </p:spPr>
-        <p:txBody>
-          <a:bodyPr anchor="b">
-            <a:normAutofit/>
-          </a:bodyPr>
+            <a:off x="1154955" y="1447800"/>
+            <a:ext cx="8825658" cy="3329581"/>
+          </a:xfrm>
+        </p:spPr>
+        <p:txBody>
+          <a:bodyPr anchor="b"/>
           <a:lstStyle>
-            <a:lvl1pPr algn="r">
-              <a:defRPr sz="6000">
-                <a:effectLst/>
-              </a:defRPr>
+            <a:lvl1pPr>
+              <a:defRPr sz="7200"/>
             </a:lvl1pPr>
           </a:lstStyle>
           <a:p>
@@ -494,20 +178,21 @@
         </p:nvSpPr>
         <p:spPr>
           <a:xfrm>
-            <a:off x="4515377" y="3996267"/>
-            <a:ext cx="6987645" cy="1388534"/>
-          </a:xfrm>
-        </p:spPr>
-        <p:txBody>
-          <a:bodyPr anchor="t">
-            <a:normAutofit/>
-          </a:bodyPr>
+            <a:off x="1154955" y="4777380"/>
+            <a:ext cx="8825658" cy="861420"/>
+          </a:xfrm>
+        </p:spPr>
+        <p:txBody>
+          <a:bodyPr anchor="t"/>
           <a:lstStyle>
-            <a:lvl1pPr marL="0" indent="0" algn="r">
-              <a:buNone/>
-              <a:defRPr sz="2100">
+            <a:lvl1pPr marL="0" indent="0" algn="l">
+              <a:buNone/>
+              <a:defRPr cap="all">
                 <a:solidFill>
-                  <a:schemeClr val="tx1"/>
+                  <a:schemeClr val="bg2">
+                    <a:lumMod val="40000"/>
+                    <a:lumOff val="60000"/>
+                  </a:schemeClr>
                 </a:solidFill>
               </a:defRPr>
             </a:lvl1pPr>
@@ -618,7 +303,7 @@
           <a:p>
             <a:fld id="{2E3F47AE-4804-4655-8D11-C2BEE1A314EC}" type="datetimeFigureOut">
               <a:rPr lang="en-GB" smtClean="0"/>
-              <a:t>16/12/2020</a:t>
+              <a:t>18/12/2020</a:t>
             </a:fld>
             <a:endParaRPr lang="en-GB"/>
           </a:p>
@@ -634,12 +319,7 @@
             <p:ph type="ftr" sz="quarter" idx="11"/>
           </p:nvPr>
         </p:nvSpPr>
-        <p:spPr>
-          <a:xfrm>
-            <a:off x="5332412" y="5883275"/>
-            <a:ext cx="4324044" cy="365125"/>
-          </a:xfrm>
-        </p:spPr>
+        <p:spPr/>
         <p:txBody>
           <a:bodyPr/>
           <a:lstStyle/>
@@ -674,7 +354,7 @@
     </p:spTree>
     <p:extLst>
       <p:ext uri="{BB962C8B-B14F-4D97-AF65-F5344CB8AC3E}">
-        <p14:creationId xmlns:p14="http://schemas.microsoft.com/office/powerpoint/2010/main" val="4047339585"/>
+        <p14:creationId xmlns:p14="http://schemas.microsoft.com/office/powerpoint/2010/main" val="346323254"/>
       </p:ext>
     </p:extLst>
   </p:cSld>
@@ -713,8 +393,8 @@
         </p:nvSpPr>
         <p:spPr>
           <a:xfrm>
-            <a:off x="1484311" y="4732865"/>
-            <a:ext cx="10018711" cy="566738"/>
+            <a:off x="1154956" y="4800587"/>
+            <a:ext cx="8825657" cy="566738"/>
           </a:xfrm>
         </p:spPr>
         <p:txBody>
@@ -722,7 +402,7 @@
             <a:normAutofit/>
           </a:bodyPr>
           <a:lstStyle>
-            <a:lvl1pPr algn="ctr">
+            <a:lvl1pPr algn="l">
               <a:defRPr sz="2400" b="0"/>
             </a:lvl1pPr>
           </a:lstStyle>
@@ -747,36 +427,20 @@
         </p:nvSpPr>
         <p:spPr>
           <a:xfrm>
-            <a:off x="2386012" y="932112"/>
-            <a:ext cx="8225944" cy="3164976"/>
+            <a:off x="1154955" y="685800"/>
+            <a:ext cx="8825658" cy="3640666"/>
           </a:xfrm>
           <a:prstGeom prst="roundRect">
             <a:avLst>
-              <a:gd name="adj" fmla="val 4380"/>
+              <a:gd name="adj" fmla="val 1858"/>
             </a:avLst>
           </a:prstGeom>
-          <a:ln w="38100">
-            <a:gradFill flip="none" rotWithShape="1">
-              <a:gsLst>
-                <a:gs pos="0">
-                  <a:schemeClr val="bg2"/>
-                </a:gs>
-                <a:gs pos="100000">
-                  <a:schemeClr val="bg2">
-                    <a:lumMod val="75000"/>
-                  </a:schemeClr>
-                </a:gs>
-              </a:gsLst>
-              <a:lin ang="5400000" scaled="0"/>
-              <a:tileRect/>
-            </a:gradFill>
-          </a:ln>
           <a:effectLst>
-            <a:innerShdw blurRad="57150" dist="38100" dir="14460000">
+            <a:outerShdw blurRad="50800" dist="50800" dir="5400000" algn="tl" rotWithShape="0">
               <a:srgbClr val="000000">
-                <a:alpha val="70000"/>
+                <a:alpha val="43000"/>
               </a:srgbClr>
-            </a:innerShdw>
+            </a:outerShdw>
           </a:effectLst>
         </p:spPr>
         <p:txBody>
@@ -842,8 +506,8 @@
         </p:nvSpPr>
         <p:spPr>
           <a:xfrm>
-            <a:off x="1484311" y="5299603"/>
-            <a:ext cx="10018711" cy="493712"/>
+            <a:off x="1154956" y="5367325"/>
+            <a:ext cx="8825656" cy="493712"/>
           </a:xfrm>
         </p:spPr>
         <p:txBody>
@@ -851,9 +515,9 @@
             <a:normAutofit/>
           </a:bodyPr>
           <a:lstStyle>
-            <a:lvl1pPr marL="0" indent="0" algn="ctr">
-              <a:buNone/>
-              <a:defRPr sz="1400"/>
+            <a:lvl1pPr marL="0" indent="0">
+              <a:buNone/>
+              <a:defRPr sz="1200"/>
             </a:lvl1pPr>
             <a:lvl2pPr marL="457200" indent="0">
               <a:buNone/>
@@ -892,7 +556,7 @@
             <a:pPr lvl="0"/>
             <a:r>
               <a:rPr lang="en-US"/>
-              <a:t>Edit Master text styles</a:t>
+              <a:t>Click to edit Master text styles</a:t>
             </a:r>
           </a:p>
         </p:txBody>
@@ -914,7 +578,7 @@
           <a:p>
             <a:fld id="{2E3F47AE-4804-4655-8D11-C2BEE1A314EC}" type="datetimeFigureOut">
               <a:rPr lang="en-GB" smtClean="0"/>
-              <a:t>16/12/2020</a:t>
+              <a:t>18/12/2020</a:t>
             </a:fld>
             <a:endParaRPr lang="en-GB"/>
           </a:p>
@@ -965,7 +629,7 @@
     </p:spTree>
     <p:extLst>
       <p:ext uri="{BB962C8B-B14F-4D97-AF65-F5344CB8AC3E}">
-        <p14:creationId xmlns:p14="http://schemas.microsoft.com/office/powerpoint/2010/main" val="3156575471"/>
+        <p14:creationId xmlns:p14="http://schemas.microsoft.com/office/powerpoint/2010/main" val="390937122"/>
       </p:ext>
     </p:extLst>
   </p:cSld>
@@ -1004,8 +668,40 @@
         </p:nvSpPr>
         <p:spPr>
           <a:xfrm>
-            <a:off x="1484312" y="685800"/>
-            <a:ext cx="10018711" cy="3048000"/>
+            <a:off x="1154954" y="1447800"/>
+            <a:ext cx="8825659" cy="1981200"/>
+          </a:xfrm>
+        </p:spPr>
+        <p:txBody>
+          <a:bodyPr/>
+          <a:lstStyle>
+            <a:lvl1pPr>
+              <a:defRPr sz="4800"/>
+            </a:lvl1pPr>
+          </a:lstStyle>
+          <a:p>
+            <a:r>
+              <a:rPr lang="en-US"/>
+              <a:t>Click to edit Master title style</a:t>
+            </a:r>
+            <a:endParaRPr lang="en-US" dirty="0"/>
+          </a:p>
+        </p:txBody>
+      </p:sp>
+      <p:sp>
+        <p:nvSpPr>
+          <p:cNvPr id="8" name="Text Placeholder 3"/>
+          <p:cNvSpPr>
+            <a:spLocks noGrp="1"/>
+          </p:cNvSpPr>
+          <p:nvPr>
+            <p:ph type="body" sz="half" idx="2"/>
+          </p:nvPr>
+        </p:nvSpPr>
+        <p:spPr>
+          <a:xfrm>
+            <a:off x="1154954" y="3657600"/>
+            <a:ext cx="8825659" cy="2362200"/>
           </a:xfrm>
         </p:spPr>
         <p:txBody>
@@ -1013,134 +709,48 @@
             <a:normAutofit/>
           </a:bodyPr>
           <a:lstStyle>
-            <a:lvl1pPr algn="ctr">
-              <a:defRPr sz="3200" b="0" cap="none"/>
-            </a:lvl1pPr>
-          </a:lstStyle>
-          <a:p>
-            <a:r>
-              <a:rPr lang="en-US"/>
-              <a:t>Click to edit Master title style</a:t>
-            </a:r>
-            <a:endParaRPr lang="en-US" dirty="0"/>
-          </a:p>
-        </p:txBody>
-      </p:sp>
-      <p:sp>
-        <p:nvSpPr>
-          <p:cNvPr id="3" name="Text Placeholder 2"/>
-          <p:cNvSpPr>
-            <a:spLocks noGrp="1"/>
-          </p:cNvSpPr>
-          <p:nvPr>
-            <p:ph type="body" idx="1"/>
-          </p:nvPr>
-        </p:nvSpPr>
-        <p:spPr>
-          <a:xfrm>
-            <a:off x="1484312" y="4343400"/>
-            <a:ext cx="10018713" cy="1447800"/>
-          </a:xfrm>
-        </p:spPr>
-        <p:txBody>
-          <a:bodyPr anchor="ctr">
-            <a:normAutofit/>
-          </a:bodyPr>
-          <a:lstStyle>
-            <a:lvl1pPr marL="0" indent="0" algn="ctr">
-              <a:buNone/>
-              <a:defRPr sz="2000">
-                <a:solidFill>
-                  <a:schemeClr val="tx1"/>
-                </a:solidFill>
-              </a:defRPr>
+            <a:lvl1pPr marL="0" indent="0">
+              <a:buNone/>
+              <a:defRPr sz="1800"/>
             </a:lvl1pPr>
             <a:lvl2pPr marL="457200" indent="0">
               <a:buNone/>
-              <a:defRPr sz="1800">
-                <a:solidFill>
-                  <a:schemeClr val="tx1">
-                    <a:tint val="75000"/>
-                  </a:schemeClr>
-                </a:solidFill>
-              </a:defRPr>
+              <a:defRPr sz="1200"/>
             </a:lvl2pPr>
             <a:lvl3pPr marL="914400" indent="0">
               <a:buNone/>
-              <a:defRPr sz="1600">
-                <a:solidFill>
-                  <a:schemeClr val="tx1">
-                    <a:tint val="75000"/>
-                  </a:schemeClr>
-                </a:solidFill>
-              </a:defRPr>
+              <a:defRPr sz="1000"/>
             </a:lvl3pPr>
             <a:lvl4pPr marL="1371600" indent="0">
               <a:buNone/>
-              <a:defRPr sz="1400">
-                <a:solidFill>
-                  <a:schemeClr val="tx1">
-                    <a:tint val="75000"/>
-                  </a:schemeClr>
-                </a:solidFill>
-              </a:defRPr>
+              <a:defRPr sz="900"/>
             </a:lvl4pPr>
             <a:lvl5pPr marL="1828800" indent="0">
               <a:buNone/>
-              <a:defRPr sz="1400">
-                <a:solidFill>
-                  <a:schemeClr val="tx1">
-                    <a:tint val="75000"/>
-                  </a:schemeClr>
-                </a:solidFill>
-              </a:defRPr>
+              <a:defRPr sz="900"/>
             </a:lvl5pPr>
             <a:lvl6pPr marL="2286000" indent="0">
               <a:buNone/>
-              <a:defRPr sz="1400">
-                <a:solidFill>
-                  <a:schemeClr val="tx1">
-                    <a:tint val="75000"/>
-                  </a:schemeClr>
-                </a:solidFill>
-              </a:defRPr>
+              <a:defRPr sz="900"/>
             </a:lvl6pPr>
             <a:lvl7pPr marL="2743200" indent="0">
               <a:buNone/>
-              <a:defRPr sz="1400">
-                <a:solidFill>
-                  <a:schemeClr val="tx1">
-                    <a:tint val="75000"/>
-                  </a:schemeClr>
-                </a:solidFill>
-              </a:defRPr>
+              <a:defRPr sz="900"/>
             </a:lvl7pPr>
             <a:lvl8pPr marL="3200400" indent="0">
               <a:buNone/>
-              <a:defRPr sz="1400">
-                <a:solidFill>
-                  <a:schemeClr val="tx1">
-                    <a:tint val="75000"/>
-                  </a:schemeClr>
-                </a:solidFill>
-              </a:defRPr>
+              <a:defRPr sz="900"/>
             </a:lvl8pPr>
             <a:lvl9pPr marL="3657600" indent="0">
               <a:buNone/>
-              <a:defRPr sz="1400">
-                <a:solidFill>
-                  <a:schemeClr val="tx1">
-                    <a:tint val="75000"/>
-                  </a:schemeClr>
-                </a:solidFill>
-              </a:defRPr>
+              <a:defRPr sz="900"/>
             </a:lvl9pPr>
           </a:lstStyle>
           <a:p>
             <a:pPr lvl="0"/>
             <a:r>
               <a:rPr lang="en-US"/>
-              <a:t>Edit Master text styles</a:t>
+              <a:t>Click to edit Master text styles</a:t>
             </a:r>
           </a:p>
         </p:txBody>
@@ -1162,7 +772,7 @@
           <a:p>
             <a:fld id="{2E3F47AE-4804-4655-8D11-C2BEE1A314EC}" type="datetimeFigureOut">
               <a:rPr lang="en-GB" smtClean="0"/>
-              <a:t>16/12/2020</a:t>
+              <a:t>18/12/2020</a:t>
             </a:fld>
             <a:endParaRPr lang="en-GB"/>
           </a:p>
@@ -1213,7 +823,7 @@
     </p:spTree>
     <p:extLst>
       <p:ext uri="{BB962C8B-B14F-4D97-AF65-F5344CB8AC3E}">
-        <p14:creationId xmlns:p14="http://schemas.microsoft.com/office/powerpoint/2010/main" val="4080395643"/>
+        <p14:creationId xmlns:p14="http://schemas.microsoft.com/office/powerpoint/2010/main" val="3632909126"/>
       </p:ext>
     </p:extLst>
   </p:cSld>
@@ -1242,288 +852,129 @@
       </p:grpSpPr>
       <p:sp>
         <p:nvSpPr>
-          <p:cNvPr id="14" name="TextBox 13"/>
-          <p:cNvSpPr txBox="1"/>
-          <p:nvPr/>
+          <p:cNvPr id="2" name="Title 1"/>
+          <p:cNvSpPr>
+            <a:spLocks noGrp="1"/>
+          </p:cNvSpPr>
+          <p:nvPr>
+            <p:ph type="title"/>
+          </p:nvPr>
         </p:nvSpPr>
         <p:spPr>
           <a:xfrm>
-            <a:off x="1598612" y="863023"/>
-            <a:ext cx="609600" cy="584776"/>
-          </a:xfrm>
-          <a:prstGeom prst="rect">
-            <a:avLst/>
-          </a:prstGeom>
-        </p:spPr>
-        <p:txBody>
-          <a:bodyPr vert="horz" lIns="91440" tIns="45720" rIns="91440" bIns="45720" rtlCol="0" anchor="ctr">
-            <a:noAutofit/>
-          </a:bodyPr>
+            <a:off x="1574801" y="1447800"/>
+            <a:ext cx="7999315" cy="2323374"/>
+          </a:xfrm>
+        </p:spPr>
+        <p:txBody>
+          <a:bodyPr/>
           <a:lstStyle>
             <a:lvl1pPr>
-              <a:spcBef>
-                <a:spcPct val="0"/>
-              </a:spcBef>
-              <a:buNone/>
-              <a:defRPr sz="3200" b="0" cap="all">
-                <a:ln w="3175" cmpd="sng">
-                  <a:noFill/>
-                </a:ln>
-                <a:effectLst>
-                  <a:glow rad="38100">
-                    <a:schemeClr val="bg1">
-                      <a:lumMod val="65000"/>
-                      <a:lumOff val="35000"/>
-                      <a:alpha val="40000"/>
-                    </a:schemeClr>
-                  </a:glow>
-                  <a:outerShdw blurRad="28575" dist="38100" dir="14040000" algn="tl" rotWithShape="0">
-                    <a:srgbClr val="000000">
-                      <a:alpha val="25000"/>
-                    </a:srgbClr>
-                  </a:outerShdw>
-                </a:effectLst>
-              </a:defRPr>
+              <a:defRPr sz="4800"/>
             </a:lvl1pPr>
-            <a:lvl2pPr>
-              <a:defRPr>
-                <a:solidFill>
-                  <a:schemeClr val="tx2"/>
-                </a:solidFill>
-              </a:defRPr>
-            </a:lvl2pPr>
-            <a:lvl3pPr>
-              <a:defRPr>
-                <a:solidFill>
-                  <a:schemeClr val="tx2"/>
-                </a:solidFill>
-              </a:defRPr>
-            </a:lvl3pPr>
-            <a:lvl4pPr>
-              <a:defRPr>
-                <a:solidFill>
-                  <a:schemeClr val="tx2"/>
-                </a:solidFill>
-              </a:defRPr>
-            </a:lvl4pPr>
-            <a:lvl5pPr>
-              <a:defRPr>
-                <a:solidFill>
-                  <a:schemeClr val="tx2"/>
-                </a:solidFill>
-              </a:defRPr>
-            </a:lvl5pPr>
-            <a:lvl6pPr>
-              <a:defRPr>
-                <a:solidFill>
-                  <a:schemeClr val="tx2"/>
-                </a:solidFill>
-              </a:defRPr>
-            </a:lvl6pPr>
-            <a:lvl7pPr>
-              <a:defRPr>
-                <a:solidFill>
-                  <a:schemeClr val="tx2"/>
-                </a:solidFill>
-              </a:defRPr>
-            </a:lvl7pPr>
-            <a:lvl8pPr>
-              <a:defRPr>
-                <a:solidFill>
-                  <a:schemeClr val="tx2"/>
-                </a:solidFill>
-              </a:defRPr>
-            </a:lvl8pPr>
-            <a:lvl9pPr>
-              <a:defRPr>
-                <a:solidFill>
-                  <a:schemeClr val="tx2"/>
-                </a:solidFill>
-              </a:defRPr>
-            </a:lvl9pPr>
           </a:lstStyle>
           <a:p>
-            <a:pPr lvl="0"/>
-            <a:r>
-              <a:rPr lang="en-US" sz="8000" dirty="0">
-                <a:solidFill>
-                  <a:schemeClr val="tx1"/>
-                </a:solidFill>
-                <a:effectLst/>
-              </a:rPr>
-              <a:t>“</a:t>
-            </a:r>
-          </a:p>
-        </p:txBody>
-      </p:sp>
-      <p:sp>
-        <p:nvSpPr>
-          <p:cNvPr id="15" name="TextBox 14"/>
-          <p:cNvSpPr txBox="1"/>
-          <p:nvPr/>
+            <a:r>
+              <a:rPr lang="en-US"/>
+              <a:t>Click to edit Master title style</a:t>
+            </a:r>
+            <a:endParaRPr lang="en-US" dirty="0"/>
+          </a:p>
+        </p:txBody>
+      </p:sp>
+      <p:sp>
+        <p:nvSpPr>
+          <p:cNvPr id="11" name="Text Placeholder 3"/>
+          <p:cNvSpPr>
+            <a:spLocks noGrp="1"/>
+          </p:cNvSpPr>
+          <p:nvPr>
+            <p:ph type="body" sz="half" idx="14"/>
+          </p:nvPr>
         </p:nvSpPr>
         <p:spPr>
           <a:xfrm>
-            <a:off x="10893425" y="2819399"/>
-            <a:ext cx="609600" cy="584776"/>
-          </a:xfrm>
-          <a:prstGeom prst="rect">
-            <a:avLst/>
-          </a:prstGeom>
-        </p:spPr>
-        <p:txBody>
-          <a:bodyPr vert="horz" lIns="91440" tIns="45720" rIns="91440" bIns="45720" rtlCol="0" anchor="ctr">
-            <a:noAutofit/>
-          </a:bodyPr>
-          <a:lstStyle>
-            <a:lvl1pPr>
-              <a:spcBef>
-                <a:spcPct val="0"/>
-              </a:spcBef>
-              <a:buNone/>
-              <a:defRPr sz="3200" b="0" cap="all">
-                <a:ln w="3175" cmpd="sng">
-                  <a:noFill/>
-                </a:ln>
-                <a:effectLst>
-                  <a:glow rad="38100">
-                    <a:schemeClr val="bg1">
-                      <a:lumMod val="65000"/>
-                      <a:lumOff val="35000"/>
-                      <a:alpha val="40000"/>
-                    </a:schemeClr>
-                  </a:glow>
-                  <a:outerShdw blurRad="28575" dist="38100" dir="14040000" algn="tl" rotWithShape="0">
-                    <a:srgbClr val="000000">
-                      <a:alpha val="25000"/>
-                    </a:srgbClr>
-                  </a:outerShdw>
-                </a:effectLst>
-              </a:defRPr>
-            </a:lvl1pPr>
-            <a:lvl2pPr>
-              <a:defRPr>
-                <a:solidFill>
-                  <a:schemeClr val="tx2"/>
-                </a:solidFill>
-              </a:defRPr>
-            </a:lvl2pPr>
-            <a:lvl3pPr>
-              <a:defRPr>
-                <a:solidFill>
-                  <a:schemeClr val="tx2"/>
-                </a:solidFill>
-              </a:defRPr>
-            </a:lvl3pPr>
-            <a:lvl4pPr>
-              <a:defRPr>
-                <a:solidFill>
-                  <a:schemeClr val="tx2"/>
-                </a:solidFill>
-              </a:defRPr>
-            </a:lvl4pPr>
-            <a:lvl5pPr>
-              <a:defRPr>
-                <a:solidFill>
-                  <a:schemeClr val="tx2"/>
-                </a:solidFill>
-              </a:defRPr>
-            </a:lvl5pPr>
-            <a:lvl6pPr>
-              <a:defRPr>
-                <a:solidFill>
-                  <a:schemeClr val="tx2"/>
-                </a:solidFill>
-              </a:defRPr>
-            </a:lvl6pPr>
-            <a:lvl7pPr>
-              <a:defRPr>
-                <a:solidFill>
-                  <a:schemeClr val="tx2"/>
-                </a:solidFill>
-              </a:defRPr>
-            </a:lvl7pPr>
-            <a:lvl8pPr>
-              <a:defRPr>
-                <a:solidFill>
-                  <a:schemeClr val="tx2"/>
-                </a:solidFill>
-              </a:defRPr>
-            </a:lvl8pPr>
-            <a:lvl9pPr>
-              <a:defRPr>
-                <a:solidFill>
-                  <a:schemeClr val="tx2"/>
-                </a:solidFill>
-              </a:defRPr>
-            </a:lvl9pPr>
-          </a:lstStyle>
-          <a:p>
-            <a:pPr lvl="0" algn="r"/>
-            <a:r>
-              <a:rPr lang="en-US" sz="8000" dirty="0">
-                <a:solidFill>
-                  <a:schemeClr val="tx1"/>
-                </a:solidFill>
-                <a:effectLst/>
-              </a:rPr>
-              <a:t>”</a:t>
-            </a:r>
-          </a:p>
-        </p:txBody>
-      </p:sp>
-      <p:sp>
-        <p:nvSpPr>
-          <p:cNvPr id="2" name="Title 1"/>
-          <p:cNvSpPr>
-            <a:spLocks noGrp="1"/>
-          </p:cNvSpPr>
-          <p:nvPr>
-            <p:ph type="title"/>
-          </p:nvPr>
-        </p:nvSpPr>
-        <p:spPr>
-          <a:xfrm>
-            <a:off x="2208212" y="685800"/>
-            <a:ext cx="8990012" cy="2743199"/>
-          </a:xfrm>
-        </p:spPr>
-        <p:txBody>
-          <a:bodyPr anchor="ctr">
+            <a:off x="1930400" y="3771174"/>
+            <a:ext cx="7279649" cy="342174"/>
+          </a:xfrm>
+        </p:spPr>
+        <p:txBody>
+          <a:bodyPr vert="horz" lIns="91440" tIns="45720" rIns="91440" bIns="45720" rtlCol="0" anchor="t">
             <a:normAutofit/>
           </a:bodyPr>
           <a:lstStyle>
-            <a:lvl1pPr algn="ctr">
-              <a:defRPr sz="3200" b="0" cap="none">
+            <a:lvl1pPr marL="0" indent="0">
+              <a:buNone/>
+              <a:defRPr lang="en-US" sz="1400" b="0" i="0" kern="1200" cap="small" dirty="0">
                 <a:solidFill>
-                  <a:schemeClr val="tx1"/>
+                  <a:schemeClr val="bg2">
+                    <a:lumMod val="40000"/>
+                    <a:lumOff val="60000"/>
+                  </a:schemeClr>
                 </a:solidFill>
+                <a:latin typeface="+mj-lt"/>
+                <a:ea typeface="+mj-ea"/>
+                <a:cs typeface="+mj-cs"/>
               </a:defRPr>
             </a:lvl1pPr>
+            <a:lvl2pPr marL="457200" indent="0">
+              <a:buNone/>
+              <a:defRPr sz="1200"/>
+            </a:lvl2pPr>
+            <a:lvl3pPr marL="914400" indent="0">
+              <a:buNone/>
+              <a:defRPr sz="1000"/>
+            </a:lvl3pPr>
+            <a:lvl4pPr marL="1371600" indent="0">
+              <a:buNone/>
+              <a:defRPr sz="900"/>
+            </a:lvl4pPr>
+            <a:lvl5pPr marL="1828800" indent="0">
+              <a:buNone/>
+              <a:defRPr sz="900"/>
+            </a:lvl5pPr>
+            <a:lvl6pPr marL="2286000" indent="0">
+              <a:buNone/>
+              <a:defRPr sz="900"/>
+            </a:lvl6pPr>
+            <a:lvl7pPr marL="2743200" indent="0">
+              <a:buNone/>
+              <a:defRPr sz="900"/>
+            </a:lvl7pPr>
+            <a:lvl8pPr marL="3200400" indent="0">
+              <a:buNone/>
+              <a:defRPr sz="900"/>
+            </a:lvl8pPr>
+            <a:lvl9pPr marL="3657600" indent="0">
+              <a:buNone/>
+              <a:defRPr sz="900"/>
+            </a:lvl9pPr>
           </a:lstStyle>
           <a:p>
-            <a:r>
-              <a:rPr lang="en-US"/>
-              <a:t>Click to edit Master title style</a:t>
-            </a:r>
-            <a:endParaRPr lang="en-US" dirty="0"/>
-          </a:p>
-        </p:txBody>
-      </p:sp>
-      <p:sp>
-        <p:nvSpPr>
-          <p:cNvPr id="10" name="Text Placeholder 9"/>
-          <p:cNvSpPr>
-            <a:spLocks noGrp="1"/>
-          </p:cNvSpPr>
-          <p:nvPr>
-            <p:ph type="body" sz="quarter" idx="13"/>
+            <a:pPr marL="0" lvl="0" indent="0">
+              <a:buNone/>
+            </a:pPr>
+            <a:r>
+              <a:rPr lang="en-US"/>
+              <a:t>Click to edit Master text styles</a:t>
+            </a:r>
+          </a:p>
+        </p:txBody>
+      </p:sp>
+      <p:sp>
+        <p:nvSpPr>
+          <p:cNvPr id="10" name="Text Placeholder 3"/>
+          <p:cNvSpPr>
+            <a:spLocks noGrp="1"/>
+          </p:cNvSpPr>
+          <p:nvPr>
+            <p:ph type="body" sz="half" idx="2"/>
           </p:nvPr>
         </p:nvSpPr>
         <p:spPr>
           <a:xfrm>
-            <a:off x="2436811" y="3428999"/>
-            <a:ext cx="8532815" cy="381000"/>
+            <a:off x="1154954" y="4350657"/>
+            <a:ext cx="8825659" cy="1676400"/>
           </a:xfrm>
         </p:spPr>
         <p:txBody>
@@ -1532,155 +983,47 @@
           </a:bodyPr>
           <a:lstStyle>
             <a:lvl1pPr marL="0" indent="0">
-              <a:buFontTx/>
               <a:buNone/>
               <a:defRPr sz="1800"/>
             </a:lvl1pPr>
             <a:lvl2pPr marL="457200" indent="0">
-              <a:buFontTx/>
-              <a:buNone/>
-              <a:defRPr/>
+              <a:buNone/>
+              <a:defRPr sz="1200"/>
             </a:lvl2pPr>
             <a:lvl3pPr marL="914400" indent="0">
-              <a:buFontTx/>
-              <a:buNone/>
-              <a:defRPr/>
+              <a:buNone/>
+              <a:defRPr sz="1000"/>
             </a:lvl3pPr>
             <a:lvl4pPr marL="1371600" indent="0">
-              <a:buFontTx/>
-              <a:buNone/>
-              <a:defRPr/>
+              <a:buNone/>
+              <a:defRPr sz="900"/>
             </a:lvl4pPr>
             <a:lvl5pPr marL="1828800" indent="0">
-              <a:buFontTx/>
-              <a:buNone/>
-              <a:defRPr/>
-            </a:lvl5pPr>
-          </a:lstStyle>
-          <a:p>
-            <a:pPr lvl="0"/>
-            <a:r>
-              <a:rPr lang="en-US"/>
-              <a:t>Edit Master text styles</a:t>
-            </a:r>
-          </a:p>
-        </p:txBody>
-      </p:sp>
-      <p:sp>
-        <p:nvSpPr>
-          <p:cNvPr id="3" name="Text Placeholder 2"/>
-          <p:cNvSpPr>
-            <a:spLocks noGrp="1"/>
-          </p:cNvSpPr>
-          <p:nvPr>
-            <p:ph type="body" idx="1"/>
-          </p:nvPr>
-        </p:nvSpPr>
-        <p:spPr>
-          <a:xfrm>
-            <a:off x="1484311" y="4343400"/>
-            <a:ext cx="10018711" cy="1447800"/>
-          </a:xfrm>
-        </p:spPr>
-        <p:txBody>
-          <a:bodyPr anchor="ctr">
-            <a:normAutofit/>
-          </a:bodyPr>
-          <a:lstStyle>
-            <a:lvl1pPr marL="0" indent="0" algn="ctr">
-              <a:buNone/>
-              <a:defRPr sz="2000">
-                <a:solidFill>
-                  <a:schemeClr val="tx1"/>
-                </a:solidFill>
-              </a:defRPr>
-            </a:lvl1pPr>
-            <a:lvl2pPr marL="457200" indent="0">
-              <a:buNone/>
-              <a:defRPr sz="1800">
-                <a:solidFill>
-                  <a:schemeClr val="tx1">
-                    <a:tint val="75000"/>
-                  </a:schemeClr>
-                </a:solidFill>
-              </a:defRPr>
-            </a:lvl2pPr>
-            <a:lvl3pPr marL="914400" indent="0">
-              <a:buNone/>
-              <a:defRPr sz="1600">
-                <a:solidFill>
-                  <a:schemeClr val="tx1">
-                    <a:tint val="75000"/>
-                  </a:schemeClr>
-                </a:solidFill>
-              </a:defRPr>
-            </a:lvl3pPr>
-            <a:lvl4pPr marL="1371600" indent="0">
-              <a:buNone/>
-              <a:defRPr sz="1400">
-                <a:solidFill>
-                  <a:schemeClr val="tx1">
-                    <a:tint val="75000"/>
-                  </a:schemeClr>
-                </a:solidFill>
-              </a:defRPr>
-            </a:lvl4pPr>
-            <a:lvl5pPr marL="1828800" indent="0">
-              <a:buNone/>
-              <a:defRPr sz="1400">
-                <a:solidFill>
-                  <a:schemeClr val="tx1">
-                    <a:tint val="75000"/>
-                  </a:schemeClr>
-                </a:solidFill>
-              </a:defRPr>
+              <a:buNone/>
+              <a:defRPr sz="900"/>
             </a:lvl5pPr>
             <a:lvl6pPr marL="2286000" indent="0">
               <a:buNone/>
-              <a:defRPr sz="1400">
-                <a:solidFill>
-                  <a:schemeClr val="tx1">
-                    <a:tint val="75000"/>
-                  </a:schemeClr>
-                </a:solidFill>
-              </a:defRPr>
+              <a:defRPr sz="900"/>
             </a:lvl6pPr>
             <a:lvl7pPr marL="2743200" indent="0">
               <a:buNone/>
-              <a:defRPr sz="1400">
-                <a:solidFill>
-                  <a:schemeClr val="tx1">
-                    <a:tint val="75000"/>
-                  </a:schemeClr>
-                </a:solidFill>
-              </a:defRPr>
+              <a:defRPr sz="900"/>
             </a:lvl7pPr>
             <a:lvl8pPr marL="3200400" indent="0">
               <a:buNone/>
-              <a:defRPr sz="1400">
-                <a:solidFill>
-                  <a:schemeClr val="tx1">
-                    <a:tint val="75000"/>
-                  </a:schemeClr>
-                </a:solidFill>
-              </a:defRPr>
+              <a:defRPr sz="900"/>
             </a:lvl8pPr>
             <a:lvl9pPr marL="3657600" indent="0">
               <a:buNone/>
-              <a:defRPr sz="1400">
-                <a:solidFill>
-                  <a:schemeClr val="tx1">
-                    <a:tint val="75000"/>
-                  </a:schemeClr>
-                </a:solidFill>
-              </a:defRPr>
+              <a:defRPr sz="900"/>
             </a:lvl9pPr>
           </a:lstStyle>
           <a:p>
             <a:pPr lvl="0"/>
             <a:r>
               <a:rPr lang="en-US"/>
-              <a:t>Edit Master text styles</a:t>
+              <a:t>Click to edit Master text styles</a:t>
             </a:r>
           </a:p>
         </p:txBody>
@@ -1702,7 +1045,7 @@
           <a:p>
             <a:fld id="{2E3F47AE-4804-4655-8D11-C2BEE1A314EC}" type="datetimeFigureOut">
               <a:rPr lang="en-GB" smtClean="0"/>
-              <a:t>16/12/2020</a:t>
+              <a:t>18/12/2020</a:t>
             </a:fld>
             <a:endParaRPr lang="en-GB"/>
           </a:p>
@@ -1750,10 +1093,104 @@
           </a:p>
         </p:txBody>
       </p:sp>
+      <p:sp>
+        <p:nvSpPr>
+          <p:cNvPr id="12" name="TextBox 11"/>
+          <p:cNvSpPr txBox="1"/>
+          <p:nvPr/>
+        </p:nvSpPr>
+        <p:spPr>
+          <a:xfrm>
+            <a:off x="898295" y="971253"/>
+            <a:ext cx="801912" cy="1969770"/>
+          </a:xfrm>
+          <a:prstGeom prst="rect">
+            <a:avLst/>
+          </a:prstGeom>
+          <a:noFill/>
+        </p:spPr>
+        <p:txBody>
+          <a:bodyPr wrap="square" rtlCol="0">
+            <a:spAutoFit/>
+          </a:bodyPr>
+          <a:lstStyle>
+            <a:defPPr>
+              <a:defRPr lang="en-US"/>
+            </a:defPPr>
+            <a:lvl1pPr algn="r">
+              <a:defRPr sz="12200" b="0" i="0">
+                <a:solidFill>
+                  <a:schemeClr val="bg2">
+                    <a:lumMod val="40000"/>
+                    <a:lumOff val="60000"/>
+                  </a:schemeClr>
+                </a:solidFill>
+                <a:latin typeface="Arial"/>
+                <a:ea typeface="+mj-ea"/>
+                <a:cs typeface="+mj-cs"/>
+              </a:defRPr>
+            </a:lvl1pPr>
+          </a:lstStyle>
+          <a:p>
+            <a:pPr lvl="0"/>
+            <a:r>
+              <a:rPr lang="en-US" dirty="0"/>
+              <a:t>“</a:t>
+            </a:r>
+          </a:p>
+        </p:txBody>
+      </p:sp>
+      <p:sp>
+        <p:nvSpPr>
+          <p:cNvPr id="15" name="TextBox 14"/>
+          <p:cNvSpPr txBox="1"/>
+          <p:nvPr/>
+        </p:nvSpPr>
+        <p:spPr>
+          <a:xfrm>
+            <a:off x="9330490" y="2613787"/>
+            <a:ext cx="801912" cy="1969770"/>
+          </a:xfrm>
+          <a:prstGeom prst="rect">
+            <a:avLst/>
+          </a:prstGeom>
+          <a:noFill/>
+        </p:spPr>
+        <p:txBody>
+          <a:bodyPr wrap="square" rtlCol="0">
+            <a:spAutoFit/>
+          </a:bodyPr>
+          <a:lstStyle>
+            <a:defPPr>
+              <a:defRPr lang="en-US"/>
+            </a:defPPr>
+            <a:lvl1pPr algn="r">
+              <a:defRPr sz="12200" b="0" i="0">
+                <a:solidFill>
+                  <a:schemeClr val="bg2">
+                    <a:lumMod val="40000"/>
+                    <a:lumOff val="60000"/>
+                  </a:schemeClr>
+                </a:solidFill>
+                <a:latin typeface="Arial"/>
+                <a:ea typeface="+mj-ea"/>
+                <a:cs typeface="+mj-cs"/>
+              </a:defRPr>
+            </a:lvl1pPr>
+          </a:lstStyle>
+          <a:p>
+            <a:pPr lvl="0"/>
+            <a:r>
+              <a:rPr lang="en-US" dirty="0"/>
+              <a:t>”</a:t>
+            </a:r>
+          </a:p>
+        </p:txBody>
+      </p:sp>
     </p:spTree>
     <p:extLst>
       <p:ext uri="{BB962C8B-B14F-4D97-AF65-F5344CB8AC3E}">
-        <p14:creationId xmlns:p14="http://schemas.microsoft.com/office/powerpoint/2010/main" val="3464865776"/>
+        <p14:creationId xmlns:p14="http://schemas.microsoft.com/office/powerpoint/2010/main" val="2006657571"/>
       </p:ext>
     </p:extLst>
   </p:cSld>
@@ -1792,17 +1229,15 @@
         </p:nvSpPr>
         <p:spPr>
           <a:xfrm>
-            <a:off x="1484313" y="3308581"/>
-            <a:ext cx="10018709" cy="1468800"/>
-          </a:xfrm>
-        </p:spPr>
-        <p:txBody>
-          <a:bodyPr anchor="b">
-            <a:normAutofit/>
-          </a:bodyPr>
+            <a:off x="1154954" y="3124201"/>
+            <a:ext cx="8825660" cy="1653180"/>
+          </a:xfrm>
+        </p:spPr>
+        <p:txBody>
+          <a:bodyPr anchor="b"/>
           <a:lstStyle>
-            <a:lvl1pPr algn="r">
-              <a:defRPr sz="3200" b="0" cap="none"/>
+            <a:lvl1pPr algn="l">
+              <a:defRPr sz="4000" b="0" cap="none"/>
             </a:lvl1pPr>
           </a:lstStyle>
           <a:p>
@@ -1826,20 +1261,21 @@
         </p:nvSpPr>
         <p:spPr>
           <a:xfrm>
-            <a:off x="1484312" y="4777381"/>
-            <a:ext cx="10018710" cy="860400"/>
-          </a:xfrm>
-        </p:spPr>
-        <p:txBody>
-          <a:bodyPr anchor="t">
-            <a:normAutofit/>
-          </a:bodyPr>
+            <a:off x="1154954" y="4777381"/>
+            <a:ext cx="8825659" cy="860400"/>
+          </a:xfrm>
+        </p:spPr>
+        <p:txBody>
+          <a:bodyPr anchor="t"/>
           <a:lstStyle>
-            <a:lvl1pPr marL="0" indent="0" algn="r">
-              <a:buNone/>
-              <a:defRPr sz="2000">
+            <a:lvl1pPr marL="0" indent="0" algn="l">
+              <a:buNone/>
+              <a:defRPr sz="2000" cap="none">
                 <a:solidFill>
-                  <a:schemeClr val="tx1"/>
+                  <a:schemeClr val="bg2">
+                    <a:lumMod val="40000"/>
+                    <a:lumOff val="60000"/>
+                  </a:schemeClr>
                 </a:solidFill>
               </a:defRPr>
             </a:lvl1pPr>
@@ -1928,7 +1364,7 @@
             <a:pPr lvl="0"/>
             <a:r>
               <a:rPr lang="en-US"/>
-              <a:t>Edit Master text styles</a:t>
+              <a:t>Click to edit Master text styles</a:t>
             </a:r>
           </a:p>
         </p:txBody>
@@ -1950,7 +1386,7 @@
           <a:p>
             <a:fld id="{2E3F47AE-4804-4655-8D11-C2BEE1A314EC}" type="datetimeFigureOut">
               <a:rPr lang="en-GB" smtClean="0"/>
-              <a:t>16/12/2020</a:t>
+              <a:t>18/12/2020</a:t>
             </a:fld>
             <a:endParaRPr lang="en-GB"/>
           </a:p>
@@ -2001,7 +1437,7 @@
     </p:spTree>
     <p:extLst>
       <p:ext uri="{BB962C8B-B14F-4D97-AF65-F5344CB8AC3E}">
-        <p14:creationId xmlns:p14="http://schemas.microsoft.com/office/powerpoint/2010/main" val="2260691559"/>
+        <p14:creationId xmlns:p14="http://schemas.microsoft.com/office/powerpoint/2010/main" val="3270460020"/>
       </p:ext>
     </p:extLst>
   </p:cSld>
@@ -2013,7 +1449,7 @@
 
 <file path=ppt/slideLayouts/slideLayout14.xml><?xml version="1.0" encoding="utf-8"?>
 <p:sldLayout xmlns:a="http://schemas.openxmlformats.org/drawingml/2006/main" xmlns:r="http://schemas.openxmlformats.org/officeDocument/2006/relationships" xmlns:p="http://schemas.openxmlformats.org/presentationml/2006/main" preserve="1">
-  <p:cSld name="Quote Name Card">
+  <p:cSld name="3 Column">
     <p:spTree>
       <p:nvGrpSpPr>
         <p:cNvPr id="1" name=""/>
@@ -2030,336 +1466,119 @@
       </p:grpSpPr>
       <p:sp>
         <p:nvSpPr>
-          <p:cNvPr id="14" name="TextBox 13"/>
-          <p:cNvSpPr txBox="1"/>
-          <p:nvPr/>
+          <p:cNvPr id="2" name="Title 1"/>
+          <p:cNvSpPr>
+            <a:spLocks noGrp="1"/>
+          </p:cNvSpPr>
+          <p:nvPr>
+            <p:ph type="title"/>
+          </p:nvPr>
+        </p:nvSpPr>
+        <p:spPr/>
+        <p:txBody>
+          <a:bodyPr/>
+          <a:lstStyle>
+            <a:lvl1pPr>
+              <a:defRPr sz="4200"/>
+            </a:lvl1pPr>
+          </a:lstStyle>
+          <a:p>
+            <a:r>
+              <a:rPr lang="en-US"/>
+              <a:t>Click to edit Master title style</a:t>
+            </a:r>
+            <a:endParaRPr lang="en-US" dirty="0"/>
+          </a:p>
+        </p:txBody>
+      </p:sp>
+      <p:sp>
+        <p:nvSpPr>
+          <p:cNvPr id="3" name="Text Placeholder 2"/>
+          <p:cNvSpPr>
+            <a:spLocks noGrp="1"/>
+          </p:cNvSpPr>
+          <p:nvPr>
+            <p:ph type="body" idx="1"/>
+          </p:nvPr>
         </p:nvSpPr>
         <p:spPr>
           <a:xfrm>
-            <a:off x="1598612" y="863023"/>
-            <a:ext cx="609600" cy="584776"/>
-          </a:xfrm>
-          <a:prstGeom prst="rect">
-            <a:avLst/>
-          </a:prstGeom>
-        </p:spPr>
-        <p:txBody>
-          <a:bodyPr vert="horz" lIns="91440" tIns="45720" rIns="91440" bIns="45720" rtlCol="0" anchor="ctr">
+            <a:off x="632947" y="1981200"/>
+            <a:ext cx="2946866" cy="576262"/>
+          </a:xfrm>
+        </p:spPr>
+        <p:txBody>
+          <a:bodyPr anchor="b">
             <a:noAutofit/>
           </a:bodyPr>
           <a:lstStyle>
-            <a:lvl1pPr>
-              <a:spcBef>
-                <a:spcPct val="0"/>
-              </a:spcBef>
-              <a:buNone/>
-              <a:defRPr sz="3200" b="0" cap="all">
-                <a:ln w="3175" cmpd="sng">
-                  <a:noFill/>
-                </a:ln>
-                <a:effectLst>
-                  <a:glow rad="38100">
-                    <a:schemeClr val="bg1">
-                      <a:lumMod val="65000"/>
-                      <a:lumOff val="35000"/>
-                      <a:alpha val="40000"/>
-                    </a:schemeClr>
-                  </a:glow>
-                  <a:outerShdw blurRad="28575" dist="38100" dir="14040000" algn="tl" rotWithShape="0">
-                    <a:srgbClr val="000000">
-                      <a:alpha val="25000"/>
-                    </a:srgbClr>
-                  </a:outerShdw>
-                </a:effectLst>
-              </a:defRPr>
-            </a:lvl1pPr>
-            <a:lvl2pPr>
-              <a:defRPr>
+            <a:lvl1pPr marL="0" indent="0">
+              <a:buNone/>
+              <a:defRPr sz="2400" b="0">
                 <a:solidFill>
-                  <a:schemeClr val="tx2"/>
-                </a:solidFill>
-              </a:defRPr>
-            </a:lvl2pPr>
-            <a:lvl3pPr>
-              <a:defRPr>
-                <a:solidFill>
-                  <a:schemeClr val="tx2"/>
-                </a:solidFill>
-              </a:defRPr>
-            </a:lvl3pPr>
-            <a:lvl4pPr>
-              <a:defRPr>
-                <a:solidFill>
-                  <a:schemeClr val="tx2"/>
-                </a:solidFill>
-              </a:defRPr>
-            </a:lvl4pPr>
-            <a:lvl5pPr>
-              <a:defRPr>
-                <a:solidFill>
-                  <a:schemeClr val="tx2"/>
-                </a:solidFill>
-              </a:defRPr>
-            </a:lvl5pPr>
-            <a:lvl6pPr>
-              <a:defRPr>
-                <a:solidFill>
-                  <a:schemeClr val="tx2"/>
-                </a:solidFill>
-              </a:defRPr>
-            </a:lvl6pPr>
-            <a:lvl7pPr>
-              <a:defRPr>
-                <a:solidFill>
-                  <a:schemeClr val="tx2"/>
-                </a:solidFill>
-              </a:defRPr>
-            </a:lvl7pPr>
-            <a:lvl8pPr>
-              <a:defRPr>
-                <a:solidFill>
-                  <a:schemeClr val="tx2"/>
-                </a:solidFill>
-              </a:defRPr>
-            </a:lvl8pPr>
-            <a:lvl9pPr>
-              <a:defRPr>
-                <a:solidFill>
-                  <a:schemeClr val="tx2"/>
-                </a:solidFill>
-              </a:defRPr>
-            </a:lvl9pPr>
-          </a:lstStyle>
-          <a:p>
-            <a:pPr lvl="0"/>
-            <a:r>
-              <a:rPr lang="en-US" sz="8000" dirty="0">
-                <a:solidFill>
-                  <a:schemeClr val="tx1"/>
-                </a:solidFill>
-                <a:effectLst/>
-              </a:rPr>
-              <a:t>“</a:t>
-            </a:r>
-          </a:p>
-        </p:txBody>
-      </p:sp>
-      <p:sp>
-        <p:nvSpPr>
-          <p:cNvPr id="15" name="TextBox 14"/>
-          <p:cNvSpPr txBox="1"/>
-          <p:nvPr/>
-        </p:nvSpPr>
-        <p:spPr>
-          <a:xfrm>
-            <a:off x="10893425" y="2819399"/>
-            <a:ext cx="609600" cy="584776"/>
-          </a:xfrm>
-          <a:prstGeom prst="rect">
-            <a:avLst/>
-          </a:prstGeom>
-        </p:spPr>
-        <p:txBody>
-          <a:bodyPr vert="horz" lIns="91440" tIns="45720" rIns="91440" bIns="45720" rtlCol="0" anchor="ctr">
-            <a:noAutofit/>
-          </a:bodyPr>
-          <a:lstStyle>
-            <a:lvl1pPr>
-              <a:spcBef>
-                <a:spcPct val="0"/>
-              </a:spcBef>
-              <a:buNone/>
-              <a:defRPr sz="3200" b="0" cap="all">
-                <a:ln w="3175" cmpd="sng">
-                  <a:noFill/>
-                </a:ln>
-                <a:effectLst>
-                  <a:glow rad="38100">
-                    <a:schemeClr val="bg1">
-                      <a:lumMod val="65000"/>
-                      <a:lumOff val="35000"/>
-                      <a:alpha val="40000"/>
-                    </a:schemeClr>
-                  </a:glow>
-                  <a:outerShdw blurRad="28575" dist="38100" dir="14040000" algn="tl" rotWithShape="0">
-                    <a:srgbClr val="000000">
-                      <a:alpha val="25000"/>
-                    </a:srgbClr>
-                  </a:outerShdw>
-                </a:effectLst>
-              </a:defRPr>
-            </a:lvl1pPr>
-            <a:lvl2pPr>
-              <a:defRPr>
-                <a:solidFill>
-                  <a:schemeClr val="tx2"/>
-                </a:solidFill>
-              </a:defRPr>
-            </a:lvl2pPr>
-            <a:lvl3pPr>
-              <a:defRPr>
-                <a:solidFill>
-                  <a:schemeClr val="tx2"/>
-                </a:solidFill>
-              </a:defRPr>
-            </a:lvl3pPr>
-            <a:lvl4pPr>
-              <a:defRPr>
-                <a:solidFill>
-                  <a:schemeClr val="tx2"/>
-                </a:solidFill>
-              </a:defRPr>
-            </a:lvl4pPr>
-            <a:lvl5pPr>
-              <a:defRPr>
-                <a:solidFill>
-                  <a:schemeClr val="tx2"/>
-                </a:solidFill>
-              </a:defRPr>
-            </a:lvl5pPr>
-            <a:lvl6pPr>
-              <a:defRPr>
-                <a:solidFill>
-                  <a:schemeClr val="tx2"/>
-                </a:solidFill>
-              </a:defRPr>
-            </a:lvl6pPr>
-            <a:lvl7pPr>
-              <a:defRPr>
-                <a:solidFill>
-                  <a:schemeClr val="tx2"/>
-                </a:solidFill>
-              </a:defRPr>
-            </a:lvl7pPr>
-            <a:lvl8pPr>
-              <a:defRPr>
-                <a:solidFill>
-                  <a:schemeClr val="tx2"/>
-                </a:solidFill>
-              </a:defRPr>
-            </a:lvl8pPr>
-            <a:lvl9pPr>
-              <a:defRPr>
-                <a:solidFill>
-                  <a:schemeClr val="tx2"/>
-                </a:solidFill>
-              </a:defRPr>
-            </a:lvl9pPr>
-          </a:lstStyle>
-          <a:p>
-            <a:pPr lvl="0" algn="r"/>
-            <a:r>
-              <a:rPr lang="en-US" sz="8000" dirty="0">
-                <a:solidFill>
-                  <a:schemeClr val="tx1"/>
-                </a:solidFill>
-                <a:effectLst/>
-              </a:rPr>
-              <a:t>”</a:t>
-            </a:r>
-          </a:p>
-        </p:txBody>
-      </p:sp>
-      <p:sp>
-        <p:nvSpPr>
-          <p:cNvPr id="2" name="Title 1"/>
-          <p:cNvSpPr>
-            <a:spLocks noGrp="1"/>
-          </p:cNvSpPr>
-          <p:nvPr>
-            <p:ph type="title"/>
-          </p:nvPr>
-        </p:nvSpPr>
-        <p:spPr>
-          <a:xfrm>
-            <a:off x="2208212" y="685800"/>
-            <a:ext cx="8990012" cy="2743199"/>
-          </a:xfrm>
-        </p:spPr>
-        <p:txBody>
-          <a:bodyPr anchor="ctr">
-            <a:normAutofit/>
-          </a:bodyPr>
-          <a:lstStyle>
-            <a:lvl1pPr algn="ctr">
-              <a:defRPr sz="3200" b="0" cap="none">
-                <a:solidFill>
-                  <a:schemeClr val="tx1"/>
+                  <a:schemeClr val="bg2">
+                    <a:lumMod val="40000"/>
+                    <a:lumOff val="60000"/>
+                  </a:schemeClr>
                 </a:solidFill>
               </a:defRPr>
             </a:lvl1pPr>
+            <a:lvl2pPr marL="457200" indent="0">
+              <a:buNone/>
+              <a:defRPr sz="2000" b="1"/>
+            </a:lvl2pPr>
+            <a:lvl3pPr marL="914400" indent="0">
+              <a:buNone/>
+              <a:defRPr sz="1800" b="1"/>
+            </a:lvl3pPr>
+            <a:lvl4pPr marL="1371600" indent="0">
+              <a:buNone/>
+              <a:defRPr sz="1600" b="1"/>
+            </a:lvl4pPr>
+            <a:lvl5pPr marL="1828800" indent="0">
+              <a:buNone/>
+              <a:defRPr sz="1600" b="1"/>
+            </a:lvl5pPr>
+            <a:lvl6pPr marL="2286000" indent="0">
+              <a:buNone/>
+              <a:defRPr sz="1600" b="1"/>
+            </a:lvl6pPr>
+            <a:lvl7pPr marL="2743200" indent="0">
+              <a:buNone/>
+              <a:defRPr sz="1600" b="1"/>
+            </a:lvl7pPr>
+            <a:lvl8pPr marL="3200400" indent="0">
+              <a:buNone/>
+              <a:defRPr sz="1600" b="1"/>
+            </a:lvl8pPr>
+            <a:lvl9pPr marL="3657600" indent="0">
+              <a:buNone/>
+              <a:defRPr sz="1600" b="1"/>
+            </a:lvl9pPr>
           </a:lstStyle>
           <a:p>
-            <a:r>
-              <a:rPr lang="en-US"/>
-              <a:t>Click to edit Master title style</a:t>
-            </a:r>
-            <a:endParaRPr lang="en-US" dirty="0"/>
-          </a:p>
-        </p:txBody>
-      </p:sp>
-      <p:sp>
-        <p:nvSpPr>
-          <p:cNvPr id="10" name="Text Placeholder 9"/>
-          <p:cNvSpPr>
-            <a:spLocks noGrp="1"/>
-          </p:cNvSpPr>
-          <p:nvPr>
-            <p:ph type="body" sz="quarter" idx="13"/>
+            <a:pPr lvl="0"/>
+            <a:r>
+              <a:rPr lang="en-US"/>
+              <a:t>Click to edit Master text styles</a:t>
+            </a:r>
+          </a:p>
+        </p:txBody>
+      </p:sp>
+      <p:sp>
+        <p:nvSpPr>
+          <p:cNvPr id="16" name="Text Placeholder 3"/>
+          <p:cNvSpPr>
+            <a:spLocks noGrp="1"/>
+          </p:cNvSpPr>
+          <p:nvPr>
+            <p:ph type="body" sz="half" idx="15"/>
           </p:nvPr>
         </p:nvSpPr>
         <p:spPr>
           <a:xfrm>
-            <a:off x="1484313" y="3886200"/>
-            <a:ext cx="10018710" cy="889000"/>
-          </a:xfrm>
-        </p:spPr>
-        <p:txBody>
-          <a:bodyPr vert="horz" lIns="91440" tIns="45720" rIns="91440" bIns="45720" rtlCol="0" anchor="b">
-            <a:normAutofit/>
-          </a:bodyPr>
-          <a:lstStyle>
-            <a:lvl1pPr algn="r">
-              <a:buNone/>
-              <a:defRPr lang="en-US" sz="2400" b="0" cap="none" dirty="0">
-                <a:ln w="3175" cmpd="sng">
-                  <a:noFill/>
-                </a:ln>
-                <a:solidFill>
-                  <a:schemeClr val="tx1"/>
-                </a:solidFill>
-                <a:effectLst/>
-              </a:defRPr>
-            </a:lvl1pPr>
-          </a:lstStyle>
-          <a:p>
-            <a:pPr marL="0" lvl="0">
-              <a:spcBef>
-                <a:spcPct val="0"/>
-              </a:spcBef>
-              <a:buNone/>
-            </a:pPr>
-            <a:r>
-              <a:rPr lang="en-US"/>
-              <a:t>Edit Master text styles</a:t>
-            </a:r>
-          </a:p>
-        </p:txBody>
-      </p:sp>
-      <p:sp>
-        <p:nvSpPr>
-          <p:cNvPr id="3" name="Text Placeholder 2"/>
-          <p:cNvSpPr>
-            <a:spLocks noGrp="1"/>
-          </p:cNvSpPr>
-          <p:nvPr>
-            <p:ph type="body" idx="1"/>
-          </p:nvPr>
-        </p:nvSpPr>
-        <p:spPr>
-          <a:xfrm>
-            <a:off x="1484312" y="4775200"/>
-            <a:ext cx="10018710" cy="1016000"/>
+            <a:off x="652463" y="2667000"/>
+            <a:ext cx="2927350" cy="3589338"/>
           </a:xfrm>
         </p:spPr>
         <p:txBody>
@@ -2367,107 +1586,415 @@
             <a:normAutofit/>
           </a:bodyPr>
           <a:lstStyle>
-            <a:lvl1pPr marL="0" indent="0" algn="r">
-              <a:buNone/>
-              <a:defRPr sz="1800">
+            <a:lvl1pPr marL="0" indent="0">
+              <a:buNone/>
+              <a:defRPr sz="1400"/>
+            </a:lvl1pPr>
+            <a:lvl2pPr marL="457200" indent="0">
+              <a:buNone/>
+              <a:defRPr sz="1200"/>
+            </a:lvl2pPr>
+            <a:lvl3pPr marL="914400" indent="0">
+              <a:buNone/>
+              <a:defRPr sz="1000"/>
+            </a:lvl3pPr>
+            <a:lvl4pPr marL="1371600" indent="0">
+              <a:buNone/>
+              <a:defRPr sz="900"/>
+            </a:lvl4pPr>
+            <a:lvl5pPr marL="1828800" indent="0">
+              <a:buNone/>
+              <a:defRPr sz="900"/>
+            </a:lvl5pPr>
+            <a:lvl6pPr marL="2286000" indent="0">
+              <a:buNone/>
+              <a:defRPr sz="900"/>
+            </a:lvl6pPr>
+            <a:lvl7pPr marL="2743200" indent="0">
+              <a:buNone/>
+              <a:defRPr sz="900"/>
+            </a:lvl7pPr>
+            <a:lvl8pPr marL="3200400" indent="0">
+              <a:buNone/>
+              <a:defRPr sz="900"/>
+            </a:lvl8pPr>
+            <a:lvl9pPr marL="3657600" indent="0">
+              <a:buNone/>
+              <a:defRPr sz="900"/>
+            </a:lvl9pPr>
+          </a:lstStyle>
+          <a:p>
+            <a:pPr lvl="0"/>
+            <a:r>
+              <a:rPr lang="en-US"/>
+              <a:t>Click to edit Master text styles</a:t>
+            </a:r>
+          </a:p>
+        </p:txBody>
+      </p:sp>
+      <p:sp>
+        <p:nvSpPr>
+          <p:cNvPr id="5" name="Text Placeholder 4"/>
+          <p:cNvSpPr>
+            <a:spLocks noGrp="1"/>
+          </p:cNvSpPr>
+          <p:nvPr>
+            <p:ph type="body" sz="quarter" idx="3"/>
+          </p:nvPr>
+        </p:nvSpPr>
+        <p:spPr>
+          <a:xfrm>
+            <a:off x="3883659" y="1981200"/>
+            <a:ext cx="2936241" cy="576262"/>
+          </a:xfrm>
+        </p:spPr>
+        <p:txBody>
+          <a:bodyPr anchor="b">
+            <a:noAutofit/>
+          </a:bodyPr>
+          <a:lstStyle>
+            <a:lvl1pPr marL="0" indent="0">
+              <a:buNone/>
+              <a:defRPr sz="2400" b="0">
                 <a:solidFill>
-                  <a:schemeClr val="tx1"/>
+                  <a:schemeClr val="bg2">
+                    <a:lumMod val="40000"/>
+                    <a:lumOff val="60000"/>
+                  </a:schemeClr>
                 </a:solidFill>
               </a:defRPr>
             </a:lvl1pPr>
             <a:lvl2pPr marL="457200" indent="0">
               <a:buNone/>
-              <a:defRPr sz="1800">
+              <a:defRPr sz="2000" b="1"/>
+            </a:lvl2pPr>
+            <a:lvl3pPr marL="914400" indent="0">
+              <a:buNone/>
+              <a:defRPr sz="1800" b="1"/>
+            </a:lvl3pPr>
+            <a:lvl4pPr marL="1371600" indent="0">
+              <a:buNone/>
+              <a:defRPr sz="1600" b="1"/>
+            </a:lvl4pPr>
+            <a:lvl5pPr marL="1828800" indent="0">
+              <a:buNone/>
+              <a:defRPr sz="1600" b="1"/>
+            </a:lvl5pPr>
+            <a:lvl6pPr marL="2286000" indent="0">
+              <a:buNone/>
+              <a:defRPr sz="1600" b="1"/>
+            </a:lvl6pPr>
+            <a:lvl7pPr marL="2743200" indent="0">
+              <a:buNone/>
+              <a:defRPr sz="1600" b="1"/>
+            </a:lvl7pPr>
+            <a:lvl8pPr marL="3200400" indent="0">
+              <a:buNone/>
+              <a:defRPr sz="1600" b="1"/>
+            </a:lvl8pPr>
+            <a:lvl9pPr marL="3657600" indent="0">
+              <a:buNone/>
+              <a:defRPr sz="1600" b="1"/>
+            </a:lvl9pPr>
+          </a:lstStyle>
+          <a:p>
+            <a:pPr lvl="0"/>
+            <a:r>
+              <a:rPr lang="en-US"/>
+              <a:t>Click to edit Master text styles</a:t>
+            </a:r>
+          </a:p>
+        </p:txBody>
+      </p:sp>
+      <p:sp>
+        <p:nvSpPr>
+          <p:cNvPr id="19" name="Text Placeholder 3"/>
+          <p:cNvSpPr>
+            <a:spLocks noGrp="1"/>
+          </p:cNvSpPr>
+          <p:nvPr>
+            <p:ph type="body" sz="half" idx="16"/>
+          </p:nvPr>
+        </p:nvSpPr>
+        <p:spPr>
+          <a:xfrm>
+            <a:off x="3873106" y="2667000"/>
+            <a:ext cx="2946794" cy="3589338"/>
+          </a:xfrm>
+        </p:spPr>
+        <p:txBody>
+          <a:bodyPr anchor="t">
+            <a:normAutofit/>
+          </a:bodyPr>
+          <a:lstStyle>
+            <a:lvl1pPr marL="0" indent="0">
+              <a:buNone/>
+              <a:defRPr sz="1400"/>
+            </a:lvl1pPr>
+            <a:lvl2pPr marL="457200" indent="0">
+              <a:buNone/>
+              <a:defRPr sz="1200"/>
+            </a:lvl2pPr>
+            <a:lvl3pPr marL="914400" indent="0">
+              <a:buNone/>
+              <a:defRPr sz="1000"/>
+            </a:lvl3pPr>
+            <a:lvl4pPr marL="1371600" indent="0">
+              <a:buNone/>
+              <a:defRPr sz="900"/>
+            </a:lvl4pPr>
+            <a:lvl5pPr marL="1828800" indent="0">
+              <a:buNone/>
+              <a:defRPr sz="900"/>
+            </a:lvl5pPr>
+            <a:lvl6pPr marL="2286000" indent="0">
+              <a:buNone/>
+              <a:defRPr sz="900"/>
+            </a:lvl6pPr>
+            <a:lvl7pPr marL="2743200" indent="0">
+              <a:buNone/>
+              <a:defRPr sz="900"/>
+            </a:lvl7pPr>
+            <a:lvl8pPr marL="3200400" indent="0">
+              <a:buNone/>
+              <a:defRPr sz="900"/>
+            </a:lvl8pPr>
+            <a:lvl9pPr marL="3657600" indent="0">
+              <a:buNone/>
+              <a:defRPr sz="900"/>
+            </a:lvl9pPr>
+          </a:lstStyle>
+          <a:p>
+            <a:pPr lvl="0"/>
+            <a:r>
+              <a:rPr lang="en-US"/>
+              <a:t>Click to edit Master text styles</a:t>
+            </a:r>
+          </a:p>
+        </p:txBody>
+      </p:sp>
+      <p:sp>
+        <p:nvSpPr>
+          <p:cNvPr id="14" name="Text Placeholder 4"/>
+          <p:cNvSpPr>
+            <a:spLocks noGrp="1"/>
+          </p:cNvSpPr>
+          <p:nvPr>
+            <p:ph type="body" sz="quarter" idx="13"/>
+          </p:nvPr>
+        </p:nvSpPr>
+        <p:spPr>
+          <a:xfrm>
+            <a:off x="7124700" y="1981200"/>
+            <a:ext cx="2932113" cy="576262"/>
+          </a:xfrm>
+        </p:spPr>
+        <p:txBody>
+          <a:bodyPr anchor="b">
+            <a:noAutofit/>
+          </a:bodyPr>
+          <a:lstStyle>
+            <a:lvl1pPr marL="0" indent="0">
+              <a:buNone/>
+              <a:defRPr sz="2400" b="0">
                 <a:solidFill>
-                  <a:schemeClr val="tx1">
-                    <a:tint val="75000"/>
+                  <a:schemeClr val="bg2">
+                    <a:lumMod val="40000"/>
+                    <a:lumOff val="60000"/>
                   </a:schemeClr>
                 </a:solidFill>
               </a:defRPr>
+            </a:lvl1pPr>
+            <a:lvl2pPr marL="457200" indent="0">
+              <a:buNone/>
+              <a:defRPr sz="2000" b="1"/>
             </a:lvl2pPr>
             <a:lvl3pPr marL="914400" indent="0">
               <a:buNone/>
-              <a:defRPr sz="1600">
-                <a:solidFill>
-                  <a:schemeClr val="tx1">
-                    <a:tint val="75000"/>
-                  </a:schemeClr>
-                </a:solidFill>
-              </a:defRPr>
+              <a:defRPr sz="1800" b="1"/>
             </a:lvl3pPr>
             <a:lvl4pPr marL="1371600" indent="0">
               <a:buNone/>
-              <a:defRPr sz="1400">
-                <a:solidFill>
-                  <a:schemeClr val="tx1">
-                    <a:tint val="75000"/>
-                  </a:schemeClr>
-                </a:solidFill>
-              </a:defRPr>
+              <a:defRPr sz="1600" b="1"/>
             </a:lvl4pPr>
             <a:lvl5pPr marL="1828800" indent="0">
               <a:buNone/>
-              <a:defRPr sz="1400">
-                <a:solidFill>
-                  <a:schemeClr val="tx1">
-                    <a:tint val="75000"/>
-                  </a:schemeClr>
-                </a:solidFill>
-              </a:defRPr>
+              <a:defRPr sz="1600" b="1"/>
             </a:lvl5pPr>
             <a:lvl6pPr marL="2286000" indent="0">
               <a:buNone/>
-              <a:defRPr sz="1400">
-                <a:solidFill>
-                  <a:schemeClr val="tx1">
-                    <a:tint val="75000"/>
-                  </a:schemeClr>
-                </a:solidFill>
-              </a:defRPr>
+              <a:defRPr sz="1600" b="1"/>
             </a:lvl6pPr>
             <a:lvl7pPr marL="2743200" indent="0">
               <a:buNone/>
-              <a:defRPr sz="1400">
-                <a:solidFill>
-                  <a:schemeClr val="tx1">
-                    <a:tint val="75000"/>
-                  </a:schemeClr>
-                </a:solidFill>
-              </a:defRPr>
+              <a:defRPr sz="1600" b="1"/>
             </a:lvl7pPr>
             <a:lvl8pPr marL="3200400" indent="0">
               <a:buNone/>
-              <a:defRPr sz="1400">
-                <a:solidFill>
-                  <a:schemeClr val="tx1">
-                    <a:tint val="75000"/>
-                  </a:schemeClr>
-                </a:solidFill>
-              </a:defRPr>
+              <a:defRPr sz="1600" b="1"/>
             </a:lvl8pPr>
             <a:lvl9pPr marL="3657600" indent="0">
               <a:buNone/>
-              <a:defRPr sz="1400">
-                <a:solidFill>
-                  <a:schemeClr val="tx1">
-                    <a:tint val="75000"/>
-                  </a:schemeClr>
-                </a:solidFill>
-              </a:defRPr>
+              <a:defRPr sz="1600" b="1"/>
             </a:lvl9pPr>
           </a:lstStyle>
           <a:p>
             <a:pPr lvl="0"/>
             <a:r>
               <a:rPr lang="en-US"/>
-              <a:t>Edit Master text styles</a:t>
-            </a:r>
-          </a:p>
-        </p:txBody>
-      </p:sp>
-      <p:sp>
-        <p:nvSpPr>
-          <p:cNvPr id="4" name="Date Placeholder 3"/>
+              <a:t>Click to edit Master text styles</a:t>
+            </a:r>
+          </a:p>
+        </p:txBody>
+      </p:sp>
+      <p:sp>
+        <p:nvSpPr>
+          <p:cNvPr id="20" name="Text Placeholder 3"/>
+          <p:cNvSpPr>
+            <a:spLocks noGrp="1"/>
+          </p:cNvSpPr>
+          <p:nvPr>
+            <p:ph type="body" sz="half" idx="17"/>
+          </p:nvPr>
+        </p:nvSpPr>
+        <p:spPr>
+          <a:xfrm>
+            <a:off x="7124700" y="2667000"/>
+            <a:ext cx="2932113" cy="3589338"/>
+          </a:xfrm>
+        </p:spPr>
+        <p:txBody>
+          <a:bodyPr anchor="t">
+            <a:normAutofit/>
+          </a:bodyPr>
+          <a:lstStyle>
+            <a:lvl1pPr marL="0" indent="0">
+              <a:buNone/>
+              <a:defRPr sz="1400"/>
+            </a:lvl1pPr>
+            <a:lvl2pPr marL="457200" indent="0">
+              <a:buNone/>
+              <a:defRPr sz="1200"/>
+            </a:lvl2pPr>
+            <a:lvl3pPr marL="914400" indent="0">
+              <a:buNone/>
+              <a:defRPr sz="1000"/>
+            </a:lvl3pPr>
+            <a:lvl4pPr marL="1371600" indent="0">
+              <a:buNone/>
+              <a:defRPr sz="900"/>
+            </a:lvl4pPr>
+            <a:lvl5pPr marL="1828800" indent="0">
+              <a:buNone/>
+              <a:defRPr sz="900"/>
+            </a:lvl5pPr>
+            <a:lvl6pPr marL="2286000" indent="0">
+              <a:buNone/>
+              <a:defRPr sz="900"/>
+            </a:lvl6pPr>
+            <a:lvl7pPr marL="2743200" indent="0">
+              <a:buNone/>
+              <a:defRPr sz="900"/>
+            </a:lvl7pPr>
+            <a:lvl8pPr marL="3200400" indent="0">
+              <a:buNone/>
+              <a:defRPr sz="900"/>
+            </a:lvl8pPr>
+            <a:lvl9pPr marL="3657600" indent="0">
+              <a:buNone/>
+              <a:defRPr sz="900"/>
+            </a:lvl9pPr>
+          </a:lstStyle>
+          <a:p>
+            <a:pPr lvl="0"/>
+            <a:r>
+              <a:rPr lang="en-US"/>
+              <a:t>Click to edit Master text styles</a:t>
+            </a:r>
+          </a:p>
+        </p:txBody>
+      </p:sp>
+      <p:cxnSp>
+        <p:nvCxnSpPr>
+          <p:cNvPr id="17" name="Straight Connector 16"/>
+          <p:cNvCxnSpPr/>
+          <p:nvPr/>
+        </p:nvCxnSpPr>
+        <p:spPr>
+          <a:xfrm>
+            <a:off x="3726142" y="2133600"/>
+            <a:ext cx="0" cy="3962400"/>
+          </a:xfrm>
+          <a:prstGeom prst="line">
+            <a:avLst/>
+          </a:prstGeom>
+          <a:ln w="12700" cmpd="sng">
+            <a:solidFill>
+              <a:schemeClr val="bg2">
+                <a:lumMod val="40000"/>
+                <a:lumOff val="60000"/>
+                <a:alpha val="40000"/>
+              </a:schemeClr>
+            </a:solidFill>
+          </a:ln>
+        </p:spPr>
+        <p:style>
+          <a:lnRef idx="2">
+            <a:schemeClr val="accent1"/>
+          </a:lnRef>
+          <a:fillRef idx="0">
+            <a:schemeClr val="accent1"/>
+          </a:fillRef>
+          <a:effectRef idx="1">
+            <a:schemeClr val="accent1"/>
+          </a:effectRef>
+          <a:fontRef idx="minor">
+            <a:schemeClr val="tx1"/>
+          </a:fontRef>
+        </p:style>
+      </p:cxnSp>
+      <p:cxnSp>
+        <p:nvCxnSpPr>
+          <p:cNvPr id="18" name="Straight Connector 17"/>
+          <p:cNvCxnSpPr/>
+          <p:nvPr/>
+        </p:nvCxnSpPr>
+        <p:spPr>
+          <a:xfrm>
+            <a:off x="6962227" y="2133600"/>
+            <a:ext cx="0" cy="3966882"/>
+          </a:xfrm>
+          <a:prstGeom prst="line">
+            <a:avLst/>
+          </a:prstGeom>
+          <a:ln w="12700" cmpd="sng">
+            <a:solidFill>
+              <a:schemeClr val="bg2">
+                <a:lumMod val="40000"/>
+                <a:lumOff val="60000"/>
+                <a:alpha val="40000"/>
+              </a:schemeClr>
+            </a:solidFill>
+          </a:ln>
+        </p:spPr>
+        <p:style>
+          <a:lnRef idx="2">
+            <a:schemeClr val="accent1"/>
+          </a:lnRef>
+          <a:fillRef idx="0">
+            <a:schemeClr val="accent1"/>
+          </a:fillRef>
+          <a:effectRef idx="1">
+            <a:schemeClr val="accent1"/>
+          </a:effectRef>
+          <a:fontRef idx="minor">
+            <a:schemeClr val="tx1"/>
+          </a:fontRef>
+        </p:style>
+      </p:cxnSp>
+      <p:sp>
+        <p:nvSpPr>
+          <p:cNvPr id="7" name="Date Placeholder 3"/>
           <p:cNvSpPr>
             <a:spLocks noGrp="1"/>
           </p:cNvSpPr>
@@ -2482,7 +2009,7 @@
           <a:p>
             <a:fld id="{2E3F47AE-4804-4655-8D11-C2BEE1A314EC}" type="datetimeFigureOut">
               <a:rPr lang="en-GB" smtClean="0"/>
-              <a:t>16/12/2020</a:t>
+              <a:t>18/12/2020</a:t>
             </a:fld>
             <a:endParaRPr lang="en-GB"/>
           </a:p>
@@ -2490,7 +2017,7 @@
       </p:sp>
       <p:sp>
         <p:nvSpPr>
-          <p:cNvPr id="5" name="Footer Placeholder 4"/>
+          <p:cNvPr id="4" name="Footer Placeholder 4"/>
           <p:cNvSpPr>
             <a:spLocks noGrp="1"/>
           </p:cNvSpPr>
@@ -2533,7 +2060,7 @@
     </p:spTree>
     <p:extLst>
       <p:ext uri="{BB962C8B-B14F-4D97-AF65-F5344CB8AC3E}">
-        <p14:creationId xmlns:p14="http://schemas.microsoft.com/office/powerpoint/2010/main" val="848899556"/>
+        <p14:creationId xmlns:p14="http://schemas.microsoft.com/office/powerpoint/2010/main" val="2975980964"/>
       </p:ext>
     </p:extLst>
   </p:cSld>
@@ -2545,7 +2072,7 @@
 
 <file path=ppt/slideLayouts/slideLayout15.xml><?xml version="1.0" encoding="utf-8"?>
 <p:sldLayout xmlns:a="http://schemas.openxmlformats.org/drawingml/2006/main" xmlns:r="http://schemas.openxmlformats.org/officeDocument/2006/relationships" xmlns:p="http://schemas.openxmlformats.org/presentationml/2006/main" preserve="1">
-  <p:cSld name="True or False">
+  <p:cSld name="3 Picture Column">
     <p:spTree>
       <p:nvGrpSpPr>
         <p:cNvPr id="1" name=""/>
@@ -2570,201 +2097,764 @@
             <p:ph type="title"/>
           </p:nvPr>
         </p:nvSpPr>
+        <p:spPr/>
+        <p:txBody>
+          <a:bodyPr/>
+          <a:lstStyle>
+            <a:lvl1pPr>
+              <a:defRPr sz="4200"/>
+            </a:lvl1pPr>
+          </a:lstStyle>
+          <a:p>
+            <a:r>
+              <a:rPr lang="en-US"/>
+              <a:t>Click to edit Master title style</a:t>
+            </a:r>
+            <a:endParaRPr lang="en-US" dirty="0"/>
+          </a:p>
+        </p:txBody>
+      </p:sp>
+      <p:sp>
+        <p:nvSpPr>
+          <p:cNvPr id="3" name="Text Placeholder 2"/>
+          <p:cNvSpPr>
+            <a:spLocks noGrp="1"/>
+          </p:cNvSpPr>
+          <p:nvPr>
+            <p:ph type="body" idx="1"/>
+          </p:nvPr>
+        </p:nvSpPr>
         <p:spPr>
           <a:xfrm>
-            <a:off x="1484313" y="685800"/>
-            <a:ext cx="10018712" cy="2727325"/>
-          </a:xfrm>
-        </p:spPr>
-        <p:txBody>
-          <a:bodyPr vert="horz" lIns="91440" tIns="45720" rIns="91440" bIns="45720" rtlCol="0" anchor="ctr">
-            <a:normAutofit/>
+            <a:off x="652463" y="4250949"/>
+            <a:ext cx="2940050" cy="576262"/>
+          </a:xfrm>
+        </p:spPr>
+        <p:txBody>
+          <a:bodyPr anchor="b">
+            <a:noAutofit/>
           </a:bodyPr>
           <a:lstStyle>
-            <a:lvl1pPr>
-              <a:defRPr lang="en-US" b="0" dirty="0"/>
-            </a:lvl1pPr>
-          </a:lstStyle>
-          <a:p>
-            <a:pPr marL="0" lvl="0"/>
-            <a:r>
-              <a:rPr lang="en-US"/>
-              <a:t>Click to edit Master title style</a:t>
-            </a:r>
-            <a:endParaRPr lang="en-US" dirty="0"/>
-          </a:p>
-        </p:txBody>
-      </p:sp>
-      <p:sp>
-        <p:nvSpPr>
-          <p:cNvPr id="10" name="Text Placeholder 9"/>
-          <p:cNvSpPr>
-            <a:spLocks noGrp="1"/>
-          </p:cNvSpPr>
-          <p:nvPr>
-            <p:ph type="body" sz="quarter" idx="13"/>
-          </p:nvPr>
-        </p:nvSpPr>
-        <p:spPr>
-          <a:xfrm>
-            <a:off x="1484312" y="3505200"/>
-            <a:ext cx="10018713" cy="838200"/>
-          </a:xfrm>
-        </p:spPr>
-        <p:txBody>
-          <a:bodyPr vert="horz" lIns="91440" tIns="45720" rIns="91440" bIns="45720" rtlCol="0" anchor="b">
-            <a:normAutofit/>
-          </a:bodyPr>
-          <a:lstStyle>
-            <a:lvl1pPr>
-              <a:buNone/>
-              <a:defRPr lang="en-US" sz="2800" b="0" cap="none" dirty="0">
-                <a:ln w="3175" cmpd="sng">
-                  <a:noFill/>
-                </a:ln>
+            <a:lvl1pPr marL="0" indent="0">
+              <a:buNone/>
+              <a:defRPr sz="2400" b="0">
                 <a:solidFill>
-                  <a:schemeClr val="tx1"/>
+                  <a:schemeClr val="bg2">
+                    <a:lumMod val="40000"/>
+                    <a:lumOff val="60000"/>
+                  </a:schemeClr>
                 </a:solidFill>
-                <a:effectLst/>
               </a:defRPr>
             </a:lvl1pPr>
+            <a:lvl2pPr marL="457200" indent="0">
+              <a:buNone/>
+              <a:defRPr sz="2000" b="1"/>
+            </a:lvl2pPr>
+            <a:lvl3pPr marL="914400" indent="0">
+              <a:buNone/>
+              <a:defRPr sz="1800" b="1"/>
+            </a:lvl3pPr>
+            <a:lvl4pPr marL="1371600" indent="0">
+              <a:buNone/>
+              <a:defRPr sz="1600" b="1"/>
+            </a:lvl4pPr>
+            <a:lvl5pPr marL="1828800" indent="0">
+              <a:buNone/>
+              <a:defRPr sz="1600" b="1"/>
+            </a:lvl5pPr>
+            <a:lvl6pPr marL="2286000" indent="0">
+              <a:buNone/>
+              <a:defRPr sz="1600" b="1"/>
+            </a:lvl6pPr>
+            <a:lvl7pPr marL="2743200" indent="0">
+              <a:buNone/>
+              <a:defRPr sz="1600" b="1"/>
+            </a:lvl7pPr>
+            <a:lvl8pPr marL="3200400" indent="0">
+              <a:buNone/>
+              <a:defRPr sz="1600" b="1"/>
+            </a:lvl8pPr>
+            <a:lvl9pPr marL="3657600" indent="0">
+              <a:buNone/>
+              <a:defRPr sz="1600" b="1"/>
+            </a:lvl9pPr>
           </a:lstStyle>
           <a:p>
-            <a:pPr marL="0" lvl="0">
-              <a:spcBef>
-                <a:spcPct val="0"/>
-              </a:spcBef>
-              <a:buNone/>
-            </a:pPr>
-            <a:r>
-              <a:rPr lang="en-US"/>
-              <a:t>Edit Master text styles</a:t>
-            </a:r>
-          </a:p>
-        </p:txBody>
-      </p:sp>
-      <p:sp>
-        <p:nvSpPr>
-          <p:cNvPr id="3" name="Text Placeholder 2"/>
-          <p:cNvSpPr>
-            <a:spLocks noGrp="1"/>
-          </p:cNvSpPr>
-          <p:nvPr>
-            <p:ph type="body" idx="1"/>
+            <a:pPr lvl="0"/>
+            <a:r>
+              <a:rPr lang="en-US"/>
+              <a:t>Click to edit Master text styles</a:t>
+            </a:r>
+          </a:p>
+        </p:txBody>
+      </p:sp>
+      <p:sp>
+        <p:nvSpPr>
+          <p:cNvPr id="29" name="Picture Placeholder 2"/>
+          <p:cNvSpPr>
+            <a:spLocks noGrp="1" noChangeAspect="1"/>
+          </p:cNvSpPr>
+          <p:nvPr>
+            <p:ph type="pic" idx="15"/>
           </p:nvPr>
         </p:nvSpPr>
         <p:spPr>
           <a:xfrm>
-            <a:off x="1484311" y="4343400"/>
-            <a:ext cx="10018713" cy="1447800"/>
-          </a:xfrm>
+            <a:off x="652463" y="2209800"/>
+            <a:ext cx="2940050" cy="1524000"/>
+          </a:xfrm>
+          <a:prstGeom prst="roundRect">
+            <a:avLst>
+              <a:gd name="adj" fmla="val 1858"/>
+            </a:avLst>
+          </a:prstGeom>
+          <a:effectLst>
+            <a:outerShdw blurRad="50800" dist="50800" dir="5400000" algn="tl" rotWithShape="0">
+              <a:srgbClr val="000000">
+                <a:alpha val="43000"/>
+              </a:srgbClr>
+            </a:outerShdw>
+          </a:effectLst>
         </p:spPr>
         <p:txBody>
           <a:bodyPr anchor="t">
             <a:normAutofit/>
           </a:bodyPr>
           <a:lstStyle>
-            <a:lvl1pPr marL="0" indent="0" algn="l">
-              <a:buNone/>
-              <a:defRPr sz="1800">
+            <a:lvl1pPr marL="0" indent="0" algn="ctr">
+              <a:buNone/>
+              <a:defRPr sz="1600"/>
+            </a:lvl1pPr>
+            <a:lvl2pPr marL="457200" indent="0">
+              <a:buNone/>
+              <a:defRPr sz="1600"/>
+            </a:lvl2pPr>
+            <a:lvl3pPr marL="914400" indent="0">
+              <a:buNone/>
+              <a:defRPr sz="1600"/>
+            </a:lvl3pPr>
+            <a:lvl4pPr marL="1371600" indent="0">
+              <a:buNone/>
+              <a:defRPr sz="1600"/>
+            </a:lvl4pPr>
+            <a:lvl5pPr marL="1828800" indent="0">
+              <a:buNone/>
+              <a:defRPr sz="1600"/>
+            </a:lvl5pPr>
+            <a:lvl6pPr marL="2286000" indent="0">
+              <a:buNone/>
+              <a:defRPr sz="1600"/>
+            </a:lvl6pPr>
+            <a:lvl7pPr marL="2743200" indent="0">
+              <a:buNone/>
+              <a:defRPr sz="1600"/>
+            </a:lvl7pPr>
+            <a:lvl8pPr marL="3200400" indent="0">
+              <a:buNone/>
+              <a:defRPr sz="1600"/>
+            </a:lvl8pPr>
+            <a:lvl9pPr marL="3657600" indent="0">
+              <a:buNone/>
+              <a:defRPr sz="1600"/>
+            </a:lvl9pPr>
+          </a:lstStyle>
+          <a:p>
+            <a:r>
+              <a:rPr lang="en-US"/>
+              <a:t>Click icon to add picture</a:t>
+            </a:r>
+            <a:endParaRPr lang="en-US" dirty="0"/>
+          </a:p>
+        </p:txBody>
+      </p:sp>
+      <p:sp>
+        <p:nvSpPr>
+          <p:cNvPr id="22" name="Text Placeholder 3"/>
+          <p:cNvSpPr>
+            <a:spLocks noGrp="1"/>
+          </p:cNvSpPr>
+          <p:nvPr>
+            <p:ph type="body" sz="half" idx="18"/>
+          </p:nvPr>
+        </p:nvSpPr>
+        <p:spPr>
+          <a:xfrm>
+            <a:off x="652463" y="4827211"/>
+            <a:ext cx="2940050" cy="659189"/>
+          </a:xfrm>
+        </p:spPr>
+        <p:txBody>
+          <a:bodyPr anchor="t">
+            <a:normAutofit/>
+          </a:bodyPr>
+          <a:lstStyle>
+            <a:lvl1pPr marL="0" indent="0">
+              <a:buNone/>
+              <a:defRPr sz="1400"/>
+            </a:lvl1pPr>
+            <a:lvl2pPr marL="457200" indent="0">
+              <a:buNone/>
+              <a:defRPr sz="1200"/>
+            </a:lvl2pPr>
+            <a:lvl3pPr marL="914400" indent="0">
+              <a:buNone/>
+              <a:defRPr sz="1000"/>
+            </a:lvl3pPr>
+            <a:lvl4pPr marL="1371600" indent="0">
+              <a:buNone/>
+              <a:defRPr sz="900"/>
+            </a:lvl4pPr>
+            <a:lvl5pPr marL="1828800" indent="0">
+              <a:buNone/>
+              <a:defRPr sz="900"/>
+            </a:lvl5pPr>
+            <a:lvl6pPr marL="2286000" indent="0">
+              <a:buNone/>
+              <a:defRPr sz="900"/>
+            </a:lvl6pPr>
+            <a:lvl7pPr marL="2743200" indent="0">
+              <a:buNone/>
+              <a:defRPr sz="900"/>
+            </a:lvl7pPr>
+            <a:lvl8pPr marL="3200400" indent="0">
+              <a:buNone/>
+              <a:defRPr sz="900"/>
+            </a:lvl8pPr>
+            <a:lvl9pPr marL="3657600" indent="0">
+              <a:buNone/>
+              <a:defRPr sz="900"/>
+            </a:lvl9pPr>
+          </a:lstStyle>
+          <a:p>
+            <a:pPr lvl="0"/>
+            <a:r>
+              <a:rPr lang="en-US"/>
+              <a:t>Click to edit Master text styles</a:t>
+            </a:r>
+          </a:p>
+        </p:txBody>
+      </p:sp>
+      <p:sp>
+        <p:nvSpPr>
+          <p:cNvPr id="5" name="Text Placeholder 4"/>
+          <p:cNvSpPr>
+            <a:spLocks noGrp="1"/>
+          </p:cNvSpPr>
+          <p:nvPr>
+            <p:ph type="body" sz="quarter" idx="3"/>
+          </p:nvPr>
+        </p:nvSpPr>
+        <p:spPr>
+          <a:xfrm>
+            <a:off x="3889375" y="4250949"/>
+            <a:ext cx="2930525" cy="576262"/>
+          </a:xfrm>
+        </p:spPr>
+        <p:txBody>
+          <a:bodyPr anchor="b">
+            <a:noAutofit/>
+          </a:bodyPr>
+          <a:lstStyle>
+            <a:lvl1pPr marL="0" indent="0">
+              <a:buNone/>
+              <a:defRPr sz="2400" b="0">
                 <a:solidFill>
-                  <a:schemeClr val="tx1"/>
+                  <a:schemeClr val="bg2">
+                    <a:lumMod val="40000"/>
+                    <a:lumOff val="60000"/>
+                  </a:schemeClr>
                 </a:solidFill>
               </a:defRPr>
             </a:lvl1pPr>
             <a:lvl2pPr marL="457200" indent="0">
               <a:buNone/>
-              <a:defRPr sz="1800">
+              <a:defRPr sz="2000" b="1"/>
+            </a:lvl2pPr>
+            <a:lvl3pPr marL="914400" indent="0">
+              <a:buNone/>
+              <a:defRPr sz="1800" b="1"/>
+            </a:lvl3pPr>
+            <a:lvl4pPr marL="1371600" indent="0">
+              <a:buNone/>
+              <a:defRPr sz="1600" b="1"/>
+            </a:lvl4pPr>
+            <a:lvl5pPr marL="1828800" indent="0">
+              <a:buNone/>
+              <a:defRPr sz="1600" b="1"/>
+            </a:lvl5pPr>
+            <a:lvl6pPr marL="2286000" indent="0">
+              <a:buNone/>
+              <a:defRPr sz="1600" b="1"/>
+            </a:lvl6pPr>
+            <a:lvl7pPr marL="2743200" indent="0">
+              <a:buNone/>
+              <a:defRPr sz="1600" b="1"/>
+            </a:lvl7pPr>
+            <a:lvl8pPr marL="3200400" indent="0">
+              <a:buNone/>
+              <a:defRPr sz="1600" b="1"/>
+            </a:lvl8pPr>
+            <a:lvl9pPr marL="3657600" indent="0">
+              <a:buNone/>
+              <a:defRPr sz="1600" b="1"/>
+            </a:lvl9pPr>
+          </a:lstStyle>
+          <a:p>
+            <a:pPr lvl="0"/>
+            <a:r>
+              <a:rPr lang="en-US"/>
+              <a:t>Click to edit Master text styles</a:t>
+            </a:r>
+          </a:p>
+        </p:txBody>
+      </p:sp>
+      <p:sp>
+        <p:nvSpPr>
+          <p:cNvPr id="30" name="Picture Placeholder 2"/>
+          <p:cNvSpPr>
+            <a:spLocks noGrp="1" noChangeAspect="1"/>
+          </p:cNvSpPr>
+          <p:nvPr>
+            <p:ph type="pic" idx="21"/>
+          </p:nvPr>
+        </p:nvSpPr>
+        <p:spPr>
+          <a:xfrm>
+            <a:off x="3889374" y="2209800"/>
+            <a:ext cx="2930525" cy="1524000"/>
+          </a:xfrm>
+          <a:prstGeom prst="roundRect">
+            <a:avLst>
+              <a:gd name="adj" fmla="val 1858"/>
+            </a:avLst>
+          </a:prstGeom>
+          <a:effectLst>
+            <a:outerShdw blurRad="50800" dist="50800" dir="5400000" algn="tl" rotWithShape="0">
+              <a:srgbClr val="000000">
+                <a:alpha val="43000"/>
+              </a:srgbClr>
+            </a:outerShdw>
+          </a:effectLst>
+        </p:spPr>
+        <p:txBody>
+          <a:bodyPr anchor="t">
+            <a:normAutofit/>
+          </a:bodyPr>
+          <a:lstStyle>
+            <a:lvl1pPr marL="0" indent="0" algn="ctr">
+              <a:buNone/>
+              <a:defRPr sz="1600"/>
+            </a:lvl1pPr>
+            <a:lvl2pPr marL="457200" indent="0">
+              <a:buNone/>
+              <a:defRPr sz="1600"/>
+            </a:lvl2pPr>
+            <a:lvl3pPr marL="914400" indent="0">
+              <a:buNone/>
+              <a:defRPr sz="1600"/>
+            </a:lvl3pPr>
+            <a:lvl4pPr marL="1371600" indent="0">
+              <a:buNone/>
+              <a:defRPr sz="1600"/>
+            </a:lvl4pPr>
+            <a:lvl5pPr marL="1828800" indent="0">
+              <a:buNone/>
+              <a:defRPr sz="1600"/>
+            </a:lvl5pPr>
+            <a:lvl6pPr marL="2286000" indent="0">
+              <a:buNone/>
+              <a:defRPr sz="1600"/>
+            </a:lvl6pPr>
+            <a:lvl7pPr marL="2743200" indent="0">
+              <a:buNone/>
+              <a:defRPr sz="1600"/>
+            </a:lvl7pPr>
+            <a:lvl8pPr marL="3200400" indent="0">
+              <a:buNone/>
+              <a:defRPr sz="1600"/>
+            </a:lvl8pPr>
+            <a:lvl9pPr marL="3657600" indent="0">
+              <a:buNone/>
+              <a:defRPr sz="1600"/>
+            </a:lvl9pPr>
+          </a:lstStyle>
+          <a:p>
+            <a:r>
+              <a:rPr lang="en-US"/>
+              <a:t>Click icon to add picture</a:t>
+            </a:r>
+            <a:endParaRPr lang="en-US" dirty="0"/>
+          </a:p>
+        </p:txBody>
+      </p:sp>
+      <p:sp>
+        <p:nvSpPr>
+          <p:cNvPr id="23" name="Text Placeholder 3"/>
+          <p:cNvSpPr>
+            <a:spLocks noGrp="1"/>
+          </p:cNvSpPr>
+          <p:nvPr>
+            <p:ph type="body" sz="half" idx="19"/>
+          </p:nvPr>
+        </p:nvSpPr>
+        <p:spPr>
+          <a:xfrm>
+            <a:off x="3888022" y="4827210"/>
+            <a:ext cx="2934406" cy="659189"/>
+          </a:xfrm>
+        </p:spPr>
+        <p:txBody>
+          <a:bodyPr anchor="t">
+            <a:normAutofit/>
+          </a:bodyPr>
+          <a:lstStyle>
+            <a:lvl1pPr marL="0" indent="0">
+              <a:buNone/>
+              <a:defRPr sz="1400"/>
+            </a:lvl1pPr>
+            <a:lvl2pPr marL="457200" indent="0">
+              <a:buNone/>
+              <a:defRPr sz="1200"/>
+            </a:lvl2pPr>
+            <a:lvl3pPr marL="914400" indent="0">
+              <a:buNone/>
+              <a:defRPr sz="1000"/>
+            </a:lvl3pPr>
+            <a:lvl4pPr marL="1371600" indent="0">
+              <a:buNone/>
+              <a:defRPr sz="900"/>
+            </a:lvl4pPr>
+            <a:lvl5pPr marL="1828800" indent="0">
+              <a:buNone/>
+              <a:defRPr sz="900"/>
+            </a:lvl5pPr>
+            <a:lvl6pPr marL="2286000" indent="0">
+              <a:buNone/>
+              <a:defRPr sz="900"/>
+            </a:lvl6pPr>
+            <a:lvl7pPr marL="2743200" indent="0">
+              <a:buNone/>
+              <a:defRPr sz="900"/>
+            </a:lvl7pPr>
+            <a:lvl8pPr marL="3200400" indent="0">
+              <a:buNone/>
+              <a:defRPr sz="900"/>
+            </a:lvl8pPr>
+            <a:lvl9pPr marL="3657600" indent="0">
+              <a:buNone/>
+              <a:defRPr sz="900"/>
+            </a:lvl9pPr>
+          </a:lstStyle>
+          <a:p>
+            <a:pPr lvl="0"/>
+            <a:r>
+              <a:rPr lang="en-US"/>
+              <a:t>Click to edit Master text styles</a:t>
+            </a:r>
+          </a:p>
+        </p:txBody>
+      </p:sp>
+      <p:sp>
+        <p:nvSpPr>
+          <p:cNvPr id="14" name="Text Placeholder 4"/>
+          <p:cNvSpPr>
+            <a:spLocks noGrp="1"/>
+          </p:cNvSpPr>
+          <p:nvPr>
+            <p:ph type="body" sz="quarter" idx="13"/>
+          </p:nvPr>
+        </p:nvSpPr>
+        <p:spPr>
+          <a:xfrm>
+            <a:off x="7124700" y="4250949"/>
+            <a:ext cx="2932113" cy="576262"/>
+          </a:xfrm>
+        </p:spPr>
+        <p:txBody>
+          <a:bodyPr anchor="b">
+            <a:noAutofit/>
+          </a:bodyPr>
+          <a:lstStyle>
+            <a:lvl1pPr marL="0" indent="0">
+              <a:buNone/>
+              <a:defRPr sz="2400" b="0">
                 <a:solidFill>
-                  <a:schemeClr val="tx1">
-                    <a:tint val="75000"/>
+                  <a:schemeClr val="bg2">
+                    <a:lumMod val="40000"/>
+                    <a:lumOff val="60000"/>
                   </a:schemeClr>
                 </a:solidFill>
               </a:defRPr>
+            </a:lvl1pPr>
+            <a:lvl2pPr marL="457200" indent="0">
+              <a:buNone/>
+              <a:defRPr sz="2000" b="1"/>
             </a:lvl2pPr>
             <a:lvl3pPr marL="914400" indent="0">
               <a:buNone/>
-              <a:defRPr sz="1600">
-                <a:solidFill>
-                  <a:schemeClr val="tx1">
-                    <a:tint val="75000"/>
-                  </a:schemeClr>
-                </a:solidFill>
-              </a:defRPr>
+              <a:defRPr sz="1800" b="1"/>
             </a:lvl3pPr>
             <a:lvl4pPr marL="1371600" indent="0">
               <a:buNone/>
-              <a:defRPr sz="1400">
-                <a:solidFill>
-                  <a:schemeClr val="tx1">
-                    <a:tint val="75000"/>
-                  </a:schemeClr>
-                </a:solidFill>
-              </a:defRPr>
+              <a:defRPr sz="1600" b="1"/>
             </a:lvl4pPr>
             <a:lvl5pPr marL="1828800" indent="0">
               <a:buNone/>
-              <a:defRPr sz="1400">
-                <a:solidFill>
-                  <a:schemeClr val="tx1">
-                    <a:tint val="75000"/>
-                  </a:schemeClr>
-                </a:solidFill>
-              </a:defRPr>
+              <a:defRPr sz="1600" b="1"/>
             </a:lvl5pPr>
             <a:lvl6pPr marL="2286000" indent="0">
               <a:buNone/>
-              <a:defRPr sz="1400">
-                <a:solidFill>
-                  <a:schemeClr val="tx1">
-                    <a:tint val="75000"/>
-                  </a:schemeClr>
-                </a:solidFill>
-              </a:defRPr>
+              <a:defRPr sz="1600" b="1"/>
             </a:lvl6pPr>
             <a:lvl7pPr marL="2743200" indent="0">
               <a:buNone/>
-              <a:defRPr sz="1400">
-                <a:solidFill>
-                  <a:schemeClr val="tx1">
-                    <a:tint val="75000"/>
-                  </a:schemeClr>
-                </a:solidFill>
-              </a:defRPr>
+              <a:defRPr sz="1600" b="1"/>
             </a:lvl7pPr>
             <a:lvl8pPr marL="3200400" indent="0">
               <a:buNone/>
-              <a:defRPr sz="1400">
-                <a:solidFill>
-                  <a:schemeClr val="tx1">
-                    <a:tint val="75000"/>
-                  </a:schemeClr>
-                </a:solidFill>
-              </a:defRPr>
+              <a:defRPr sz="1600" b="1"/>
             </a:lvl8pPr>
             <a:lvl9pPr marL="3657600" indent="0">
               <a:buNone/>
-              <a:defRPr sz="1400">
-                <a:solidFill>
-                  <a:schemeClr val="tx1">
-                    <a:tint val="75000"/>
-                  </a:schemeClr>
-                </a:solidFill>
-              </a:defRPr>
+              <a:defRPr sz="1600" b="1"/>
             </a:lvl9pPr>
           </a:lstStyle>
           <a:p>
             <a:pPr lvl="0"/>
             <a:r>
               <a:rPr lang="en-US"/>
-              <a:t>Edit Master text styles</a:t>
-            </a:r>
-          </a:p>
-        </p:txBody>
-      </p:sp>
-      <p:sp>
-        <p:nvSpPr>
-          <p:cNvPr id="4" name="Date Placeholder 3"/>
+              <a:t>Click to edit Master text styles</a:t>
+            </a:r>
+          </a:p>
+        </p:txBody>
+      </p:sp>
+      <p:sp>
+        <p:nvSpPr>
+          <p:cNvPr id="31" name="Picture Placeholder 2"/>
+          <p:cNvSpPr>
+            <a:spLocks noGrp="1" noChangeAspect="1"/>
+          </p:cNvSpPr>
+          <p:nvPr>
+            <p:ph type="pic" idx="22"/>
+          </p:nvPr>
+        </p:nvSpPr>
+        <p:spPr>
+          <a:xfrm>
+            <a:off x="7124699" y="2209800"/>
+            <a:ext cx="2932113" cy="1524000"/>
+          </a:xfrm>
+          <a:prstGeom prst="roundRect">
+            <a:avLst>
+              <a:gd name="adj" fmla="val 1858"/>
+            </a:avLst>
+          </a:prstGeom>
+          <a:effectLst>
+            <a:outerShdw blurRad="50800" dist="50800" dir="5400000" algn="tl" rotWithShape="0">
+              <a:srgbClr val="000000">
+                <a:alpha val="43000"/>
+              </a:srgbClr>
+            </a:outerShdw>
+          </a:effectLst>
+        </p:spPr>
+        <p:txBody>
+          <a:bodyPr anchor="t">
+            <a:normAutofit/>
+          </a:bodyPr>
+          <a:lstStyle>
+            <a:lvl1pPr marL="0" indent="0" algn="ctr">
+              <a:buNone/>
+              <a:defRPr sz="1600"/>
+            </a:lvl1pPr>
+            <a:lvl2pPr marL="457200" indent="0">
+              <a:buNone/>
+              <a:defRPr sz="1600"/>
+            </a:lvl2pPr>
+            <a:lvl3pPr marL="914400" indent="0">
+              <a:buNone/>
+              <a:defRPr sz="1600"/>
+            </a:lvl3pPr>
+            <a:lvl4pPr marL="1371600" indent="0">
+              <a:buNone/>
+              <a:defRPr sz="1600"/>
+            </a:lvl4pPr>
+            <a:lvl5pPr marL="1828800" indent="0">
+              <a:buNone/>
+              <a:defRPr sz="1600"/>
+            </a:lvl5pPr>
+            <a:lvl6pPr marL="2286000" indent="0">
+              <a:buNone/>
+              <a:defRPr sz="1600"/>
+            </a:lvl6pPr>
+            <a:lvl7pPr marL="2743200" indent="0">
+              <a:buNone/>
+              <a:defRPr sz="1600"/>
+            </a:lvl7pPr>
+            <a:lvl8pPr marL="3200400" indent="0">
+              <a:buNone/>
+              <a:defRPr sz="1600"/>
+            </a:lvl8pPr>
+            <a:lvl9pPr marL="3657600" indent="0">
+              <a:buNone/>
+              <a:defRPr sz="1600"/>
+            </a:lvl9pPr>
+          </a:lstStyle>
+          <a:p>
+            <a:r>
+              <a:rPr lang="en-US"/>
+              <a:t>Click icon to add picture</a:t>
+            </a:r>
+            <a:endParaRPr lang="en-US" dirty="0"/>
+          </a:p>
+        </p:txBody>
+      </p:sp>
+      <p:sp>
+        <p:nvSpPr>
+          <p:cNvPr id="24" name="Text Placeholder 3"/>
+          <p:cNvSpPr>
+            <a:spLocks noGrp="1"/>
+          </p:cNvSpPr>
+          <p:nvPr>
+            <p:ph type="body" sz="half" idx="20"/>
+          </p:nvPr>
+        </p:nvSpPr>
+        <p:spPr>
+          <a:xfrm>
+            <a:off x="7124575" y="4827208"/>
+            <a:ext cx="2935997" cy="659189"/>
+          </a:xfrm>
+        </p:spPr>
+        <p:txBody>
+          <a:bodyPr anchor="t">
+            <a:normAutofit/>
+          </a:bodyPr>
+          <a:lstStyle>
+            <a:lvl1pPr marL="0" indent="0">
+              <a:buNone/>
+              <a:defRPr sz="1400"/>
+            </a:lvl1pPr>
+            <a:lvl2pPr marL="457200" indent="0">
+              <a:buNone/>
+              <a:defRPr sz="1200"/>
+            </a:lvl2pPr>
+            <a:lvl3pPr marL="914400" indent="0">
+              <a:buNone/>
+              <a:defRPr sz="1000"/>
+            </a:lvl3pPr>
+            <a:lvl4pPr marL="1371600" indent="0">
+              <a:buNone/>
+              <a:defRPr sz="900"/>
+            </a:lvl4pPr>
+            <a:lvl5pPr marL="1828800" indent="0">
+              <a:buNone/>
+              <a:defRPr sz="900"/>
+            </a:lvl5pPr>
+            <a:lvl6pPr marL="2286000" indent="0">
+              <a:buNone/>
+              <a:defRPr sz="900"/>
+            </a:lvl6pPr>
+            <a:lvl7pPr marL="2743200" indent="0">
+              <a:buNone/>
+              <a:defRPr sz="900"/>
+            </a:lvl7pPr>
+            <a:lvl8pPr marL="3200400" indent="0">
+              <a:buNone/>
+              <a:defRPr sz="900"/>
+            </a:lvl8pPr>
+            <a:lvl9pPr marL="3657600" indent="0">
+              <a:buNone/>
+              <a:defRPr sz="900"/>
+            </a:lvl9pPr>
+          </a:lstStyle>
+          <a:p>
+            <a:pPr lvl="0"/>
+            <a:r>
+              <a:rPr lang="en-US"/>
+              <a:t>Click to edit Master text styles</a:t>
+            </a:r>
+          </a:p>
+        </p:txBody>
+      </p:sp>
+      <p:cxnSp>
+        <p:nvCxnSpPr>
+          <p:cNvPr id="19" name="Straight Connector 18"/>
+          <p:cNvCxnSpPr/>
+          <p:nvPr/>
+        </p:nvCxnSpPr>
+        <p:spPr>
+          <a:xfrm>
+            <a:off x="3726142" y="2133600"/>
+            <a:ext cx="0" cy="3962400"/>
+          </a:xfrm>
+          <a:prstGeom prst="line">
+            <a:avLst/>
+          </a:prstGeom>
+          <a:ln w="12700" cmpd="sng">
+            <a:solidFill>
+              <a:schemeClr val="bg2">
+                <a:lumMod val="40000"/>
+                <a:lumOff val="60000"/>
+                <a:alpha val="40000"/>
+              </a:schemeClr>
+            </a:solidFill>
+          </a:ln>
+        </p:spPr>
+        <p:style>
+          <a:lnRef idx="2">
+            <a:schemeClr val="accent1"/>
+          </a:lnRef>
+          <a:fillRef idx="0">
+            <a:schemeClr val="accent1"/>
+          </a:fillRef>
+          <a:effectRef idx="1">
+            <a:schemeClr val="accent1"/>
+          </a:effectRef>
+          <a:fontRef idx="minor">
+            <a:schemeClr val="tx1"/>
+          </a:fontRef>
+        </p:style>
+      </p:cxnSp>
+      <p:cxnSp>
+        <p:nvCxnSpPr>
+          <p:cNvPr id="20" name="Straight Connector 19"/>
+          <p:cNvCxnSpPr/>
+          <p:nvPr/>
+        </p:nvCxnSpPr>
+        <p:spPr>
+          <a:xfrm>
+            <a:off x="6962227" y="2133600"/>
+            <a:ext cx="0" cy="3966882"/>
+          </a:xfrm>
+          <a:prstGeom prst="line">
+            <a:avLst/>
+          </a:prstGeom>
+          <a:ln w="12700" cmpd="sng">
+            <a:solidFill>
+              <a:schemeClr val="bg2">
+                <a:lumMod val="40000"/>
+                <a:lumOff val="60000"/>
+                <a:alpha val="40000"/>
+              </a:schemeClr>
+            </a:solidFill>
+          </a:ln>
+        </p:spPr>
+        <p:style>
+          <a:lnRef idx="2">
+            <a:schemeClr val="accent1"/>
+          </a:lnRef>
+          <a:fillRef idx="0">
+            <a:schemeClr val="accent1"/>
+          </a:fillRef>
+          <a:effectRef idx="1">
+            <a:schemeClr val="accent1"/>
+          </a:effectRef>
+          <a:fontRef idx="minor">
+            <a:schemeClr val="tx1"/>
+          </a:fontRef>
+        </p:style>
+      </p:cxnSp>
+      <p:sp>
+        <p:nvSpPr>
+          <p:cNvPr id="7" name="Date Placeholder 3"/>
           <p:cNvSpPr>
             <a:spLocks noGrp="1"/>
           </p:cNvSpPr>
@@ -2779,7 +2869,7 @@
           <a:p>
             <a:fld id="{2E3F47AE-4804-4655-8D11-C2BEE1A314EC}" type="datetimeFigureOut">
               <a:rPr lang="en-GB" smtClean="0"/>
-              <a:t>16/12/2020</a:t>
+              <a:t>18/12/2020</a:t>
             </a:fld>
             <a:endParaRPr lang="en-GB"/>
           </a:p>
@@ -2787,7 +2877,7 @@
       </p:sp>
       <p:sp>
         <p:nvSpPr>
-          <p:cNvPr id="5" name="Footer Placeholder 4"/>
+          <p:cNvPr id="4" name="Footer Placeholder 4"/>
           <p:cNvSpPr>
             <a:spLocks noGrp="1"/>
           </p:cNvSpPr>
@@ -2830,7 +2920,7 @@
     </p:spTree>
     <p:extLst>
       <p:ext uri="{BB962C8B-B14F-4D97-AF65-F5344CB8AC3E}">
-        <p14:creationId xmlns:p14="http://schemas.microsoft.com/office/powerpoint/2010/main" val="2709665344"/>
+        <p14:creationId xmlns:p14="http://schemas.microsoft.com/office/powerpoint/2010/main" val="1175316018"/>
       </p:ext>
     </p:extLst>
   </p:cSld>
@@ -2870,11 +2960,7 @@
         <p:spPr/>
         <p:txBody>
           <a:bodyPr/>
-          <a:lstStyle>
-            <a:lvl1pPr algn="ctr">
-              <a:defRPr/>
-            </a:lvl1pPr>
-          </a:lstStyle>
+          <a:lstStyle/>
           <a:p>
             <a:r>
               <a:rPr lang="en-US"/>
@@ -2896,13 +2982,13 @@
         </p:nvSpPr>
         <p:spPr/>
         <p:txBody>
-          <a:bodyPr vert="eaVert" anchor="t"/>
+          <a:bodyPr vert="eaVert" anchor="t" anchorCtr="0"/>
           <a:lstStyle/>
           <a:p>
             <a:pPr lvl="0"/>
             <a:r>
               <a:rPr lang="en-US"/>
-              <a:t>Edit Master text styles</a:t>
+              <a:t>Click to edit Master text styles</a:t>
             </a:r>
           </a:p>
           <a:p>
@@ -2953,7 +3039,7 @@
           <a:p>
             <a:fld id="{2E3F47AE-4804-4655-8D11-C2BEE1A314EC}" type="datetimeFigureOut">
               <a:rPr lang="en-GB" smtClean="0"/>
-              <a:t>16/12/2020</a:t>
+              <a:t>18/12/2020</a:t>
             </a:fld>
             <a:endParaRPr lang="en-GB"/>
           </a:p>
@@ -3004,7 +3090,7 @@
     </p:spTree>
     <p:extLst>
       <p:ext uri="{BB962C8B-B14F-4D97-AF65-F5344CB8AC3E}">
-        <p14:creationId xmlns:p14="http://schemas.microsoft.com/office/powerpoint/2010/main" val="518727442"/>
+        <p14:creationId xmlns:p14="http://schemas.microsoft.com/office/powerpoint/2010/main" val="1021871631"/>
       </p:ext>
     </p:extLst>
   </p:cSld>
@@ -3043,46 +3129,46 @@
         </p:nvSpPr>
         <p:spPr>
           <a:xfrm>
-            <a:off x="9732655" y="685800"/>
-            <a:ext cx="1770369" cy="5105400"/>
+            <a:off x="8304212" y="430213"/>
+            <a:ext cx="1752601" cy="5826125"/>
+          </a:xfrm>
+        </p:spPr>
+        <p:txBody>
+          <a:bodyPr vert="eaVert" anchor="b" anchorCtr="0"/>
+          <a:lstStyle/>
+          <a:p>
+            <a:r>
+              <a:rPr lang="en-US"/>
+              <a:t>Click to edit Master title style</a:t>
+            </a:r>
+            <a:endParaRPr lang="en-US" dirty="0"/>
+          </a:p>
+        </p:txBody>
+      </p:sp>
+      <p:sp>
+        <p:nvSpPr>
+          <p:cNvPr id="3" name="Vertical Text Placeholder 2"/>
+          <p:cNvSpPr>
+            <a:spLocks noGrp="1"/>
+          </p:cNvSpPr>
+          <p:nvPr>
+            <p:ph type="body" orient="vert" idx="1"/>
+          </p:nvPr>
+        </p:nvSpPr>
+        <p:spPr>
+          <a:xfrm>
+            <a:off x="652463" y="887414"/>
+            <a:ext cx="7423149" cy="5368924"/>
           </a:xfrm>
         </p:spPr>
         <p:txBody>
           <a:bodyPr vert="eaVert"/>
           <a:lstStyle/>
           <a:p>
-            <a:r>
-              <a:rPr lang="en-US"/>
-              <a:t>Click to edit Master title style</a:t>
-            </a:r>
-            <a:endParaRPr lang="en-US" dirty="0"/>
-          </a:p>
-        </p:txBody>
-      </p:sp>
-      <p:sp>
-        <p:nvSpPr>
-          <p:cNvPr id="3" name="Vertical Text Placeholder 2"/>
-          <p:cNvSpPr>
-            <a:spLocks noGrp="1"/>
-          </p:cNvSpPr>
-          <p:nvPr>
-            <p:ph type="body" orient="vert" idx="1"/>
-          </p:nvPr>
-        </p:nvSpPr>
-        <p:spPr>
-          <a:xfrm>
-            <a:off x="1484312" y="685800"/>
-            <a:ext cx="8019742" cy="5105400"/>
-          </a:xfrm>
-        </p:spPr>
-        <p:txBody>
-          <a:bodyPr vert="eaVert" anchor="t"/>
-          <a:lstStyle/>
-          <a:p>
             <a:pPr lvl="0"/>
             <a:r>
               <a:rPr lang="en-US"/>
-              <a:t>Edit Master text styles</a:t>
+              <a:t>Click to edit Master text styles</a:t>
             </a:r>
           </a:p>
           <a:p>
@@ -3133,7 +3219,7 @@
           <a:p>
             <a:fld id="{2E3F47AE-4804-4655-8D11-C2BEE1A314EC}" type="datetimeFigureOut">
               <a:rPr lang="en-GB" smtClean="0"/>
-              <a:t>16/12/2020</a:t>
+              <a:t>18/12/2020</a:t>
             </a:fld>
             <a:endParaRPr lang="en-GB"/>
           </a:p>
@@ -3184,7 +3270,7 @@
     </p:spTree>
     <p:extLst>
       <p:ext uri="{BB962C8B-B14F-4D97-AF65-F5344CB8AC3E}">
-        <p14:creationId xmlns:p14="http://schemas.microsoft.com/office/powerpoint/2010/main" val="2331616427"/>
+        <p14:creationId xmlns:p14="http://schemas.microsoft.com/office/powerpoint/2010/main" val="1410155117"/>
       </p:ext>
     </p:extLst>
   </p:cSld>
@@ -3246,64 +3332,64 @@
         </p:nvSpPr>
         <p:spPr/>
         <p:txBody>
-          <a:bodyPr anchor="ctr"/>
-          <a:lstStyle/>
-          <a:p>
-            <a:pPr lvl="0"/>
-            <a:r>
-              <a:rPr lang="en-US"/>
-              <a:t>Edit Master text styles</a:t>
-            </a:r>
-          </a:p>
-          <a:p>
-            <a:pPr lvl="1"/>
-            <a:r>
-              <a:rPr lang="en-US"/>
-              <a:t>Second level</a:t>
-            </a:r>
-          </a:p>
-          <a:p>
-            <a:pPr lvl="2"/>
-            <a:r>
-              <a:rPr lang="en-US"/>
-              <a:t>Third level</a:t>
-            </a:r>
-          </a:p>
-          <a:p>
-            <a:pPr lvl="3"/>
-            <a:r>
-              <a:rPr lang="en-US"/>
-              <a:t>Fourth level</a:t>
-            </a:r>
-          </a:p>
-          <a:p>
-            <a:pPr lvl="4"/>
-            <a:r>
-              <a:rPr lang="en-US"/>
-              <a:t>Fifth level</a:t>
-            </a:r>
-            <a:endParaRPr lang="en-US" dirty="0"/>
-          </a:p>
-        </p:txBody>
-      </p:sp>
-      <p:sp>
-        <p:nvSpPr>
-          <p:cNvPr id="4" name="Date Placeholder 3"/>
-          <p:cNvSpPr>
-            <a:spLocks noGrp="1"/>
-          </p:cNvSpPr>
-          <p:nvPr>
-            <p:ph type="dt" sz="half" idx="10"/>
-          </p:nvPr>
-        </p:nvSpPr>
-        <p:spPr/>
-        <p:txBody>
           <a:bodyPr/>
           <a:lstStyle/>
           <a:p>
+            <a:pPr lvl="0"/>
+            <a:r>
+              <a:rPr lang="en-US"/>
+              <a:t>Click to edit Master text styles</a:t>
+            </a:r>
+          </a:p>
+          <a:p>
+            <a:pPr lvl="1"/>
+            <a:r>
+              <a:rPr lang="en-US"/>
+              <a:t>Second level</a:t>
+            </a:r>
+          </a:p>
+          <a:p>
+            <a:pPr lvl="2"/>
+            <a:r>
+              <a:rPr lang="en-US"/>
+              <a:t>Third level</a:t>
+            </a:r>
+          </a:p>
+          <a:p>
+            <a:pPr lvl="3"/>
+            <a:r>
+              <a:rPr lang="en-US"/>
+              <a:t>Fourth level</a:t>
+            </a:r>
+          </a:p>
+          <a:p>
+            <a:pPr lvl="4"/>
+            <a:r>
+              <a:rPr lang="en-US"/>
+              <a:t>Fifth level</a:t>
+            </a:r>
+            <a:endParaRPr lang="en-US" dirty="0"/>
+          </a:p>
+        </p:txBody>
+      </p:sp>
+      <p:sp>
+        <p:nvSpPr>
+          <p:cNvPr id="7" name="Date Placeholder 3"/>
+          <p:cNvSpPr>
+            <a:spLocks noGrp="1"/>
+          </p:cNvSpPr>
+          <p:nvPr>
+            <p:ph type="dt" sz="half" idx="10"/>
+          </p:nvPr>
+        </p:nvSpPr>
+        <p:spPr/>
+        <p:txBody>
+          <a:bodyPr/>
+          <a:lstStyle/>
+          <a:p>
             <a:fld id="{2E3F47AE-4804-4655-8D11-C2BEE1A314EC}" type="datetimeFigureOut">
               <a:rPr lang="en-GB" smtClean="0"/>
-              <a:t>16/12/2020</a:t>
+              <a:t>18/12/2020</a:t>
             </a:fld>
             <a:endParaRPr lang="en-GB"/>
           </a:p>
@@ -3338,12 +3424,7 @@
             <p:ph type="sldNum" sz="quarter" idx="12"/>
           </p:nvPr>
         </p:nvSpPr>
-        <p:spPr>
-          <a:xfrm>
-            <a:off x="10951856" y="5867131"/>
-            <a:ext cx="551167" cy="365125"/>
-          </a:xfrm>
-        </p:spPr>
+        <p:spPr/>
         <p:txBody>
           <a:bodyPr/>
           <a:lstStyle/>
@@ -3359,7 +3440,7 @@
     </p:spTree>
     <p:extLst>
       <p:ext uri="{BB962C8B-B14F-4D97-AF65-F5344CB8AC3E}">
-        <p14:creationId xmlns:p14="http://schemas.microsoft.com/office/powerpoint/2010/main" val="3155174496"/>
+        <p14:creationId xmlns:p14="http://schemas.microsoft.com/office/powerpoint/2010/main" val="3721048115"/>
       </p:ext>
     </p:extLst>
   </p:cSld>
@@ -3398,14 +3479,14 @@
         </p:nvSpPr>
         <p:spPr>
           <a:xfrm>
-            <a:off x="2572279" y="2666999"/>
-            <a:ext cx="8930747" cy="2110382"/>
+            <a:off x="1154956" y="2861733"/>
+            <a:ext cx="8825657" cy="1915647"/>
           </a:xfrm>
         </p:spPr>
         <p:txBody>
           <a:bodyPr anchor="b"/>
           <a:lstStyle>
-            <a:lvl1pPr algn="r">
+            <a:lvl1pPr algn="l">
               <a:defRPr sz="4000" b="0" cap="none"/>
             </a:lvl1pPr>
           </a:lstStyle>
@@ -3430,20 +3511,21 @@
         </p:nvSpPr>
         <p:spPr>
           <a:xfrm>
-            <a:off x="2572278" y="4777381"/>
-            <a:ext cx="8930748" cy="860400"/>
-          </a:xfrm>
-        </p:spPr>
-        <p:txBody>
-          <a:bodyPr anchor="t">
-            <a:normAutofit/>
-          </a:bodyPr>
+            <a:off x="1154955" y="4777381"/>
+            <a:ext cx="8825658" cy="860400"/>
+          </a:xfrm>
+        </p:spPr>
+        <p:txBody>
+          <a:bodyPr anchor="t"/>
           <a:lstStyle>
-            <a:lvl1pPr marL="0" indent="0" algn="r">
-              <a:buNone/>
-              <a:defRPr sz="2000">
+            <a:lvl1pPr marL="0" indent="0" algn="l">
+              <a:buNone/>
+              <a:defRPr sz="2000" cap="all">
                 <a:solidFill>
-                  <a:schemeClr val="tx1"/>
+                  <a:schemeClr val="bg2">
+                    <a:lumMod val="40000"/>
+                    <a:lumOff val="60000"/>
+                  </a:schemeClr>
                 </a:solidFill>
               </a:defRPr>
             </a:lvl1pPr>
@@ -3532,7 +3614,7 @@
             <a:pPr lvl="0"/>
             <a:r>
               <a:rPr lang="en-US"/>
-              <a:t>Edit Master text styles</a:t>
+              <a:t>Click to edit Master text styles</a:t>
             </a:r>
           </a:p>
         </p:txBody>
@@ -3554,7 +3636,7 @@
           <a:p>
             <a:fld id="{2E3F47AE-4804-4655-8D11-C2BEE1A314EC}" type="datetimeFigureOut">
               <a:rPr lang="en-GB" smtClean="0"/>
-              <a:t>16/12/2020</a:t>
+              <a:t>18/12/2020</a:t>
             </a:fld>
             <a:endParaRPr lang="en-GB"/>
           </a:p>
@@ -3605,7 +3687,7 @@
     </p:spTree>
     <p:extLst>
       <p:ext uri="{BB962C8B-B14F-4D97-AF65-F5344CB8AC3E}">
-        <p14:creationId xmlns:p14="http://schemas.microsoft.com/office/powerpoint/2010/main" val="4001411807"/>
+        <p14:creationId xmlns:p14="http://schemas.microsoft.com/office/powerpoint/2010/main" val="1584936750"/>
       </p:ext>
     </p:extLst>
   </p:cSld>
@@ -3642,12 +3724,7 @@
             <p:ph type="title"/>
           </p:nvPr>
         </p:nvSpPr>
-        <p:spPr>
-          <a:xfrm>
-            <a:off x="1484311" y="685800"/>
-            <a:ext cx="10018713" cy="1752599"/>
-          </a:xfrm>
-        </p:spPr>
+        <p:spPr/>
         <p:txBody>
           <a:bodyPr/>
           <a:lstStyle/>
@@ -3672,8 +3749,8 @@
         </p:nvSpPr>
         <p:spPr>
           <a:xfrm>
-            <a:off x="1484312" y="2666999"/>
-            <a:ext cx="4895055" cy="3124201"/>
+            <a:off x="1103312" y="2060575"/>
+            <a:ext cx="4396339" cy="4195763"/>
           </a:xfrm>
         </p:spPr>
         <p:txBody>
@@ -3713,7 +3790,7 @@
             <a:pPr lvl="0"/>
             <a:r>
               <a:rPr lang="en-US"/>
-              <a:t>Edit Master text styles</a:t>
+              <a:t>Click to edit Master text styles</a:t>
             </a:r>
           </a:p>
           <a:p>
@@ -3759,8 +3836,8 @@
         </p:nvSpPr>
         <p:spPr>
           <a:xfrm>
-            <a:off x="6607967" y="2667000"/>
-            <a:ext cx="4895056" cy="3124200"/>
+            <a:off x="5654493" y="2056092"/>
+            <a:ext cx="4396341" cy="4200245"/>
           </a:xfrm>
         </p:spPr>
         <p:txBody>
@@ -3800,7 +3877,7 @@
             <a:pPr lvl="0"/>
             <a:r>
               <a:rPr lang="en-US"/>
-              <a:t>Edit Master text styles</a:t>
+              <a:t>Click to edit Master text styles</a:t>
             </a:r>
           </a:p>
           <a:p>
@@ -3851,7 +3928,7 @@
           <a:p>
             <a:fld id="{2E3F47AE-4804-4655-8D11-C2BEE1A314EC}" type="datetimeFigureOut">
               <a:rPr lang="en-GB" smtClean="0"/>
-              <a:t>16/12/2020</a:t>
+              <a:t>18/12/2020</a:t>
             </a:fld>
             <a:endParaRPr lang="en-GB"/>
           </a:p>
@@ -3902,7 +3979,7 @@
     </p:spTree>
     <p:extLst>
       <p:ext uri="{BB962C8B-B14F-4D97-AF65-F5344CB8AC3E}">
-        <p14:creationId xmlns:p14="http://schemas.microsoft.com/office/powerpoint/2010/main" val="1153422569"/>
+        <p14:creationId xmlns:p14="http://schemas.microsoft.com/office/powerpoint/2010/main" val="2157143104"/>
       </p:ext>
     </p:extLst>
   </p:cSld>
@@ -3968,8 +4045,8 @@
         </p:nvSpPr>
         <p:spPr>
           <a:xfrm>
-            <a:off x="1772179" y="2658533"/>
-            <a:ext cx="4607188" cy="576262"/>
+            <a:off x="1103313" y="1905000"/>
+            <a:ext cx="4396338" cy="576262"/>
           </a:xfrm>
         </p:spPr>
         <p:txBody>
@@ -3979,10 +4056,11 @@
           <a:lstStyle>
             <a:lvl1pPr marL="0" indent="0">
               <a:buNone/>
-              <a:defRPr sz="2800" b="0">
+              <a:defRPr sz="2400" b="0">
                 <a:solidFill>
-                  <a:schemeClr val="accent1">
-                    <a:lumMod val="75000"/>
+                  <a:schemeClr val="bg2">
+                    <a:lumMod val="40000"/>
+                    <a:lumOff val="60000"/>
                   </a:schemeClr>
                 </a:solidFill>
               </a:defRPr>
@@ -4024,7 +4102,7 @@
             <a:pPr lvl="0"/>
             <a:r>
               <a:rPr lang="en-US"/>
-              <a:t>Edit Master text styles</a:t>
+              <a:t>Click to edit Master text styles</a:t>
             </a:r>
           </a:p>
         </p:txBody>
@@ -4041,12 +4119,12 @@
         </p:nvSpPr>
         <p:spPr>
           <a:xfrm>
-            <a:off x="1484311" y="3335337"/>
-            <a:ext cx="4895056" cy="2455862"/>
-          </a:xfrm>
-        </p:spPr>
-        <p:txBody>
-          <a:bodyPr anchor="t">
+            <a:off x="1103312" y="2514600"/>
+            <a:ext cx="4396339" cy="3741738"/>
+          </a:xfrm>
+        </p:spPr>
+        <p:txBody>
+          <a:bodyPr>
             <a:normAutofit/>
           </a:bodyPr>
           <a:lstStyle>
@@ -4082,7 +4160,7 @@
             <a:pPr lvl="0"/>
             <a:r>
               <a:rPr lang="en-US"/>
-              <a:t>Edit Master text styles</a:t>
+              <a:t>Click to edit Master text styles</a:t>
             </a:r>
           </a:p>
           <a:p>
@@ -4128,8 +4206,8 @@
         </p:nvSpPr>
         <p:spPr>
           <a:xfrm>
-            <a:off x="6880487" y="2667000"/>
-            <a:ext cx="4622537" cy="576262"/>
+            <a:off x="5654495" y="1905000"/>
+            <a:ext cx="4396339" cy="576262"/>
           </a:xfrm>
         </p:spPr>
         <p:txBody>
@@ -4139,10 +4217,11 @@
           <a:lstStyle>
             <a:lvl1pPr marL="0" indent="0">
               <a:buNone/>
-              <a:defRPr sz="2800" b="0">
+              <a:defRPr sz="2400" b="0">
                 <a:solidFill>
-                  <a:schemeClr val="accent1">
-                    <a:lumMod val="75000"/>
+                  <a:schemeClr val="bg2">
+                    <a:lumMod val="40000"/>
+                    <a:lumOff val="60000"/>
                   </a:schemeClr>
                 </a:solidFill>
               </a:defRPr>
@@ -4184,7 +4263,7 @@
             <a:pPr lvl="0"/>
             <a:r>
               <a:rPr lang="en-US"/>
-              <a:t>Edit Master text styles</a:t>
+              <a:t>Click to edit Master text styles</a:t>
             </a:r>
           </a:p>
         </p:txBody>
@@ -4201,12 +4280,12 @@
         </p:nvSpPr>
         <p:spPr>
           <a:xfrm>
-            <a:off x="6607967" y="3335337"/>
-            <a:ext cx="4895056" cy="2455862"/>
-          </a:xfrm>
-        </p:spPr>
-        <p:txBody>
-          <a:bodyPr anchor="t">
+            <a:off x="5654495" y="2514600"/>
+            <a:ext cx="4396339" cy="3741738"/>
+          </a:xfrm>
+        </p:spPr>
+        <p:txBody>
+          <a:bodyPr>
             <a:normAutofit/>
           </a:bodyPr>
           <a:lstStyle>
@@ -4242,7 +4321,7 @@
             <a:pPr lvl="0"/>
             <a:r>
               <a:rPr lang="en-US"/>
-              <a:t>Edit Master text styles</a:t>
+              <a:t>Click to edit Master text styles</a:t>
             </a:r>
           </a:p>
           <a:p>
@@ -4293,7 +4372,7 @@
           <a:p>
             <a:fld id="{2E3F47AE-4804-4655-8D11-C2BEE1A314EC}" type="datetimeFigureOut">
               <a:rPr lang="en-GB" smtClean="0"/>
-              <a:t>16/12/2020</a:t>
+              <a:t>18/12/2020</a:t>
             </a:fld>
             <a:endParaRPr lang="en-GB"/>
           </a:p>
@@ -4344,7 +4423,7 @@
     </p:spTree>
     <p:extLst>
       <p:ext uri="{BB962C8B-B14F-4D97-AF65-F5344CB8AC3E}">
-        <p14:creationId xmlns:p14="http://schemas.microsoft.com/office/powerpoint/2010/main" val="1370561987"/>
+        <p14:creationId xmlns:p14="http://schemas.microsoft.com/office/powerpoint/2010/main" val="2198517389"/>
       </p:ext>
     </p:extLst>
   </p:cSld>
@@ -4396,7 +4475,7 @@
       </p:sp>
       <p:sp>
         <p:nvSpPr>
-          <p:cNvPr id="3" name="Date Placeholder 2"/>
+          <p:cNvPr id="7" name="Date Placeholder 2"/>
           <p:cNvSpPr>
             <a:spLocks noGrp="1"/>
           </p:cNvSpPr>
@@ -4411,7 +4490,7 @@
           <a:p>
             <a:fld id="{2E3F47AE-4804-4655-8D11-C2BEE1A314EC}" type="datetimeFigureOut">
               <a:rPr lang="en-GB" smtClean="0"/>
-              <a:t>16/12/2020</a:t>
+              <a:t>18/12/2020</a:t>
             </a:fld>
             <a:endParaRPr lang="en-GB"/>
           </a:p>
@@ -4419,7 +4498,7 @@
       </p:sp>
       <p:sp>
         <p:nvSpPr>
-          <p:cNvPr id="4" name="Footer Placeholder 3"/>
+          <p:cNvPr id="5" name="Footer Placeholder 3"/>
           <p:cNvSpPr>
             <a:spLocks noGrp="1"/>
           </p:cNvSpPr>
@@ -4438,7 +4517,7 @@
       </p:sp>
       <p:sp>
         <p:nvSpPr>
-          <p:cNvPr id="5" name="Slide Number Placeholder 4"/>
+          <p:cNvPr id="6" name="Slide Number Placeholder 4"/>
           <p:cNvSpPr>
             <a:spLocks noGrp="1"/>
           </p:cNvSpPr>
@@ -4462,7 +4541,7 @@
     </p:spTree>
     <p:extLst>
       <p:ext uri="{BB962C8B-B14F-4D97-AF65-F5344CB8AC3E}">
-        <p14:creationId xmlns:p14="http://schemas.microsoft.com/office/powerpoint/2010/main" val="3980401124"/>
+        <p14:creationId xmlns:p14="http://schemas.microsoft.com/office/powerpoint/2010/main" val="3476155975"/>
       </p:ext>
     </p:extLst>
   </p:cSld>
@@ -4491,7 +4570,7 @@
       </p:grpSpPr>
       <p:sp>
         <p:nvSpPr>
-          <p:cNvPr id="2" name="Date Placeholder 1"/>
+          <p:cNvPr id="7" name="Date Placeholder 1"/>
           <p:cNvSpPr>
             <a:spLocks noGrp="1"/>
           </p:cNvSpPr>
@@ -4506,7 +4585,7 @@
           <a:p>
             <a:fld id="{2E3F47AE-4804-4655-8D11-C2BEE1A314EC}" type="datetimeFigureOut">
               <a:rPr lang="en-GB" smtClean="0"/>
-              <a:t>16/12/2020</a:t>
+              <a:t>18/12/2020</a:t>
             </a:fld>
             <a:endParaRPr lang="en-GB"/>
           </a:p>
@@ -4514,7 +4593,7 @@
       </p:sp>
       <p:sp>
         <p:nvSpPr>
-          <p:cNvPr id="3" name="Footer Placeholder 2"/>
+          <p:cNvPr id="5" name="Footer Placeholder 2"/>
           <p:cNvSpPr>
             <a:spLocks noGrp="1"/>
           </p:cNvSpPr>
@@ -4533,7 +4612,7 @@
       </p:sp>
       <p:sp>
         <p:nvSpPr>
-          <p:cNvPr id="4" name="Slide Number Placeholder 3"/>
+          <p:cNvPr id="6" name="Slide Number Placeholder 3"/>
           <p:cNvSpPr>
             <a:spLocks noGrp="1"/>
           </p:cNvSpPr>
@@ -4557,7 +4636,7 @@
     </p:spTree>
     <p:extLst>
       <p:ext uri="{BB962C8B-B14F-4D97-AF65-F5344CB8AC3E}">
-        <p14:creationId xmlns:p14="http://schemas.microsoft.com/office/powerpoint/2010/main" val="1508782964"/>
+        <p14:creationId xmlns:p14="http://schemas.microsoft.com/office/powerpoint/2010/main" val="2740656932"/>
       </p:ext>
     </p:extLst>
   </p:cSld>
@@ -4596,16 +4675,14 @@
         </p:nvSpPr>
         <p:spPr>
           <a:xfrm>
-            <a:off x="1484312" y="1600200"/>
-            <a:ext cx="3549121" cy="1371600"/>
-          </a:xfrm>
-        </p:spPr>
-        <p:txBody>
-          <a:bodyPr anchor="b">
-            <a:normAutofit/>
-          </a:bodyPr>
+            <a:off x="1154953" y="1447800"/>
+            <a:ext cx="3401064" cy="1447800"/>
+          </a:xfrm>
+        </p:spPr>
+        <p:txBody>
+          <a:bodyPr anchor="b"/>
           <a:lstStyle>
-            <a:lvl1pPr algn="ctr">
+            <a:lvl1pPr algn="l">
               <a:defRPr sz="2400" b="0"/>
             </a:lvl1pPr>
           </a:lstStyle>
@@ -4630,8 +4707,8 @@
         </p:nvSpPr>
         <p:spPr>
           <a:xfrm>
-            <a:off x="5262033" y="685799"/>
-            <a:ext cx="6240990" cy="5105401"/>
+            <a:off x="4784616" y="1447800"/>
+            <a:ext cx="5195997" cy="4572000"/>
           </a:xfrm>
         </p:spPr>
         <p:txBody>
@@ -4671,7 +4748,7 @@
             <a:pPr lvl="0"/>
             <a:r>
               <a:rPr lang="en-US"/>
-              <a:t>Edit Master text styles</a:t>
+              <a:t>Click to edit Master text styles</a:t>
             </a:r>
           </a:p>
           <a:p>
@@ -4717,18 +4794,16 @@
         </p:nvSpPr>
         <p:spPr>
           <a:xfrm>
-            <a:off x="1484312" y="2971800"/>
-            <a:ext cx="3549121" cy="1828800"/>
-          </a:xfrm>
-        </p:spPr>
-        <p:txBody>
-          <a:bodyPr>
-            <a:normAutofit/>
-          </a:bodyPr>
+            <a:off x="1154953" y="3129280"/>
+            <a:ext cx="3401063" cy="2895599"/>
+          </a:xfrm>
+        </p:spPr>
+        <p:txBody>
+          <a:bodyPr/>
           <a:lstStyle>
-            <a:lvl1pPr marL="0" indent="0" algn="ctr">
-              <a:buNone/>
-              <a:defRPr sz="1600"/>
+            <a:lvl1pPr marL="0" indent="0">
+              <a:buNone/>
+              <a:defRPr sz="1400"/>
             </a:lvl1pPr>
             <a:lvl2pPr marL="457200" indent="0">
               <a:buNone/>
@@ -4767,14 +4842,14 @@
             <a:pPr lvl="0"/>
             <a:r>
               <a:rPr lang="en-US"/>
-              <a:t>Edit Master text styles</a:t>
-            </a:r>
-          </a:p>
-        </p:txBody>
-      </p:sp>
-      <p:sp>
-        <p:nvSpPr>
-          <p:cNvPr id="5" name="Date Placeholder 4"/>
+              <a:t>Click to edit Master text styles</a:t>
+            </a:r>
+          </a:p>
+        </p:txBody>
+      </p:sp>
+      <p:sp>
+        <p:nvSpPr>
+          <p:cNvPr id="7" name="Date Placeholder 4"/>
           <p:cNvSpPr>
             <a:spLocks noGrp="1"/>
           </p:cNvSpPr>
@@ -4789,7 +4864,7 @@
           <a:p>
             <a:fld id="{2E3F47AE-4804-4655-8D11-C2BEE1A314EC}" type="datetimeFigureOut">
               <a:rPr lang="en-GB" smtClean="0"/>
-              <a:t>16/12/2020</a:t>
+              <a:t>18/12/2020</a:t>
             </a:fld>
             <a:endParaRPr lang="en-GB"/>
           </a:p>
@@ -4797,7 +4872,7 @@
       </p:sp>
       <p:sp>
         <p:nvSpPr>
-          <p:cNvPr id="6" name="Footer Placeholder 5"/>
+          <p:cNvPr id="5" name="Footer Placeholder 5"/>
           <p:cNvSpPr>
             <a:spLocks noGrp="1"/>
           </p:cNvSpPr>
@@ -4816,7 +4891,7 @@
       </p:sp>
       <p:sp>
         <p:nvSpPr>
-          <p:cNvPr id="7" name="Slide Number Placeholder 6"/>
+          <p:cNvPr id="6" name="Slide Number Placeholder 6"/>
           <p:cNvSpPr>
             <a:spLocks noGrp="1"/>
           </p:cNvSpPr>
@@ -4840,7 +4915,7 @@
     </p:spTree>
     <p:extLst>
       <p:ext uri="{BB962C8B-B14F-4D97-AF65-F5344CB8AC3E}">
-        <p14:creationId xmlns:p14="http://schemas.microsoft.com/office/powerpoint/2010/main" val="2048649206"/>
+        <p14:creationId xmlns:p14="http://schemas.microsoft.com/office/powerpoint/2010/main" val="1480804396"/>
       </p:ext>
     </p:extLst>
   </p:cSld>
@@ -4879,8 +4954,8 @@
         </p:nvSpPr>
         <p:spPr>
           <a:xfrm>
-            <a:off x="1482724" y="1752599"/>
-            <a:ext cx="5426158" cy="1371600"/>
+            <a:off x="1153907" y="1854192"/>
+            <a:ext cx="5092906" cy="1574808"/>
           </a:xfrm>
         </p:spPr>
         <p:txBody>
@@ -4888,8 +4963,8 @@
             <a:normAutofit/>
           </a:bodyPr>
           <a:lstStyle>
-            <a:lvl1pPr algn="ctr">
-              <a:defRPr sz="2800" b="0"/>
+            <a:lvl1pPr algn="l">
+              <a:defRPr sz="3600" b="0"/>
             </a:lvl1pPr>
           </a:lstStyle>
           <a:p>
@@ -4903,7 +4978,7 @@
       </p:sp>
       <p:sp>
         <p:nvSpPr>
-          <p:cNvPr id="14" name="Picture Placeholder 2"/>
+          <p:cNvPr id="3" name="Picture Placeholder 2"/>
           <p:cNvSpPr>
             <a:spLocks noGrp="1" noChangeAspect="1"/>
           </p:cNvSpPr>
@@ -4913,36 +4988,20 @@
         </p:nvSpPr>
         <p:spPr>
           <a:xfrm>
-            <a:off x="7594682" y="914400"/>
-            <a:ext cx="3280974" cy="4572000"/>
+            <a:off x="6949546" y="1143000"/>
+            <a:ext cx="3200400" cy="4572000"/>
           </a:xfrm>
           <a:prstGeom prst="roundRect">
             <a:avLst>
-              <a:gd name="adj" fmla="val 4280"/>
+              <a:gd name="adj" fmla="val 1858"/>
             </a:avLst>
           </a:prstGeom>
-          <a:ln w="38100">
-            <a:gradFill flip="none" rotWithShape="1">
-              <a:gsLst>
-                <a:gs pos="0">
-                  <a:schemeClr val="bg2"/>
-                </a:gs>
-                <a:gs pos="100000">
-                  <a:schemeClr val="bg2">
-                    <a:lumMod val="75000"/>
-                  </a:schemeClr>
-                </a:gs>
-              </a:gsLst>
-              <a:lin ang="5400000" scaled="0"/>
-              <a:tileRect/>
-            </a:gradFill>
-          </a:ln>
           <a:effectLst>
-            <a:innerShdw blurRad="57150" dist="38100" dir="14460000">
+            <a:outerShdw blurRad="50800" dist="50800" dir="5400000" algn="tl" rotWithShape="0">
               <a:srgbClr val="000000">
-                <a:alpha val="70000"/>
+                <a:alpha val="43000"/>
               </a:srgbClr>
-            </a:innerShdw>
+            </a:outerShdw>
           </a:effectLst>
         </p:spPr>
         <p:txBody>
@@ -5008,8 +5067,8 @@
         </p:nvSpPr>
         <p:spPr>
           <a:xfrm>
-            <a:off x="1482724" y="3124199"/>
-            <a:ext cx="5426158" cy="1828800"/>
+            <a:off x="1154954" y="3657600"/>
+            <a:ext cx="5084979" cy="1371600"/>
           </a:xfrm>
         </p:spPr>
         <p:txBody>
@@ -5017,9 +5076,9 @@
             <a:normAutofit/>
           </a:bodyPr>
           <a:lstStyle>
-            <a:lvl1pPr marL="0" indent="0" algn="ctr">
-              <a:buNone/>
-              <a:defRPr sz="1800"/>
+            <a:lvl1pPr marL="0" indent="0">
+              <a:buNone/>
+              <a:defRPr sz="1400"/>
             </a:lvl1pPr>
             <a:lvl2pPr marL="457200" indent="0">
               <a:buNone/>
@@ -5058,7 +5117,7 @@
             <a:pPr lvl="0"/>
             <a:r>
               <a:rPr lang="en-US"/>
-              <a:t>Edit Master text styles</a:t>
+              <a:t>Click to edit Master text styles</a:t>
             </a:r>
           </a:p>
         </p:txBody>
@@ -5080,7 +5139,7 @@
           <a:p>
             <a:fld id="{2E3F47AE-4804-4655-8D11-C2BEE1A314EC}" type="datetimeFigureOut">
               <a:rPr lang="en-GB" smtClean="0"/>
-              <a:t>16/12/2020</a:t>
+              <a:t>18/12/2020</a:t>
             </a:fld>
             <a:endParaRPr lang="en-GB"/>
           </a:p>
@@ -5131,7 +5190,7 @@
     </p:spTree>
     <p:extLst>
       <p:ext uri="{BB962C8B-B14F-4D97-AF65-F5344CB8AC3E}">
-        <p14:creationId xmlns:p14="http://schemas.microsoft.com/office/powerpoint/2010/main" val="354354222"/>
+        <p14:creationId xmlns:p14="http://schemas.microsoft.com/office/powerpoint/2010/main" val="3743854579"/>
       </p:ext>
     </p:extLst>
   </p:cSld>
@@ -5163,351 +5222,311 @@
           <a:chExt cx="0" cy="0"/>
         </a:xfrm>
       </p:grpSpPr>
-      <p:grpSp>
-        <p:nvGrpSpPr>
-          <p:cNvPr id="7" name="Group 6"/>
-          <p:cNvGrpSpPr/>
+      <p:pic>
+        <p:nvPicPr>
+          <p:cNvPr id="8" name="Picture 7"/>
+          <p:cNvPicPr>
+            <a:picLocks noChangeAspect="1"/>
+          </p:cNvPicPr>
           <p:nvPr/>
-        </p:nvGrpSpPr>
-        <p:grpSpPr>
+        </p:nvPicPr>
+        <p:blipFill rotWithShape="1">
+          <a:blip r:embed="rId19">
+            <a:extLst>
+              <a:ext uri="{28A0092B-C50C-407E-A947-70E740481C1C}">
+                <a14:useLocalDpi xmlns:a14="http://schemas.microsoft.com/office/drawing/2010/main" val="0"/>
+              </a:ext>
+            </a:extLst>
+          </a:blip>
+          <a:srcRect l="3613"/>
+          <a:stretch/>
+        </p:blipFill>
+        <p:spPr>
           <a:xfrm>
-            <a:off x="150812" y="0"/>
-            <a:ext cx="2436813" cy="6858001"/>
-            <a:chOff x="1320800" y="0"/>
-            <a:chExt cx="2436813" cy="6858001"/>
-          </a:xfrm>
-        </p:grpSpPr>
-        <p:sp>
-          <p:nvSpPr>
-            <p:cNvPr id="8" name="Freeform 6"/>
-            <p:cNvSpPr/>
-            <p:nvPr/>
-          </p:nvSpPr>
-          <p:spPr bwMode="auto">
-            <a:xfrm>
-              <a:off x="1627188" y="0"/>
-              <a:ext cx="1122363" cy="5329238"/>
-            </a:xfrm>
-            <a:custGeom>
-              <a:avLst/>
-              <a:gdLst/>
-              <a:ahLst/>
-              <a:cxnLst/>
-              <a:rect l="0" t="0" r="r" b="b"/>
-              <a:pathLst>
-                <a:path w="707" h="3357">
-                  <a:moveTo>
-                    <a:pt x="0" y="3330"/>
-                  </a:moveTo>
-                  <a:lnTo>
-                    <a:pt x="156" y="3357"/>
-                  </a:lnTo>
-                  <a:lnTo>
-                    <a:pt x="707" y="0"/>
-                  </a:lnTo>
-                  <a:lnTo>
-                    <a:pt x="547" y="0"/>
-                  </a:lnTo>
-                  <a:lnTo>
-                    <a:pt x="0" y="3330"/>
-                  </a:lnTo>
-                  <a:close/>
-                </a:path>
-              </a:pathLst>
-            </a:custGeom>
-            <a:solidFill>
-              <a:schemeClr val="accent1"/>
-            </a:solidFill>
-            <a:ln>
-              <a:noFill/>
-            </a:ln>
-          </p:spPr>
-        </p:sp>
-        <p:sp>
-          <p:nvSpPr>
-            <p:cNvPr id="9" name="Freeform 7"/>
-            <p:cNvSpPr/>
-            <p:nvPr/>
-          </p:nvSpPr>
-          <p:spPr bwMode="auto">
-            <a:xfrm>
-              <a:off x="1320800" y="0"/>
-              <a:ext cx="1117600" cy="5276850"/>
-            </a:xfrm>
-            <a:custGeom>
-              <a:avLst/>
-              <a:gdLst/>
-              <a:ahLst/>
-              <a:cxnLst/>
-              <a:rect l="0" t="0" r="r" b="b"/>
-              <a:pathLst>
-                <a:path w="704" h="3324">
-                  <a:moveTo>
-                    <a:pt x="704" y="0"/>
-                  </a:moveTo>
-                  <a:lnTo>
-                    <a:pt x="545" y="0"/>
-                  </a:lnTo>
-                  <a:lnTo>
-                    <a:pt x="0" y="3300"/>
-                  </a:lnTo>
-                  <a:lnTo>
-                    <a:pt x="157" y="3324"/>
-                  </a:lnTo>
-                  <a:lnTo>
-                    <a:pt x="704" y="0"/>
-                  </a:lnTo>
-                  <a:close/>
-                </a:path>
-              </a:pathLst>
-            </a:custGeom>
-            <a:solidFill>
-              <a:schemeClr val="tx1">
-                <a:lumMod val="65000"/>
-                <a:lumOff val="35000"/>
-              </a:schemeClr>
-            </a:solidFill>
-            <a:ln>
-              <a:noFill/>
-            </a:ln>
-          </p:spPr>
-        </p:sp>
-        <p:sp>
-          <p:nvSpPr>
-            <p:cNvPr id="10" name="Freeform 8"/>
-            <p:cNvSpPr/>
-            <p:nvPr/>
-          </p:nvSpPr>
-          <p:spPr bwMode="auto">
-            <a:xfrm>
-              <a:off x="1320800" y="5238750"/>
-              <a:ext cx="1228725" cy="1619250"/>
-            </a:xfrm>
-            <a:custGeom>
-              <a:avLst/>
-              <a:gdLst/>
-              <a:ahLst/>
-              <a:cxnLst/>
-              <a:rect l="0" t="0" r="r" b="b"/>
-              <a:pathLst>
-                <a:path w="774" h="1020">
-                  <a:moveTo>
-                    <a:pt x="0" y="0"/>
-                  </a:moveTo>
-                  <a:lnTo>
-                    <a:pt x="740" y="1020"/>
-                  </a:lnTo>
-                  <a:lnTo>
-                    <a:pt x="774" y="1020"/>
-                  </a:lnTo>
-                  <a:lnTo>
-                    <a:pt x="0" y="0"/>
-                  </a:lnTo>
-                  <a:close/>
-                </a:path>
-              </a:pathLst>
-            </a:custGeom>
-            <a:solidFill>
-              <a:schemeClr val="tx1">
-                <a:lumMod val="85000"/>
-                <a:lumOff val="15000"/>
-              </a:schemeClr>
-            </a:solidFill>
-            <a:ln>
-              <a:noFill/>
-            </a:ln>
-          </p:spPr>
-        </p:sp>
-        <p:sp>
-          <p:nvSpPr>
-            <p:cNvPr id="11" name="Freeform 9"/>
-            <p:cNvSpPr/>
-            <p:nvPr/>
-          </p:nvSpPr>
-          <p:spPr bwMode="auto">
-            <a:xfrm>
-              <a:off x="1627188" y="5291138"/>
-              <a:ext cx="1495425" cy="1566863"/>
-            </a:xfrm>
-            <a:custGeom>
-              <a:avLst/>
-              <a:gdLst/>
-              <a:ahLst/>
-              <a:cxnLst/>
-              <a:rect l="0" t="0" r="r" b="b"/>
-              <a:pathLst>
-                <a:path w="942" h="987">
-                  <a:moveTo>
-                    <a:pt x="0" y="0"/>
-                  </a:moveTo>
-                  <a:lnTo>
-                    <a:pt x="909" y="987"/>
-                  </a:lnTo>
-                  <a:lnTo>
-                    <a:pt x="942" y="987"/>
-                  </a:lnTo>
-                  <a:lnTo>
-                    <a:pt x="0" y="0"/>
-                  </a:lnTo>
-                  <a:close/>
-                </a:path>
-              </a:pathLst>
-            </a:custGeom>
-            <a:solidFill>
-              <a:schemeClr val="accent1">
-                <a:lumMod val="50000"/>
-              </a:schemeClr>
-            </a:solidFill>
-            <a:ln>
-              <a:noFill/>
-            </a:ln>
-          </p:spPr>
-        </p:sp>
-        <p:sp>
-          <p:nvSpPr>
-            <p:cNvPr id="12" name="Freeform 10"/>
-            <p:cNvSpPr/>
-            <p:nvPr/>
-          </p:nvSpPr>
-          <p:spPr bwMode="auto">
-            <a:xfrm>
-              <a:off x="1627188" y="5286375"/>
-              <a:ext cx="2130425" cy="1571625"/>
-            </a:xfrm>
-            <a:custGeom>
-              <a:avLst/>
-              <a:gdLst/>
-              <a:ahLst/>
-              <a:cxnLst/>
-              <a:rect l="0" t="0" r="r" b="b"/>
-              <a:pathLst>
-                <a:path w="1342" h="990">
-                  <a:moveTo>
-                    <a:pt x="0" y="3"/>
-                  </a:moveTo>
-                  <a:lnTo>
-                    <a:pt x="942" y="990"/>
-                  </a:lnTo>
-                  <a:lnTo>
-                    <a:pt x="1342" y="990"/>
-                  </a:lnTo>
-                  <a:lnTo>
-                    <a:pt x="156" y="27"/>
-                  </a:lnTo>
-                  <a:lnTo>
-                    <a:pt x="0" y="0"/>
-                  </a:lnTo>
-                  <a:lnTo>
-                    <a:pt x="0" y="3"/>
-                  </a:lnTo>
-                  <a:close/>
-                </a:path>
-              </a:pathLst>
-            </a:custGeom>
-            <a:solidFill>
-              <a:schemeClr val="accent1">
-                <a:lumMod val="75000"/>
-              </a:schemeClr>
-            </a:solidFill>
-            <a:ln>
-              <a:noFill/>
-            </a:ln>
-          </p:spPr>
-        </p:sp>
-        <p:sp>
-          <p:nvSpPr>
-            <p:cNvPr id="13" name="Freeform 11"/>
-            <p:cNvSpPr/>
-            <p:nvPr/>
-          </p:nvSpPr>
-          <p:spPr bwMode="auto">
-            <a:xfrm>
-              <a:off x="1320800" y="5238750"/>
-              <a:ext cx="1695450" cy="1619250"/>
-            </a:xfrm>
-            <a:custGeom>
-              <a:avLst/>
-              <a:gdLst/>
-              <a:ahLst/>
-              <a:cxnLst/>
-              <a:rect l="0" t="0" r="r" b="b"/>
-              <a:pathLst>
-                <a:path w="1068" h="1020">
-                  <a:moveTo>
-                    <a:pt x="1068" y="1020"/>
-                  </a:moveTo>
-                  <a:lnTo>
-                    <a:pt x="184" y="60"/>
-                  </a:lnTo>
-                  <a:lnTo>
-                    <a:pt x="154" y="27"/>
-                  </a:lnTo>
-                  <a:lnTo>
-                    <a:pt x="157" y="27"/>
-                  </a:lnTo>
-                  <a:lnTo>
-                    <a:pt x="157" y="24"/>
-                  </a:lnTo>
-                  <a:lnTo>
-                    <a:pt x="154" y="24"/>
-                  </a:lnTo>
-                  <a:lnTo>
-                    <a:pt x="0" y="0"/>
-                  </a:lnTo>
-                  <a:lnTo>
-                    <a:pt x="0" y="0"/>
-                  </a:lnTo>
-                  <a:lnTo>
-                    <a:pt x="774" y="1020"/>
-                  </a:lnTo>
-                  <a:lnTo>
-                    <a:pt x="1068" y="1020"/>
-                  </a:lnTo>
-                  <a:close/>
-                </a:path>
-              </a:pathLst>
-            </a:custGeom>
-            <a:solidFill>
-              <a:schemeClr val="tx1">
-                <a:lumMod val="75000"/>
-                <a:lumOff val="25000"/>
-              </a:schemeClr>
-            </a:solidFill>
-            <a:ln>
-              <a:noFill/>
-            </a:ln>
-          </p:spPr>
-        </p:sp>
-      </p:grpSp>
-      <p:sp>
-        <p:nvSpPr>
-          <p:cNvPr id="2" name="Title Placeholder 1"/>
-          <p:cNvSpPr>
-            <a:spLocks noGrp="1"/>
-          </p:cNvSpPr>
-          <p:nvPr>
-            <p:ph type="title"/>
-          </p:nvPr>
-        </p:nvSpPr>
-        <p:spPr>
-          <a:xfrm>
-            <a:off x="1484311" y="685800"/>
-            <a:ext cx="10018713" cy="1752599"/>
+            <a:off x="0" y="2669685"/>
+            <a:ext cx="4037012" cy="4188315"/>
           </a:xfrm>
           <a:prstGeom prst="rect">
             <a:avLst/>
           </a:prstGeom>
+        </p:spPr>
+      </p:pic>
+      <p:pic>
+        <p:nvPicPr>
+          <p:cNvPr id="7" name="Picture 6"/>
+          <p:cNvPicPr>
+            <a:picLocks noChangeAspect="1"/>
+          </p:cNvPicPr>
+          <p:nvPr/>
+        </p:nvPicPr>
+        <p:blipFill rotWithShape="1">
+          <a:blip r:embed="rId20">
+            <a:extLst>
+              <a:ext uri="{28A0092B-C50C-407E-A947-70E740481C1C}">
+                <a14:useLocalDpi xmlns:a14="http://schemas.microsoft.com/office/drawing/2010/main" val="0"/>
+              </a:ext>
+            </a:extLst>
+          </a:blip>
+          <a:srcRect l="35640"/>
+          <a:stretch/>
+        </p:blipFill>
+        <p:spPr>
+          <a:xfrm>
+            <a:off x="0" y="2892347"/>
+            <a:ext cx="1522412" cy="2365453"/>
+          </a:xfrm>
+          <a:prstGeom prst="rect">
+            <a:avLst/>
+          </a:prstGeom>
+        </p:spPr>
+      </p:pic>
+      <p:sp>
+        <p:nvSpPr>
+          <p:cNvPr id="16" name="Oval 15"/>
+          <p:cNvSpPr/>
+          <p:nvPr/>
+        </p:nvSpPr>
+        <p:spPr>
+          <a:xfrm>
+            <a:off x="8609012" y="1676400"/>
+            <a:ext cx="2819400" cy="2819400"/>
+          </a:xfrm>
+          <a:prstGeom prst="ellipse">
+            <a:avLst/>
+          </a:prstGeom>
+          <a:gradFill flip="none" rotWithShape="1">
+            <a:gsLst>
+              <a:gs pos="0">
+                <a:schemeClr val="bg2">
+                  <a:lumMod val="60000"/>
+                  <a:lumOff val="40000"/>
+                  <a:alpha val="7000"/>
+                </a:schemeClr>
+              </a:gs>
+              <a:gs pos="69000">
+                <a:schemeClr val="bg2">
+                  <a:lumMod val="60000"/>
+                  <a:lumOff val="40000"/>
+                  <a:alpha val="0"/>
+                </a:schemeClr>
+              </a:gs>
+              <a:gs pos="36000">
+                <a:schemeClr val="bg2">
+                  <a:lumMod val="60000"/>
+                  <a:lumOff val="40000"/>
+                  <a:alpha val="6000"/>
+                </a:schemeClr>
+              </a:gs>
+            </a:gsLst>
+            <a:path path="circle">
+              <a:fillToRect l="50000" t="50000" r="50000" b="50000"/>
+            </a:path>
+            <a:tileRect/>
+          </a:gradFill>
+          <a:ln>
+            <a:noFill/>
+          </a:ln>
           <a:effectLst/>
         </p:spPr>
-        <p:txBody>
-          <a:bodyPr vert="horz" lIns="91440" tIns="45720" rIns="91440" bIns="45720" rtlCol="0" anchor="ctr">
+        <p:style>
+          <a:lnRef idx="1">
+            <a:schemeClr val="accent1"/>
+          </a:lnRef>
+          <a:fillRef idx="3">
+            <a:schemeClr val="accent1"/>
+          </a:fillRef>
+          <a:effectRef idx="2">
+            <a:schemeClr val="accent1"/>
+          </a:effectRef>
+          <a:fontRef idx="minor">
+            <a:schemeClr val="lt1"/>
+          </a:fontRef>
+        </p:style>
+      </p:sp>
+      <p:pic>
+        <p:nvPicPr>
+          <p:cNvPr id="9" name="Picture 8"/>
+          <p:cNvPicPr>
+            <a:picLocks noChangeAspect="1"/>
+          </p:cNvPicPr>
+          <p:nvPr/>
+        </p:nvPicPr>
+        <p:blipFill rotWithShape="1">
+          <a:blip r:embed="rId21">
+            <a:extLst>
+              <a:ext uri="{28A0092B-C50C-407E-A947-70E740481C1C}">
+                <a14:useLocalDpi xmlns:a14="http://schemas.microsoft.com/office/drawing/2010/main" val="0"/>
+              </a:ext>
+            </a:extLst>
+          </a:blip>
+          <a:srcRect t="28813"/>
+          <a:stretch/>
+        </p:blipFill>
+        <p:spPr>
+          <a:xfrm>
+            <a:off x="7999412" y="0"/>
+            <a:ext cx="1603387" cy="1141407"/>
+          </a:xfrm>
+          <a:prstGeom prst="rect">
+            <a:avLst/>
+          </a:prstGeom>
+        </p:spPr>
+      </p:pic>
+      <p:pic>
+        <p:nvPicPr>
+          <p:cNvPr id="10" name="Picture 9"/>
+          <p:cNvPicPr>
+            <a:picLocks noChangeAspect="1"/>
+          </p:cNvPicPr>
+          <p:nvPr/>
+        </p:nvPicPr>
+        <p:blipFill rotWithShape="1">
+          <a:blip r:embed="rId22">
+            <a:extLst>
+              <a:ext uri="{28A0092B-C50C-407E-A947-70E740481C1C}">
+                <a14:useLocalDpi xmlns:a14="http://schemas.microsoft.com/office/drawing/2010/main" val="0"/>
+              </a:ext>
+            </a:extLst>
+          </a:blip>
+          <a:srcRect b="23320"/>
+          <a:stretch/>
+        </p:blipFill>
+        <p:spPr>
+          <a:xfrm>
+            <a:off x="8605878" y="6096000"/>
+            <a:ext cx="993734" cy="762000"/>
+          </a:xfrm>
+          <a:prstGeom prst="rect">
+            <a:avLst/>
+          </a:prstGeom>
+        </p:spPr>
+      </p:pic>
+      <p:sp>
+        <p:nvSpPr>
+          <p:cNvPr id="14" name="Rectangle 13"/>
+          <p:cNvSpPr/>
+          <p:nvPr/>
+        </p:nvSpPr>
+        <p:spPr>
+          <a:xfrm>
+            <a:off x="10437812" y="0"/>
+            <a:ext cx="685800" cy="1143000"/>
+          </a:xfrm>
+          <a:prstGeom prst="rect">
+            <a:avLst/>
+          </a:prstGeom>
+          <a:solidFill>
+            <a:schemeClr val="accent1"/>
+          </a:solidFill>
+          <a:ln>
+            <a:noFill/>
+          </a:ln>
+        </p:spPr>
+        <p:style>
+          <a:lnRef idx="1">
+            <a:schemeClr val="accent1"/>
+          </a:lnRef>
+          <a:fillRef idx="3">
+            <a:schemeClr val="accent1"/>
+          </a:fillRef>
+          <a:effectRef idx="2">
+            <a:schemeClr val="accent1"/>
+          </a:effectRef>
+          <a:fontRef idx="minor">
+            <a:schemeClr val="lt1"/>
+          </a:fontRef>
+        </p:style>
+      </p:sp>
+      <p:sp>
+        <p:nvSpPr>
+          <p:cNvPr id="2" name="Title Placeholder 1"/>
+          <p:cNvSpPr>
+            <a:spLocks noGrp="1"/>
+          </p:cNvSpPr>
+          <p:nvPr>
+            <p:ph type="title"/>
+          </p:nvPr>
+        </p:nvSpPr>
+        <p:spPr>
+          <a:xfrm>
+            <a:off x="646111" y="452718"/>
+            <a:ext cx="9404723" cy="1400530"/>
+          </a:xfrm>
+          <a:prstGeom prst="rect">
+            <a:avLst/>
+          </a:prstGeom>
+        </p:spPr>
+        <p:txBody>
+          <a:bodyPr vert="horz" lIns="91440" tIns="45720" rIns="91440" bIns="45720" rtlCol="0" anchor="t">
+            <a:noAutofit/>
+          </a:bodyPr>
+          <a:lstStyle/>
+          <a:p>
+            <a:r>
+              <a:rPr lang="en-US"/>
+              <a:t>Click to edit Master title style</a:t>
+            </a:r>
+            <a:endParaRPr lang="en-US" dirty="0"/>
+          </a:p>
+        </p:txBody>
+      </p:sp>
+      <p:sp>
+        <p:nvSpPr>
+          <p:cNvPr id="3" name="Text Placeholder 2"/>
+          <p:cNvSpPr>
+            <a:spLocks noGrp="1"/>
+          </p:cNvSpPr>
+          <p:nvPr>
+            <p:ph type="body" idx="1"/>
+          </p:nvPr>
+        </p:nvSpPr>
+        <p:spPr>
+          <a:xfrm>
+            <a:off x="1103312" y="2052918"/>
+            <a:ext cx="8946541" cy="4195481"/>
+          </a:xfrm>
+          <a:prstGeom prst="rect">
+            <a:avLst/>
+          </a:prstGeom>
+        </p:spPr>
+        <p:txBody>
+          <a:bodyPr vert="horz" lIns="91440" tIns="45720" rIns="91440" bIns="45720" rtlCol="0">
             <a:normAutofit/>
           </a:bodyPr>
           <a:lstStyle/>
           <a:p>
-            <a:r>
-              <a:rPr lang="en-US"/>
-              <a:t>Click to edit Master title style</a:t>
+            <a:pPr lvl="0"/>
+            <a:r>
+              <a:rPr lang="en-US"/>
+              <a:t>Click to edit Master text styles</a:t>
+            </a:r>
+          </a:p>
+          <a:p>
+            <a:pPr lvl="1"/>
+            <a:r>
+              <a:rPr lang="en-US"/>
+              <a:t>Second level</a:t>
+            </a:r>
+          </a:p>
+          <a:p>
+            <a:pPr lvl="2"/>
+            <a:r>
+              <a:rPr lang="en-US"/>
+              <a:t>Third level</a:t>
+            </a:r>
+          </a:p>
+          <a:p>
+            <a:pPr lvl="3"/>
+            <a:r>
+              <a:rPr lang="en-US"/>
+              <a:t>Fourth level</a:t>
+            </a:r>
+          </a:p>
+          <a:p>
+            <a:pPr lvl="4"/>
+            <a:r>
+              <a:rPr lang="en-US"/>
+              <a:t>Fifth level</a:t>
             </a:r>
             <a:endParaRPr lang="en-US" dirty="0"/>
           </a:p>
@@ -5515,173 +5534,113 @@
       </p:sp>
       <p:sp>
         <p:nvSpPr>
-          <p:cNvPr id="3" name="Text Placeholder 2"/>
-          <p:cNvSpPr>
-            <a:spLocks noGrp="1"/>
-          </p:cNvSpPr>
-          <p:nvPr>
-            <p:ph type="body" idx="1"/>
-          </p:nvPr>
-        </p:nvSpPr>
-        <p:spPr>
-          <a:xfrm>
-            <a:off x="1484310" y="2666999"/>
-            <a:ext cx="10018713" cy="3124201"/>
+          <p:cNvPr id="4" name="Date Placeholder 3"/>
+          <p:cNvSpPr>
+            <a:spLocks noGrp="1"/>
+          </p:cNvSpPr>
+          <p:nvPr>
+            <p:ph type="dt" sz="half" idx="2"/>
+          </p:nvPr>
+        </p:nvSpPr>
+        <p:spPr>
+          <a:xfrm rot="5400000">
+            <a:off x="10155639" y="1790701"/>
+            <a:ext cx="990599" cy="304799"/>
           </a:xfrm>
           <a:prstGeom prst="rect">
             <a:avLst/>
           </a:prstGeom>
         </p:spPr>
         <p:txBody>
-          <a:bodyPr vert="horz" lIns="91440" tIns="45720" rIns="91440" bIns="45720" rtlCol="0" anchor="ctr">
-            <a:normAutofit/>
-          </a:bodyPr>
-          <a:lstStyle/>
-          <a:p>
-            <a:pPr lvl="0"/>
-            <a:r>
-              <a:rPr lang="en-US"/>
-              <a:t>Edit Master text styles</a:t>
-            </a:r>
-          </a:p>
-          <a:p>
-            <a:pPr lvl="1"/>
-            <a:r>
-              <a:rPr lang="en-US"/>
-              <a:t>Second level</a:t>
-            </a:r>
-          </a:p>
-          <a:p>
-            <a:pPr lvl="2"/>
-            <a:r>
-              <a:rPr lang="en-US"/>
-              <a:t>Third level</a:t>
-            </a:r>
-          </a:p>
-          <a:p>
-            <a:pPr lvl="3"/>
-            <a:r>
-              <a:rPr lang="en-US"/>
-              <a:t>Fourth level</a:t>
-            </a:r>
-          </a:p>
-          <a:p>
-            <a:pPr lvl="4"/>
-            <a:r>
-              <a:rPr lang="en-US"/>
-              <a:t>Fifth level</a:t>
-            </a:r>
-            <a:endParaRPr lang="en-US" dirty="0"/>
-          </a:p>
-        </p:txBody>
-      </p:sp>
-      <p:sp>
-        <p:nvSpPr>
-          <p:cNvPr id="4" name="Date Placeholder 3"/>
-          <p:cNvSpPr>
-            <a:spLocks noGrp="1"/>
-          </p:cNvSpPr>
-          <p:nvPr>
-            <p:ph type="dt" sz="half" idx="2"/>
-          </p:nvPr>
-        </p:nvSpPr>
-        <p:spPr>
-          <a:xfrm>
-            <a:off x="9732656" y="5883275"/>
-            <a:ext cx="1143000" cy="365125"/>
+          <a:bodyPr vert="horz" lIns="91440" tIns="45720" rIns="91440" bIns="45720" rtlCol="0" anchor="t"/>
+          <a:lstStyle>
+            <a:lvl1pPr algn="l">
+              <a:defRPr sz="1100" b="0" i="0">
+                <a:solidFill>
+                  <a:schemeClr val="tx1">
+                    <a:tint val="75000"/>
+                    <a:alpha val="60000"/>
+                  </a:schemeClr>
+                </a:solidFill>
+              </a:defRPr>
+            </a:lvl1pPr>
+          </a:lstStyle>
+          <a:p>
+            <a:fld id="{2E3F47AE-4804-4655-8D11-C2BEE1A314EC}" type="datetimeFigureOut">
+              <a:rPr lang="en-GB" smtClean="0"/>
+              <a:t>18/12/2020</a:t>
+            </a:fld>
+            <a:endParaRPr lang="en-GB"/>
+          </a:p>
+        </p:txBody>
+      </p:sp>
+      <p:sp>
+        <p:nvSpPr>
+          <p:cNvPr id="5" name="Footer Placeholder 4"/>
+          <p:cNvSpPr>
+            <a:spLocks noGrp="1"/>
+          </p:cNvSpPr>
+          <p:nvPr>
+            <p:ph type="ftr" sz="quarter" idx="3"/>
+          </p:nvPr>
+        </p:nvSpPr>
+        <p:spPr>
+          <a:xfrm rot="5400000">
+            <a:off x="8951573" y="3225297"/>
+            <a:ext cx="3859795" cy="304801"/>
           </a:xfrm>
           <a:prstGeom prst="rect">
             <a:avLst/>
           </a:prstGeom>
         </p:spPr>
         <p:txBody>
-          <a:bodyPr vert="horz" lIns="91440" tIns="45720" rIns="91440" bIns="45720" rtlCol="0" anchor="ctr"/>
+          <a:bodyPr vert="horz" lIns="91440" tIns="45720" rIns="91440" bIns="45720" rtlCol="0" anchor="b"/>
           <a:lstStyle>
-            <a:lvl1pPr algn="r">
-              <a:defRPr sz="1000" b="0" i="0">
+            <a:lvl1pPr algn="l">
+              <a:defRPr sz="1100" b="0" i="0">
                 <a:solidFill>
-                  <a:schemeClr val="tx1"/>
+                  <a:schemeClr val="tx1">
+                    <a:tint val="75000"/>
+                    <a:alpha val="60000"/>
+                  </a:schemeClr>
                 </a:solidFill>
-                <a:effectLst/>
-                <a:latin typeface="+mn-lt"/>
               </a:defRPr>
             </a:lvl1pPr>
           </a:lstStyle>
           <a:p>
-            <a:fld id="{2E3F47AE-4804-4655-8D11-C2BEE1A314EC}" type="datetimeFigureOut">
-              <a:rPr lang="en-GB" smtClean="0"/>
-              <a:t>16/12/2020</a:t>
-            </a:fld>
             <a:endParaRPr lang="en-GB"/>
           </a:p>
         </p:txBody>
       </p:sp>
       <p:sp>
         <p:nvSpPr>
-          <p:cNvPr id="5" name="Footer Placeholder 4"/>
-          <p:cNvSpPr>
-            <a:spLocks noGrp="1"/>
-          </p:cNvSpPr>
-          <p:nvPr>
-            <p:ph type="ftr" sz="quarter" idx="3"/>
-          </p:nvPr>
-        </p:nvSpPr>
-        <p:spPr>
+          <p:cNvPr id="6" name="Slide Number Placeholder 5"/>
+          <p:cNvSpPr>
+            <a:spLocks noGrp="1"/>
+          </p:cNvSpPr>
+          <p:nvPr>
+            <p:ph type="sldNum" sz="quarter" idx="4"/>
+          </p:nvPr>
+        </p:nvSpPr>
+        <p:spPr bwMode="gray">
           <a:xfrm>
-            <a:off x="2572279" y="5883275"/>
-            <a:ext cx="7084177" cy="365125"/>
+            <a:off x="10352540" y="295729"/>
+            <a:ext cx="838199" cy="767687"/>
           </a:xfrm>
           <a:prstGeom prst="rect">
             <a:avLst/>
           </a:prstGeom>
         </p:spPr>
         <p:txBody>
-          <a:bodyPr vert="horz" lIns="91440" tIns="45720" rIns="91440" bIns="45720" rtlCol="0" anchor="ctr"/>
+          <a:bodyPr vert="horz" lIns="91440" tIns="45720" rIns="91440" bIns="45720" rtlCol="0" anchor="b"/>
           <a:lstStyle>
-            <a:lvl1pPr algn="l">
-              <a:defRPr sz="1000" b="0" i="0">
+            <a:lvl1pPr algn="ctr">
+              <a:defRPr sz="2800" b="0" i="0">
                 <a:solidFill>
-                  <a:schemeClr val="tx1"/>
+                  <a:schemeClr val="tx1">
+                    <a:tint val="75000"/>
+                  </a:schemeClr>
                 </a:solidFill>
-                <a:effectLst/>
-                <a:latin typeface="+mn-lt"/>
-              </a:defRPr>
-            </a:lvl1pPr>
-          </a:lstStyle>
-          <a:p>
-            <a:endParaRPr lang="en-GB"/>
-          </a:p>
-        </p:txBody>
-      </p:sp>
-      <p:sp>
-        <p:nvSpPr>
-          <p:cNvPr id="6" name="Slide Number Placeholder 5"/>
-          <p:cNvSpPr>
-            <a:spLocks noGrp="1"/>
-          </p:cNvSpPr>
-          <p:nvPr>
-            <p:ph type="sldNum" sz="quarter" idx="4"/>
-          </p:nvPr>
-        </p:nvSpPr>
-        <p:spPr>
-          <a:xfrm>
-            <a:off x="10951856" y="5883275"/>
-            <a:ext cx="551167" cy="365125"/>
-          </a:xfrm>
-          <a:prstGeom prst="rect">
-            <a:avLst/>
-          </a:prstGeom>
-        </p:spPr>
-        <p:txBody>
-          <a:bodyPr vert="horz" lIns="91440" tIns="45720" rIns="91440" bIns="45720" rtlCol="0" anchor="ctr"/>
-          <a:lstStyle>
-            <a:lvl1pPr algn="r">
-              <a:defRPr sz="1000" b="0" i="0">
-                <a:solidFill>
-                  <a:schemeClr val="tx1"/>
-                </a:solidFill>
-                <a:effectLst/>
-                <a:latin typeface="+mn-lt"/>
               </a:defRPr>
             </a:lvl1pPr>
           </a:lstStyle>
@@ -5697,45 +5656,41 @@
     </p:spTree>
     <p:extLst>
       <p:ext uri="{BB962C8B-B14F-4D97-AF65-F5344CB8AC3E}">
-        <p14:creationId xmlns:p14="http://schemas.microsoft.com/office/powerpoint/2010/main" val="2575659172"/>
+        <p14:creationId xmlns:p14="http://schemas.microsoft.com/office/powerpoint/2010/main" val="1057671287"/>
       </p:ext>
     </p:extLst>
   </p:cSld>
-  <p:clrMap bg1="lt1" tx1="dk1" bg2="lt2" tx2="dk2" accent1="accent1" accent2="accent2" accent3="accent3" accent4="accent4" accent5="accent5" accent6="accent6" hlink="hlink" folHlink="folHlink"/>
+  <p:clrMap bg1="dk1" tx1="lt1" bg2="dk2" tx2="lt2" accent1="accent1" accent2="accent2" accent3="accent3" accent4="accent4" accent5="accent5" accent6="accent6" hlink="hlink" folHlink="folHlink"/>
   <p:sldLayoutIdLst>
-    <p:sldLayoutId id="2147483721" r:id="rId1"/>
-    <p:sldLayoutId id="2147483722" r:id="rId2"/>
-    <p:sldLayoutId id="2147483723" r:id="rId3"/>
-    <p:sldLayoutId id="2147483724" r:id="rId4"/>
-    <p:sldLayoutId id="2147483725" r:id="rId5"/>
-    <p:sldLayoutId id="2147483726" r:id="rId6"/>
-    <p:sldLayoutId id="2147483727" r:id="rId7"/>
-    <p:sldLayoutId id="2147483728" r:id="rId8"/>
-    <p:sldLayoutId id="2147483729" r:id="rId9"/>
-    <p:sldLayoutId id="2147483730" r:id="rId10"/>
-    <p:sldLayoutId id="2147483731" r:id="rId11"/>
-    <p:sldLayoutId id="2147483732" r:id="rId12"/>
-    <p:sldLayoutId id="2147483733" r:id="rId13"/>
-    <p:sldLayoutId id="2147483734" r:id="rId14"/>
-    <p:sldLayoutId id="2147483735" r:id="rId15"/>
-    <p:sldLayoutId id="2147483736" r:id="rId16"/>
-    <p:sldLayoutId id="2147483737" r:id="rId17"/>
+    <p:sldLayoutId id="2147484100" r:id="rId1"/>
+    <p:sldLayoutId id="2147484101" r:id="rId2"/>
+    <p:sldLayoutId id="2147484102" r:id="rId3"/>
+    <p:sldLayoutId id="2147484103" r:id="rId4"/>
+    <p:sldLayoutId id="2147484104" r:id="rId5"/>
+    <p:sldLayoutId id="2147484105" r:id="rId6"/>
+    <p:sldLayoutId id="2147484106" r:id="rId7"/>
+    <p:sldLayoutId id="2147484107" r:id="rId8"/>
+    <p:sldLayoutId id="2147484108" r:id="rId9"/>
+    <p:sldLayoutId id="2147484109" r:id="rId10"/>
+    <p:sldLayoutId id="2147484110" r:id="rId11"/>
+    <p:sldLayoutId id="2147484111" r:id="rId12"/>
+    <p:sldLayoutId id="2147484112" r:id="rId13"/>
+    <p:sldLayoutId id="2147484113" r:id="rId14"/>
+    <p:sldLayoutId id="2147484114" r:id="rId15"/>
+    <p:sldLayoutId id="2147484115" r:id="rId16"/>
+    <p:sldLayoutId id="2147484116" r:id="rId17"/>
   </p:sldLayoutIdLst>
   <p:txStyles>
     <p:titleStyle>
-      <a:lvl1pPr algn="ctr" defTabSz="457200" rtl="0" eaLnBrk="1" latinLnBrk="0" hangingPunct="1">
+      <a:lvl1pPr algn="l" defTabSz="457200" rtl="0" eaLnBrk="1" latinLnBrk="0" hangingPunct="1">
         <a:spcBef>
           <a:spcPct val="0"/>
         </a:spcBef>
         <a:buNone/>
-        <a:defRPr sz="4000" kern="1200" cap="none">
-          <a:ln w="3175" cmpd="sng">
-            <a:noFill/>
-          </a:ln>
+        <a:defRPr sz="4200" b="0" i="0" kern="1200">
           <a:solidFill>
-            <a:schemeClr val="tx1"/>
+            <a:schemeClr val="tx2"/>
           </a:solidFill>
-          <a:effectLst/>
           <a:latin typeface="+mj-lt"/>
           <a:ea typeface="+mj-ea"/>
           <a:cs typeface="+mj-cs"/>
@@ -5799,229 +5754,229 @@
       </a:lvl9pPr>
     </p:titleStyle>
     <p:bodyStyle>
-      <a:lvl1pPr marL="285750" indent="-285750" algn="l" defTabSz="457200" rtl="0" eaLnBrk="1" latinLnBrk="0" hangingPunct="1">
+      <a:lvl1pPr marL="342900" indent="-342900" algn="l" defTabSz="457200" rtl="0" eaLnBrk="1" latinLnBrk="0" hangingPunct="1">
         <a:spcBef>
-          <a:spcPct val="20000"/>
+          <a:spcPts val="1000"/>
         </a:spcBef>
         <a:spcAft>
-          <a:spcPts val="600"/>
+          <a:spcPts val="0"/>
         </a:spcAft>
         <a:buClr>
-          <a:schemeClr val="accent1">
-            <a:lumMod val="75000"/>
+          <a:schemeClr val="bg2">
+            <a:lumMod val="40000"/>
+            <a:lumOff val="60000"/>
           </a:schemeClr>
         </a:buClr>
-        <a:buSzPct val="145000"/>
-        <a:buFont typeface="Arial"/>
-        <a:buChar char="•"/>
-        <a:defRPr sz="2400" kern="1200" cap="none">
+        <a:buSzPct val="80000"/>
+        <a:buFont typeface="Wingdings 3" charset="2"/>
+        <a:buChar char=""/>
+        <a:defRPr sz="2000" b="0" i="0" kern="1200">
           <a:solidFill>
             <a:schemeClr val="tx1"/>
           </a:solidFill>
-          <a:effectLst/>
-          <a:latin typeface="+mn-lt"/>
-          <a:ea typeface="+mn-ea"/>
-          <a:cs typeface="+mn-cs"/>
+          <a:latin typeface="+mj-lt"/>
+          <a:ea typeface="+mj-ea"/>
+          <a:cs typeface="+mj-cs"/>
         </a:defRPr>
       </a:lvl1pPr>
       <a:lvl2pPr marL="742950" indent="-285750" algn="l" defTabSz="457200" rtl="0" eaLnBrk="1" latinLnBrk="0" hangingPunct="1">
         <a:spcBef>
-          <a:spcPct val="20000"/>
+          <a:spcPts val="1000"/>
         </a:spcBef>
         <a:spcAft>
-          <a:spcPts val="600"/>
+          <a:spcPts val="0"/>
         </a:spcAft>
         <a:buClr>
-          <a:schemeClr val="accent1">
-            <a:lumMod val="75000"/>
+          <a:schemeClr val="bg2">
+            <a:lumMod val="40000"/>
+            <a:lumOff val="60000"/>
           </a:schemeClr>
         </a:buClr>
-        <a:buSzPct val="145000"/>
-        <a:buFont typeface="Arial"/>
-        <a:buChar char="•"/>
-        <a:defRPr sz="2000" kern="1200" cap="none">
+        <a:buSzPct val="80000"/>
+        <a:buFont typeface="Wingdings 3" charset="2"/>
+        <a:buChar char=""/>
+        <a:defRPr sz="1800" b="0" i="0" kern="1200">
           <a:solidFill>
             <a:schemeClr val="tx1"/>
           </a:solidFill>
-          <a:effectLst/>
-          <a:latin typeface="+mn-lt"/>
-          <a:ea typeface="+mn-ea"/>
-          <a:cs typeface="+mn-cs"/>
+          <a:latin typeface="+mj-lt"/>
+          <a:ea typeface="+mj-ea"/>
+          <a:cs typeface="+mj-cs"/>
         </a:defRPr>
       </a:lvl2pPr>
-      <a:lvl3pPr marL="1200150" indent="-285750" algn="l" defTabSz="457200" rtl="0" eaLnBrk="1" latinLnBrk="0" hangingPunct="1">
+      <a:lvl3pPr marL="1143000" indent="-228600" algn="l" defTabSz="457200" rtl="0" eaLnBrk="1" latinLnBrk="0" hangingPunct="1">
         <a:spcBef>
-          <a:spcPct val="20000"/>
+          <a:spcPts val="1000"/>
         </a:spcBef>
         <a:spcAft>
-          <a:spcPts val="600"/>
+          <a:spcPts val="0"/>
         </a:spcAft>
         <a:buClr>
-          <a:schemeClr val="accent1">
-            <a:lumMod val="75000"/>
+          <a:schemeClr val="bg2">
+            <a:lumMod val="40000"/>
+            <a:lumOff val="60000"/>
           </a:schemeClr>
         </a:buClr>
-        <a:buSzPct val="145000"/>
-        <a:buFont typeface="Arial"/>
-        <a:buChar char="•"/>
-        <a:defRPr sz="1800" kern="1200" cap="none">
+        <a:buSzPct val="80000"/>
+        <a:buFont typeface="Wingdings 3" charset="2"/>
+        <a:buChar char=""/>
+        <a:defRPr sz="1600" b="0" i="0" kern="1200">
           <a:solidFill>
             <a:schemeClr val="tx1"/>
           </a:solidFill>
-          <a:effectLst/>
-          <a:latin typeface="+mn-lt"/>
-          <a:ea typeface="+mn-ea"/>
-          <a:cs typeface="+mn-cs"/>
+          <a:latin typeface="+mj-lt"/>
+          <a:ea typeface="+mj-ea"/>
+          <a:cs typeface="+mj-cs"/>
         </a:defRPr>
       </a:lvl3pPr>
-      <a:lvl4pPr marL="1543050" indent="-171450" algn="l" defTabSz="457200" rtl="0" eaLnBrk="1" latinLnBrk="0" hangingPunct="1">
+      <a:lvl4pPr marL="1600200" indent="-228600" algn="l" defTabSz="457200" rtl="0" eaLnBrk="1" latinLnBrk="0" hangingPunct="1">
         <a:spcBef>
-          <a:spcPct val="20000"/>
+          <a:spcPts val="1000"/>
         </a:spcBef>
         <a:spcAft>
-          <a:spcPts val="600"/>
+          <a:spcPts val="0"/>
         </a:spcAft>
         <a:buClr>
-          <a:schemeClr val="accent1">
-            <a:lumMod val="75000"/>
+          <a:schemeClr val="bg2">
+            <a:lumMod val="40000"/>
+            <a:lumOff val="60000"/>
           </a:schemeClr>
         </a:buClr>
-        <a:buSzPct val="145000"/>
-        <a:buFont typeface="Arial"/>
-        <a:buChar char="•"/>
-        <a:defRPr sz="1600" kern="1200" cap="none">
+        <a:buSzPct val="80000"/>
+        <a:buFont typeface="Wingdings 3" charset="2"/>
+        <a:buChar char=""/>
+        <a:defRPr sz="1400" b="0" i="0" kern="1200">
           <a:solidFill>
             <a:schemeClr val="tx1"/>
           </a:solidFill>
-          <a:effectLst/>
-          <a:latin typeface="+mn-lt"/>
-          <a:ea typeface="+mn-ea"/>
-          <a:cs typeface="+mn-cs"/>
+          <a:latin typeface="+mj-lt"/>
+          <a:ea typeface="+mj-ea"/>
+          <a:cs typeface="+mj-cs"/>
         </a:defRPr>
       </a:lvl4pPr>
-      <a:lvl5pPr marL="2000250" indent="-171450" algn="l" defTabSz="457200" rtl="0" eaLnBrk="1" latinLnBrk="0" hangingPunct="1">
+      <a:lvl5pPr marL="2057400" indent="-228600" algn="l" defTabSz="457200" rtl="0" eaLnBrk="1" latinLnBrk="0" hangingPunct="1">
         <a:spcBef>
-          <a:spcPct val="20000"/>
+          <a:spcPts val="1000"/>
         </a:spcBef>
         <a:spcAft>
-          <a:spcPts val="600"/>
+          <a:spcPts val="0"/>
         </a:spcAft>
         <a:buClr>
-          <a:schemeClr val="accent1">
-            <a:lumMod val="75000"/>
+          <a:schemeClr val="bg2">
+            <a:lumMod val="40000"/>
+            <a:lumOff val="60000"/>
           </a:schemeClr>
         </a:buClr>
-        <a:buSzPct val="145000"/>
-        <a:buFont typeface="Arial"/>
-        <a:buChar char="•"/>
-        <a:defRPr sz="1400" kern="1200" cap="none">
+        <a:buSzPct val="80000"/>
+        <a:buFont typeface="Wingdings 3" charset="2"/>
+        <a:buChar char=""/>
+        <a:defRPr sz="1400" b="0" i="0" kern="1200">
           <a:solidFill>
             <a:schemeClr val="tx1"/>
           </a:solidFill>
-          <a:effectLst/>
-          <a:latin typeface="+mn-lt"/>
-          <a:ea typeface="+mn-ea"/>
-          <a:cs typeface="+mn-cs"/>
+          <a:latin typeface="+mj-lt"/>
+          <a:ea typeface="+mj-ea"/>
+          <a:cs typeface="+mj-cs"/>
         </a:defRPr>
       </a:lvl5pPr>
-      <a:lvl6pPr marL="2514600" indent="-228600" algn="l" defTabSz="457200" rtl="0" eaLnBrk="1" latinLnBrk="0" hangingPunct="1">
+      <a:lvl6pPr marL="2506000" indent="-228600" algn="l" defTabSz="457200" rtl="0" eaLnBrk="1" latinLnBrk="0" hangingPunct="1">
         <a:spcBef>
-          <a:spcPct val="20000"/>
+          <a:spcPts val="1000"/>
         </a:spcBef>
         <a:spcAft>
-          <a:spcPts val="600"/>
+          <a:spcPts val="0"/>
         </a:spcAft>
         <a:buClr>
-          <a:schemeClr val="accent1">
-            <a:lumMod val="75000"/>
+          <a:schemeClr val="bg2">
+            <a:lumMod val="40000"/>
+            <a:lumOff val="60000"/>
           </a:schemeClr>
         </a:buClr>
-        <a:buSzPct val="145000"/>
-        <a:buFont typeface="Arial"/>
-        <a:buChar char="•"/>
-        <a:defRPr sz="1400" kern="1200" cap="none">
+        <a:buSzPct val="80000"/>
+        <a:buFont typeface="Wingdings 3" charset="2"/>
+        <a:buChar char=""/>
+        <a:defRPr sz="1400" b="0" i="0" kern="1200">
           <a:solidFill>
             <a:schemeClr val="tx1"/>
           </a:solidFill>
-          <a:effectLst/>
-          <a:latin typeface="+mn-lt"/>
-          <a:ea typeface="+mn-ea"/>
-          <a:cs typeface="+mn-cs"/>
+          <a:latin typeface="+mj-lt"/>
+          <a:ea typeface="+mj-ea"/>
+          <a:cs typeface="+mj-cs"/>
         </a:defRPr>
       </a:lvl6pPr>
       <a:lvl7pPr marL="2971800" indent="-228600" algn="l" defTabSz="457200" rtl="0" eaLnBrk="1" latinLnBrk="0" hangingPunct="1">
         <a:spcBef>
-          <a:spcPct val="20000"/>
+          <a:spcPts val="1000"/>
         </a:spcBef>
         <a:spcAft>
-          <a:spcPts val="600"/>
+          <a:spcPts val="0"/>
         </a:spcAft>
         <a:buClr>
-          <a:schemeClr val="accent1">
-            <a:lumMod val="75000"/>
+          <a:schemeClr val="bg2">
+            <a:lumMod val="40000"/>
+            <a:lumOff val="60000"/>
           </a:schemeClr>
         </a:buClr>
-        <a:buSzPct val="145000"/>
-        <a:buFont typeface="Arial"/>
-        <a:buChar char="•"/>
-        <a:defRPr sz="1400" kern="1200" cap="none">
+        <a:buSzPct val="80000"/>
+        <a:buFont typeface="Wingdings 3" charset="2"/>
+        <a:buChar char=""/>
+        <a:defRPr sz="1400" b="0" i="0" kern="1200">
           <a:solidFill>
             <a:schemeClr val="tx1"/>
           </a:solidFill>
-          <a:effectLst/>
-          <a:latin typeface="+mn-lt"/>
-          <a:ea typeface="+mn-ea"/>
-          <a:cs typeface="+mn-cs"/>
+          <a:latin typeface="+mj-lt"/>
+          <a:ea typeface="+mj-ea"/>
+          <a:cs typeface="+mj-cs"/>
         </a:defRPr>
       </a:lvl7pPr>
       <a:lvl8pPr marL="3429000" indent="-228600" algn="l" defTabSz="457200" rtl="0" eaLnBrk="1" latinLnBrk="0" hangingPunct="1">
         <a:spcBef>
-          <a:spcPct val="20000"/>
+          <a:spcPts val="1000"/>
         </a:spcBef>
         <a:spcAft>
-          <a:spcPts val="600"/>
+          <a:spcPts val="0"/>
         </a:spcAft>
         <a:buClr>
-          <a:schemeClr val="accent1">
-            <a:lumMod val="75000"/>
+          <a:schemeClr val="bg2">
+            <a:lumMod val="40000"/>
+            <a:lumOff val="60000"/>
           </a:schemeClr>
         </a:buClr>
-        <a:buSzPct val="145000"/>
-        <a:buFont typeface="Arial"/>
-        <a:buChar char="•"/>
-        <a:defRPr sz="1400" kern="1200" cap="none">
+        <a:buSzPct val="80000"/>
+        <a:buFont typeface="Wingdings 3" charset="2"/>
+        <a:buChar char=""/>
+        <a:defRPr sz="1400" b="0" i="0" kern="1200">
           <a:solidFill>
             <a:schemeClr val="tx1"/>
           </a:solidFill>
-          <a:effectLst/>
-          <a:latin typeface="+mn-lt"/>
-          <a:ea typeface="+mn-ea"/>
-          <a:cs typeface="+mn-cs"/>
+          <a:latin typeface="+mj-lt"/>
+          <a:ea typeface="+mj-ea"/>
+          <a:cs typeface="+mj-cs"/>
         </a:defRPr>
       </a:lvl8pPr>
       <a:lvl9pPr marL="3886200" indent="-228600" algn="l" defTabSz="457200" rtl="0" eaLnBrk="1" latinLnBrk="0" hangingPunct="1">
         <a:spcBef>
-          <a:spcPct val="20000"/>
+          <a:spcPts val="1000"/>
         </a:spcBef>
         <a:spcAft>
-          <a:spcPts val="600"/>
+          <a:spcPts val="0"/>
         </a:spcAft>
         <a:buClr>
-          <a:schemeClr val="accent1">
-            <a:lumMod val="75000"/>
+          <a:schemeClr val="bg2">
+            <a:lumMod val="40000"/>
+            <a:lumOff val="60000"/>
           </a:schemeClr>
         </a:buClr>
-        <a:buSzPct val="145000"/>
-        <a:buFont typeface="Arial"/>
-        <a:buChar char="•"/>
-        <a:defRPr sz="1400" kern="1200" cap="none">
+        <a:buSzPct val="80000"/>
+        <a:buFont typeface="Wingdings 3" charset="2"/>
+        <a:buChar char=""/>
+        <a:defRPr sz="1400" b="0" i="0" kern="1200">
           <a:solidFill>
             <a:schemeClr val="tx1"/>
           </a:solidFill>
-          <a:effectLst/>
-          <a:latin typeface="+mn-lt"/>
-          <a:ea typeface="+mn-ea"/>
-          <a:cs typeface="+mn-cs"/>
+          <a:latin typeface="+mj-lt"/>
+          <a:ea typeface="+mj-ea"/>
+          <a:cs typeface="+mj-cs"/>
         </a:defRPr>
       </a:lvl9pPr>
     </p:bodyStyle>
@@ -6185,23 +6140,23 @@
         <p:spPr>
           <a:xfrm>
             <a:off x="5185457" y="2943011"/>
-            <a:ext cx="5614347" cy="1027105"/>
+            <a:ext cx="5787343" cy="1362216"/>
           </a:xfrm>
         </p:spPr>
         <p:txBody>
           <a:bodyPr>
-            <a:normAutofit/>
+            <a:normAutofit fontScale="55000" lnSpcReduction="20000"/>
           </a:bodyPr>
           <a:lstStyle/>
           <a:p>
             <a:r>
-              <a:rPr lang="en-GB" dirty="0"/>
+              <a:rPr lang="en-GB" sz="8000" dirty="0"/>
               <a:t>Neil Byrne </a:t>
             </a:r>
           </a:p>
           <a:p>
             <a:r>
-              <a:rPr lang="en-GB" dirty="0"/>
+              <a:rPr lang="en-GB" sz="8000" dirty="0"/>
               <a:t>G00343624</a:t>
             </a:r>
           </a:p>
@@ -6993,7 +6948,7 @@
         </p:spPr>
         <p:txBody>
           <a:bodyPr vert="horz" lIns="91440" tIns="45720" rIns="91440" bIns="45720" rtlCol="0" anchor="b">
-            <a:normAutofit fontScale="90000" lnSpcReduction="20000"/>
+            <a:normAutofit fontScale="82500" lnSpcReduction="10000"/>
           </a:bodyPr>
           <a:lstStyle>
             <a:lvl1pPr algn="r" defTabSz="457200" rtl="0" eaLnBrk="1" latinLnBrk="0" hangingPunct="1">
@@ -7125,8 +7080,8 @@
         </p:nvSpPr>
         <p:spPr>
           <a:xfrm>
-            <a:off x="6610350" y="134320"/>
-            <a:ext cx="4022896" cy="915044"/>
+            <a:off x="5018213" y="-71222"/>
+            <a:ext cx="6656864" cy="1049364"/>
           </a:xfrm>
         </p:spPr>
         <p:txBody>
@@ -7280,7 +7235,7 @@
         </p:blipFill>
         <p:spPr>
           <a:xfrm>
-            <a:off x="4704519" y="1314189"/>
+            <a:off x="4704519" y="1374523"/>
             <a:ext cx="3394346" cy="1690687"/>
           </a:xfrm>
           <a:prstGeom prst="rect">
@@ -7316,7 +7271,7 @@
         </p:blipFill>
         <p:spPr>
           <a:xfrm>
-            <a:off x="9107833" y="1113666"/>
+            <a:off x="9509828" y="1099321"/>
             <a:ext cx="2091732" cy="2091732"/>
           </a:xfrm>
           <a:prstGeom prst="rect">
@@ -7604,8 +7559,8 @@
         </p:nvSpPr>
         <p:spPr>
           <a:xfrm>
-            <a:off x="301209" y="1314190"/>
-            <a:ext cx="1401832" cy="1200329"/>
+            <a:off x="0" y="1314190"/>
+            <a:ext cx="1812022" cy="830997"/>
           </a:xfrm>
           <a:prstGeom prst="rect">
             <a:avLst/>
@@ -7709,8 +7664,8 @@
         </p:nvSpPr>
         <p:spPr>
           <a:xfrm>
-            <a:off x="4880735" y="410902"/>
-            <a:ext cx="1401832" cy="461665"/>
+            <a:off x="4645796" y="852524"/>
+            <a:ext cx="1679503" cy="461665"/>
           </a:xfrm>
           <a:prstGeom prst="rect">
             <a:avLst/>
@@ -7800,6 +7755,77 @@
           </a:p>
         </p:txBody>
       </p:sp>
+      <p:pic>
+        <p:nvPicPr>
+          <p:cNvPr id="4" name="Picture 3" descr="Icon&#10;&#10;Description automatically generated">
+            <a:extLst>
+              <a:ext uri="{FF2B5EF4-FFF2-40B4-BE49-F238E27FC236}">
+                <a16:creationId xmlns:a16="http://schemas.microsoft.com/office/drawing/2014/main" id="{0EC66AD2-382F-4C4A-AF61-349EAD174E42}"/>
+              </a:ext>
+            </a:extLst>
+          </p:cNvPr>
+          <p:cNvPicPr>
+            <a:picLocks noChangeAspect="1"/>
+          </p:cNvPicPr>
+          <p:nvPr/>
+        </p:nvPicPr>
+        <p:blipFill>
+          <a:blip r:embed="rId8">
+            <a:extLst>
+              <a:ext uri="{28A0092B-C50C-407E-A947-70E740481C1C}">
+                <a14:useLocalDpi xmlns:a14="http://schemas.microsoft.com/office/drawing/2010/main" val="0"/>
+              </a:ext>
+            </a:extLst>
+          </a:blip>
+          <a:stretch>
+            <a:fillRect/>
+          </a:stretch>
+        </p:blipFill>
+        <p:spPr>
+          <a:xfrm>
+            <a:off x="2833078" y="6187376"/>
+            <a:ext cx="629517" cy="629517"/>
+          </a:xfrm>
+          <a:prstGeom prst="rect">
+            <a:avLst/>
+          </a:prstGeom>
+        </p:spPr>
+      </p:pic>
+      <p:pic>
+        <p:nvPicPr>
+          <p:cNvPr id="6" name="Picture 5" descr="Icon&#10;&#10;Description automatically generated">
+            <a:extLst>
+              <a:ext uri="{FF2B5EF4-FFF2-40B4-BE49-F238E27FC236}">
+                <a16:creationId xmlns:a16="http://schemas.microsoft.com/office/drawing/2014/main" id="{DE7E8F08-7CA2-4113-AC65-3B02770FBAF4}"/>
+              </a:ext>
+            </a:extLst>
+          </p:cNvPr>
+          <p:cNvPicPr>
+            <a:picLocks noChangeAspect="1"/>
+          </p:cNvPicPr>
+          <p:nvPr/>
+        </p:nvPicPr>
+        <p:blipFill rotWithShape="1">
+          <a:blip r:embed="rId9">
+            <a:extLst>
+              <a:ext uri="{28A0092B-C50C-407E-A947-70E740481C1C}">
+                <a14:useLocalDpi xmlns:a14="http://schemas.microsoft.com/office/drawing/2010/main" val="0"/>
+              </a:ext>
+            </a:extLst>
+          </a:blip>
+          <a:srcRect l="12963" t="11838" r="12316" b="12877"/>
+          <a:stretch/>
+        </p:blipFill>
+        <p:spPr>
+          <a:xfrm>
+            <a:off x="2913112" y="5671138"/>
+            <a:ext cx="465911" cy="469431"/>
+          </a:xfrm>
+          <a:prstGeom prst="rect">
+            <a:avLst/>
+          </a:prstGeom>
+        </p:spPr>
+      </p:pic>
     </p:spTree>
     <p:extLst>
       <p:ext uri="{BB962C8B-B14F-4D97-AF65-F5344CB8AC3E}">
@@ -7842,7 +7868,7 @@
         </p:nvSpPr>
         <p:spPr>
           <a:xfrm>
-            <a:off x="2928401" y="342900"/>
+            <a:off x="3222015" y="1165021"/>
             <a:ext cx="8574622" cy="788974"/>
           </a:xfrm>
         </p:spPr>
@@ -7875,7 +7901,7 @@
         </p:nvSpPr>
         <p:spPr>
           <a:xfrm>
-            <a:off x="3763927" y="1380896"/>
+            <a:off x="3763927" y="2352772"/>
             <a:ext cx="7739096" cy="3013741"/>
           </a:xfrm>
         </p:spPr>
@@ -7885,20 +7911,13 @@
           </a:bodyPr>
           <a:lstStyle/>
           <a:p>
-            <a:pPr algn="l"/>
-            <a:r>
-              <a:rPr lang="en-US" dirty="0"/>
-              <a:t>List any objectives that have already been implemented.</a:t>
-            </a:r>
-          </a:p>
-          <a:p>
             <a:pPr marL="342900" indent="-342900" algn="l">
               <a:buFont typeface="Arial" panose="020B0604020202020204" pitchFamily="34" charset="0"/>
               <a:buChar char="•"/>
             </a:pPr>
             <a:r>
               <a:rPr lang="en-US" dirty="0"/>
-              <a:t>ESP32 RFID functional</a:t>
+              <a:t>ESP32 RFID  wired and functional</a:t>
             </a:r>
           </a:p>
           <a:p>
@@ -7908,7 +7927,7 @@
             </a:pPr>
             <a:r>
               <a:rPr lang="en-US" dirty="0"/>
-              <a:t>Basic CRUD application</a:t>
+              <a:t>Basic CRUD application created</a:t>
             </a:r>
           </a:p>
           <a:p>
@@ -7933,7 +7952,7 @@
           <p:cNvPr id="5" name="Picture 4" descr="Graphical user interface, text, application, email&#10;&#10;Description automatically generated">
             <a:extLst>
               <a:ext uri="{FF2B5EF4-FFF2-40B4-BE49-F238E27FC236}">
-                <a16:creationId xmlns:a16="http://schemas.microsoft.com/office/drawing/2014/main" id="{792EC3C2-BF05-4D87-AF15-3E1A054B5016}"/>
+                <a16:creationId xmlns:a16="http://schemas.microsoft.com/office/drawing/2014/main" id="{DC303A00-1301-48BA-8D77-2B1C81435E8B}"/>
               </a:ext>
             </a:extLst>
           </p:cNvPr>
@@ -7956,8 +7975,8 @@
         </p:blipFill>
         <p:spPr>
           <a:xfrm>
-            <a:off x="247831" y="342900"/>
-            <a:ext cx="2830563" cy="6172200"/>
+            <a:off x="258741" y="342900"/>
+            <a:ext cx="2669660" cy="6244512"/>
           </a:xfrm>
           <a:prstGeom prst="rect">
             <a:avLst/>
@@ -8006,7 +8025,7 @@
         </p:nvSpPr>
         <p:spPr>
           <a:xfrm>
-            <a:off x="2928401" y="1380069"/>
+            <a:off x="2928400" y="365001"/>
             <a:ext cx="8574622" cy="788974"/>
           </a:xfrm>
         </p:spPr>
@@ -8027,61 +8046,42 @@
           </a:p>
         </p:txBody>
       </p:sp>
-      <p:sp>
-        <p:nvSpPr>
-          <p:cNvPr id="3" name="Subtitle 2"/>
-          <p:cNvSpPr>
-            <a:spLocks noGrp="1"/>
-          </p:cNvSpPr>
-          <p:nvPr>
-            <p:ph type="subTitle" idx="1"/>
-          </p:nvPr>
-        </p:nvSpPr>
+      <p:pic>
+        <p:nvPicPr>
+          <p:cNvPr id="7" name="Picture 6" descr="Timeline&#10;&#10;Description automatically generated">
+            <a:extLst>
+              <a:ext uri="{FF2B5EF4-FFF2-40B4-BE49-F238E27FC236}">
+                <a16:creationId xmlns:a16="http://schemas.microsoft.com/office/drawing/2014/main" id="{B94FA833-6BCC-41EE-9FBF-38E1496AB4CB}"/>
+              </a:ext>
+            </a:extLst>
+          </p:cNvPr>
+          <p:cNvPicPr>
+            <a:picLocks noChangeAspect="1"/>
+          </p:cNvPicPr>
+          <p:nvPr/>
+        </p:nvPicPr>
+        <p:blipFill>
+          <a:blip r:embed="rId2">
+            <a:extLst>
+              <a:ext uri="{28A0092B-C50C-407E-A947-70E740481C1C}">
+                <a14:useLocalDpi xmlns:a14="http://schemas.microsoft.com/office/drawing/2010/main" val="0"/>
+              </a:ext>
+            </a:extLst>
+          </a:blip>
+          <a:stretch>
+            <a:fillRect/>
+          </a:stretch>
+        </p:blipFill>
         <p:spPr>
           <a:xfrm>
-            <a:off x="3763927" y="2371060"/>
-            <a:ext cx="7739096" cy="3013741"/>
-          </a:xfrm>
-        </p:spPr>
-        <p:txBody>
-          <a:bodyPr>
-            <a:normAutofit/>
-          </a:bodyPr>
-          <a:lstStyle/>
-          <a:p>
-            <a:pPr algn="l"/>
-            <a:r>
-              <a:rPr lang="en-US" dirty="0"/>
-              <a:t>Show a Gantt Chart of the set of remaining activities.</a:t>
-            </a:r>
-          </a:p>
-          <a:p>
-            <a:pPr marL="342900" indent="-342900" algn="l">
-              <a:buFont typeface="Arial" panose="020B0604020202020204" pitchFamily="34" charset="0"/>
-              <a:buChar char="•"/>
-            </a:pPr>
-            <a:r>
-              <a:rPr lang="en-US" dirty="0"/>
-              <a:t>Don’t forget to include your dissertation document and any other deliverables.</a:t>
-            </a:r>
-          </a:p>
-          <a:p>
-            <a:pPr marL="342900" indent="-342900" algn="l">
-              <a:buFont typeface="Arial" panose="020B0604020202020204" pitchFamily="34" charset="0"/>
-              <a:buChar char="•"/>
-            </a:pPr>
-            <a:endParaRPr lang="en-US" dirty="0"/>
-          </a:p>
-          <a:p>
-            <a:pPr algn="l"/>
-            <a:endParaRPr lang="en-US" dirty="0"/>
-          </a:p>
-          <a:p>
-            <a:pPr algn="l"/>
-            <a:endParaRPr lang="en-GB" dirty="0"/>
-          </a:p>
-        </p:txBody>
-      </p:sp>
+            <a:off x="238543" y="1527425"/>
+            <a:ext cx="11714914" cy="3237521"/>
+          </a:xfrm>
+          <a:prstGeom prst="rect">
+            <a:avLst/>
+          </a:prstGeom>
+        </p:spPr>
+      </p:pic>
     </p:spTree>
     <p:extLst>
       <p:ext uri="{BB962C8B-B14F-4D97-AF65-F5344CB8AC3E}">
@@ -8095,10 +8095,79 @@
 </p:sld>
 </file>
 
+<file path=ppt/slides/slide6.xml><?xml version="1.0" encoding="utf-8"?>
+<p:sld xmlns:a="http://schemas.openxmlformats.org/drawingml/2006/main" xmlns:r="http://schemas.openxmlformats.org/officeDocument/2006/relationships" xmlns:p="http://schemas.openxmlformats.org/presentationml/2006/main">
+  <p:cSld>
+    <p:spTree>
+      <p:nvGrpSpPr>
+        <p:cNvPr id="1" name=""/>
+        <p:cNvGrpSpPr/>
+        <p:nvPr/>
+      </p:nvGrpSpPr>
+      <p:grpSpPr>
+        <a:xfrm>
+          <a:off x="0" y="0"/>
+          <a:ext cx="0" cy="0"/>
+          <a:chOff x="0" y="0"/>
+          <a:chExt cx="0" cy="0"/>
+        </a:xfrm>
+      </p:grpSpPr>
+      <p:sp>
+        <p:nvSpPr>
+          <p:cNvPr id="5" name="Title 1">
+            <a:extLst>
+              <a:ext uri="{FF2B5EF4-FFF2-40B4-BE49-F238E27FC236}">
+                <a16:creationId xmlns:a16="http://schemas.microsoft.com/office/drawing/2014/main" id="{43600C38-11AC-482B-97CA-1A7450CDFC63}"/>
+              </a:ext>
+            </a:extLst>
+          </p:cNvPr>
+          <p:cNvSpPr>
+            <a:spLocks noGrp="1"/>
+          </p:cNvSpPr>
+          <p:nvPr>
+            <p:ph type="title"/>
+          </p:nvPr>
+        </p:nvSpPr>
+        <p:spPr>
+          <a:xfrm>
+            <a:off x="1929628" y="2851690"/>
+            <a:ext cx="9404350" cy="1400175"/>
+          </a:xfrm>
+        </p:spPr>
+        <p:txBody>
+          <a:bodyPr>
+            <a:normAutofit/>
+          </a:bodyPr>
+          <a:lstStyle/>
+          <a:p>
+            <a:r>
+              <a:rPr lang="en-GB" sz="8000" dirty="0">
+                <a:solidFill>
+                  <a:srgbClr val="C00000"/>
+                </a:solidFill>
+              </a:rPr>
+              <a:t>Thank You</a:t>
+            </a:r>
+          </a:p>
+        </p:txBody>
+      </p:sp>
+    </p:spTree>
+    <p:extLst>
+      <p:ext uri="{BB962C8B-B14F-4D97-AF65-F5344CB8AC3E}">
+        <p14:creationId xmlns:p14="http://schemas.microsoft.com/office/powerpoint/2010/main" val="812268382"/>
+      </p:ext>
+    </p:extLst>
+  </p:cSld>
+  <p:clrMapOvr>
+    <a:masterClrMapping/>
+  </p:clrMapOvr>
+</p:sld>
+</file>
+
 <file path=ppt/theme/theme1.xml><?xml version="1.0" encoding="utf-8"?>
-<a:theme xmlns:a="http://schemas.openxmlformats.org/drawingml/2006/main" name="Parallax">
+<a:theme xmlns:a="http://schemas.openxmlformats.org/drawingml/2006/main" name="Ion">
   <a:themeElements>
-    <a:clrScheme name="Parallax">
+    <a:clrScheme name="Ion">
       <a:dk1>
         <a:sysClr val="windowText" lastClr="000000"/>
       </a:dk1>
@@ -8106,52 +8175,52 @@
         <a:sysClr val="window" lastClr="FFFFFF"/>
       </a:lt1>
       <a:dk2>
-        <a:srgbClr val="212121"/>
+        <a:srgbClr val="1E5155"/>
       </a:dk2>
       <a:lt2>
-        <a:srgbClr val="CDD0D1"/>
+        <a:srgbClr val="EBEBEB"/>
       </a:lt2>
       <a:accent1>
-        <a:srgbClr val="BC1C1C"/>
+        <a:srgbClr val="B01513"/>
       </a:accent1>
       <a:accent2>
-        <a:srgbClr val="F67534"/>
+        <a:srgbClr val="EA6312"/>
       </a:accent2>
       <a:accent3>
-        <a:srgbClr val="EAAC35"/>
+        <a:srgbClr val="E6B729"/>
       </a:accent3>
       <a:accent4>
-        <a:srgbClr val="9BAF68"/>
+        <a:srgbClr val="6AAC90"/>
       </a:accent4>
       <a:accent5>
-        <a:srgbClr val="68B9A6"/>
+        <a:srgbClr val="54849A"/>
       </a:accent5>
       <a:accent6>
-        <a:srgbClr val="50B1D4"/>
+        <a:srgbClr val="9E5E9B"/>
       </a:accent6>
       <a:hlink>
-        <a:srgbClr val="E46416"/>
+        <a:srgbClr val="58C1BA"/>
       </a:hlink>
       <a:folHlink>
-        <a:srgbClr val="EE9340"/>
+        <a:srgbClr val="9DFFCB"/>
       </a:folHlink>
     </a:clrScheme>
-    <a:fontScheme name="Parallax">
+    <a:fontScheme name="Ion">
       <a:majorFont>
-        <a:latin typeface="Corbel" panose="020B0503020204020204"/>
+        <a:latin typeface="Century Gothic" panose="020B0502020202020204"/>
         <a:ea typeface=""/>
         <a:cs typeface=""/>
-        <a:font script="Jpan" typeface="HGｺﾞｼｯｸM"/>
-        <a:font script="Hang" typeface="HY엽서L"/>
-        <a:font script="Hans" typeface="华文楷体"/>
+        <a:font script="Jpan" typeface="メイリオ"/>
+        <a:font script="Hang" typeface="맑은 고딕"/>
+        <a:font script="Hans" typeface="宋体"/>
         <a:font script="Hant" typeface="新細明體"/>
-        <a:font script="Arab" typeface="Tahoma"/>
-        <a:font script="Hebr" typeface="Miriam"/>
-        <a:font script="Thai" typeface="DilleniaUPC"/>
+        <a:font script="Arab" typeface="Times New Roman"/>
+        <a:font script="Hebr" typeface="Times New Roman"/>
+        <a:font script="Thai" typeface="Angsana New"/>
         <a:font script="Ethi" typeface="Nyala"/>
         <a:font script="Beng" typeface="Vrinda"/>
         <a:font script="Gujr" typeface="Shruti"/>
-        <a:font script="Khmr" typeface="DaunPenh"/>
+        <a:font script="Khmr" typeface="MoolBoran"/>
         <a:font script="Knda" typeface="Tunga"/>
         <a:font script="Guru" typeface="Raavi"/>
         <a:font script="Cans" typeface="Euphemia"/>
@@ -8168,21 +8237,21 @@
         <a:font script="Laoo" typeface="DokChampa"/>
         <a:font script="Sinh" typeface="Iskoola Pota"/>
         <a:font script="Mong" typeface="Mongolian Baiti"/>
-        <a:font script="Viet" typeface="Arial"/>
+        <a:font script="Viet" typeface="Times New Roman"/>
         <a:font script="Uigh" typeface="Microsoft Uighur"/>
         <a:font script="Geor" typeface="Sylfaen"/>
       </a:majorFont>
       <a:minorFont>
-        <a:latin typeface="Corbel" panose="020B0503020204020204"/>
+        <a:latin typeface="Century Gothic" panose="020B0502020202020204"/>
         <a:ea typeface=""/>
         <a:cs typeface=""/>
-        <a:font script="Jpan" typeface="HGｺﾞｼｯｸM"/>
-        <a:font script="Hang" typeface="HY엽서L"/>
-        <a:font script="Hans" typeface="华文楷体"/>
+        <a:font script="Jpan" typeface="メイリオ"/>
+        <a:font script="Hang" typeface="맑은 고딕"/>
+        <a:font script="Hans" typeface="宋体"/>
         <a:font script="Hant" typeface="新細明體"/>
-        <a:font script="Arab" typeface="Tahoma"/>
-        <a:font script="Hebr" typeface="Miriam"/>
-        <a:font script="Thai" typeface="DilleniaUPC"/>
+        <a:font script="Arab" typeface="Arial"/>
+        <a:font script="Hebr" typeface="Arial"/>
+        <a:font script="Thai" typeface="Cordia New"/>
         <a:font script="Ethi" typeface="Nyala"/>
         <a:font script="Beng" typeface="Vrinda"/>
         <a:font script="Gujr" typeface="Shruti"/>
@@ -8208,7 +8277,7 @@
         <a:font script="Geor" typeface="Sylfaen"/>
       </a:minorFont>
     </a:fontScheme>
-    <a:fmtScheme name="Parallax">
+    <a:fmtScheme name="Ion">
       <a:fillStyleLst>
         <a:solidFill>
           <a:schemeClr val="phClr"/>
@@ -8217,13 +8286,15 @@
           <a:gsLst>
             <a:gs pos="0">
               <a:schemeClr val="phClr">
-                <a:tint val="60000"/>
-                <a:lumMod val="104000"/>
+                <a:tint val="64000"/>
+                <a:lumMod val="118000"/>
               </a:schemeClr>
             </a:gs>
             <a:gs pos="100000">
               <a:schemeClr val="phClr">
-                <a:tint val="84000"/>
+                <a:tint val="92000"/>
+                <a:alpha val="100000"/>
+                <a:lumMod val="110000"/>
               </a:schemeClr>
             </a:gs>
           </a:gsLst>
@@ -8233,38 +8304,34 @@
           <a:gsLst>
             <a:gs pos="0">
               <a:schemeClr val="phClr">
-                <a:tint val="96000"/>
-                <a:lumMod val="102000"/>
+                <a:tint val="98000"/>
+                <a:lumMod val="114000"/>
               </a:schemeClr>
             </a:gs>
             <a:gs pos="100000">
               <a:schemeClr val="phClr">
-                <a:shade val="88000"/>
-                <a:lumMod val="94000"/>
+                <a:shade val="90000"/>
+                <a:lumMod val="84000"/>
               </a:schemeClr>
             </a:gs>
           </a:gsLst>
-          <a:path path="circle">
-            <a:fillToRect l="50000" t="100000" r="100000" b="50000"/>
-          </a:path>
+          <a:lin ang="5400000" scaled="0"/>
         </a:gradFill>
       </a:fillStyleLst>
       <a:lnStyleLst>
         <a:ln w="9525" cap="rnd" cmpd="sng" algn="ctr">
           <a:solidFill>
-            <a:schemeClr val="phClr">
-              <a:tint val="60000"/>
-            </a:schemeClr>
+            <a:schemeClr val="phClr"/>
           </a:solidFill>
           <a:prstDash val="solid"/>
         </a:ln>
-        <a:ln w="15875" cap="rnd" cmpd="sng" algn="ctr">
+        <a:ln w="19050" cap="rnd" cmpd="sng" algn="ctr">
           <a:solidFill>
             <a:schemeClr val="phClr"/>
           </a:solidFill>
           <a:prstDash val="solid"/>
         </a:ln>
-        <a:ln w="22225" cap="rnd" cmpd="sng" algn="ctr">
+        <a:ln w="28575" cap="rnd" cmpd="sng" algn="ctr">
           <a:solidFill>
             <a:schemeClr val="phClr"/>
           </a:solidFill>
@@ -8277,14 +8344,18 @@
         </a:effectStyle>
         <a:effectStyle>
           <a:effectLst>
-            <a:reflection blurRad="12700" stA="26000" endPos="32000" dist="12700" dir="5400000" sy="-100000" rotWithShape="0"/>
+            <a:outerShdw blurRad="38100" dist="25400" dir="5400000" rotWithShape="0">
+              <a:srgbClr val="000000">
+                <a:alpha val="45000"/>
+              </a:srgbClr>
+            </a:outerShdw>
           </a:effectLst>
         </a:effectStyle>
         <a:effectStyle>
           <a:effectLst>
-            <a:outerShdw blurRad="38100" dist="25400" dir="5400000" rotWithShape="0">
+            <a:outerShdw blurRad="63500" dist="38100" dir="5400000" rotWithShape="0">
               <a:srgbClr val="000000">
-                <a:alpha val="64000"/>
+                <a:alpha val="60000"/>
               </a:srgbClr>
             </a:outerShdw>
           </a:effectLst>
@@ -8292,12 +8363,10 @@
             <a:camera prst="orthographicFront">
               <a:rot lat="0" lon="0" rev="0"/>
             </a:camera>
-            <a:lightRig rig="threePt" dir="tl">
-              <a:rot lat="0" lon="0" rev="1200000"/>
-            </a:lightRig>
+            <a:lightRig rig="threePt" dir="tl"/>
           </a:scene3d>
-          <a:sp3d>
-            <a:bevelT w="25400" h="12700"/>
+          <a:sp3d prstMaterial="plastic">
+            <a:bevelT w="0" h="0"/>
           </a:sp3d>
         </a:effectStyle>
       </a:effectStyleLst>
@@ -8309,30 +8378,40 @@
           <a:gsLst>
             <a:gs pos="0">
               <a:schemeClr val="phClr">
-                <a:tint val="90000"/>
-                <a:lumMod val="110000"/>
+                <a:tint val="97000"/>
+                <a:hueMod val="88000"/>
+                <a:satMod val="130000"/>
+                <a:lumMod val="124000"/>
               </a:schemeClr>
             </a:gs>
             <a:gs pos="100000">
               <a:schemeClr val="phClr">
-                <a:shade val="64000"/>
-                <a:lumMod val="98000"/>
+                <a:tint val="96000"/>
+                <a:shade val="88000"/>
+                <a:hueMod val="108000"/>
+                <a:satMod val="164000"/>
+                <a:lumMod val="76000"/>
               </a:schemeClr>
             </a:gs>
           </a:gsLst>
-          <a:lin ang="5400000" scaled="0"/>
+          <a:path path="circle">
+            <a:fillToRect l="45000" t="65000" r="125000" b="100000"/>
+          </a:path>
         </a:gradFill>
         <a:blipFill rotWithShape="1">
           <a:blip xmlns:r="http://schemas.openxmlformats.org/officeDocument/2006/relationships" r:embed="rId1">
             <a:duotone>
               <a:schemeClr val="phClr">
-                <a:shade val="76000"/>
-                <a:satMod val="180000"/>
+                <a:shade val="69000"/>
+                <a:hueMod val="108000"/>
+                <a:satMod val="164000"/>
+                <a:lumMod val="74000"/>
               </a:schemeClr>
               <a:schemeClr val="phClr">
-                <a:tint val="80000"/>
-                <a:satMod val="120000"/>
-                <a:lumMod val="180000"/>
+                <a:tint val="96000"/>
+                <a:hueMod val="88000"/>
+                <a:satMod val="140000"/>
+                <a:lumMod val="132000"/>
               </a:schemeClr>
             </a:duotone>
           </a:blip>
@@ -8345,7 +8424,7 @@
   <a:extraClrSchemeLst/>
   <a:extLst>
     <a:ext uri="{05A4C25C-085E-4340-85A3-A5531E510DB2}">
-      <thm15:themeFamily xmlns:thm15="http://schemas.microsoft.com/office/thememl/2012/main" name="Parallax" id="{3388167B-A2EB-4685-9635-1831D9AEF8C4}" vid="{93B4CCAC-FD5A-4D59-B1AC-EAF45910B5A9}"/>
+      <thm15:themeFamily xmlns:thm15="http://schemas.microsoft.com/office/thememl/2012/main" name="Ion" id="{B8441ADB-2E43-4AF7-B97A-BD870242C6A8}" vid="{292E63A9-BB86-4E3D-B92A-7223C6510D2E}"/>
     </a:ext>
   </a:extLst>
 </a:theme>
